--- a/MVC_video.pptx
+++ b/MVC_video.pptx
@@ -5,11 +5,12 @@
     <p:sldMasterId id="2147483737" r:id="rId1"/>
   </p:sldMasterIdLst>
   <p:sldIdLst>
-    <p:sldId id="256" r:id="rId2"/>
-    <p:sldId id="257" r:id="rId3"/>
+    <p:sldId id="261" r:id="rId2"/>
+    <p:sldId id="256" r:id="rId3"/>
     <p:sldId id="258" r:id="rId4"/>
     <p:sldId id="259" r:id="rId5"/>
     <p:sldId id="260" r:id="rId6"/>
+    <p:sldId id="257" r:id="rId7"/>
   </p:sldIdLst>
   <p:sldSz cx="12192000" cy="6858000"/>
   <p:notesSz cx="6858000" cy="9144000"/>
@@ -182,7 +183,7 @@
           <a:noFill/>
           <a:extLst>
             <a:ext uri="{909E8E84-426E-40dd-AFC4-6F175D3DCCD1}">
-              <a14:hiddenFill xmlns:a14="http://schemas.microsoft.com/office/drawing/2010/main" xmlns="">
+              <a14:hiddenFill xmlns="" xmlns:a14="http://schemas.microsoft.com/office/drawing/2010/main">
                 <a:solidFill>
                   <a:srgbClr val="FFFFFF"/>
                 </a:solidFill>
@@ -242,7 +243,7 @@
             </a:ln>
             <a:extLst>
               <a:ext uri="{91240B29-F687-4f45-9708-019B960494DF}">
-                <a14:hiddenLine xmlns:a14="http://schemas.microsoft.com/office/drawing/2010/main" xmlns="" w="9525">
+                <a14:hiddenLine xmlns="" xmlns:a14="http://schemas.microsoft.com/office/drawing/2010/main" w="9525">
                   <a:solidFill>
                     <a:srgbClr val="000000"/>
                   </a:solidFill>
@@ -332,7 +333,7 @@
             </a:ln>
             <a:extLst>
               <a:ext uri="{91240B29-F687-4f45-9708-019B960494DF}">
-                <a14:hiddenLine xmlns:a14="http://schemas.microsoft.com/office/drawing/2010/main" xmlns="" w="9525">
+                <a14:hiddenLine xmlns="" xmlns:a14="http://schemas.microsoft.com/office/drawing/2010/main" w="9525">
                   <a:solidFill>
                     <a:srgbClr val="000000"/>
                   </a:solidFill>
@@ -422,7 +423,7 @@
             </a:ln>
             <a:extLst>
               <a:ext uri="{91240B29-F687-4f45-9708-019B960494DF}">
-                <a14:hiddenLine xmlns:a14="http://schemas.microsoft.com/office/drawing/2010/main" xmlns="" w="9525">
+                <a14:hiddenLine xmlns="" xmlns:a14="http://schemas.microsoft.com/office/drawing/2010/main" w="9525">
                   <a:solidFill>
                     <a:srgbClr val="000000"/>
                   </a:solidFill>
@@ -456,7 +457,7 @@
             </a:ln>
             <a:extLst>
               <a:ext uri="{91240B29-F687-4f45-9708-019B960494DF}">
-                <a14:hiddenLine xmlns:a14="http://schemas.microsoft.com/office/drawing/2010/main" xmlns="" w="9525">
+                <a14:hiddenLine xmlns="" xmlns:a14="http://schemas.microsoft.com/office/drawing/2010/main" w="9525">
                   <a:solidFill>
                     <a:srgbClr val="000000"/>
                   </a:solidFill>
@@ -546,7 +547,7 @@
             </a:ln>
             <a:extLst>
               <a:ext uri="{91240B29-F687-4f45-9708-019B960494DF}">
-                <a14:hiddenLine xmlns:a14="http://schemas.microsoft.com/office/drawing/2010/main" xmlns="" w="9525">
+                <a14:hiddenLine xmlns="" xmlns:a14="http://schemas.microsoft.com/office/drawing/2010/main" w="9525">
                   <a:solidFill>
                     <a:srgbClr val="000000"/>
                   </a:solidFill>
@@ -608,7 +609,7 @@
             </a:ln>
             <a:extLst>
               <a:ext uri="{91240B29-F687-4f45-9708-019B960494DF}">
-                <a14:hiddenLine xmlns:a14="http://schemas.microsoft.com/office/drawing/2010/main" xmlns="" w="9525">
+                <a14:hiddenLine xmlns="" xmlns:a14="http://schemas.microsoft.com/office/drawing/2010/main" w="9525">
                   <a:solidFill>
                     <a:srgbClr val="000000"/>
                   </a:solidFill>
@@ -670,7 +671,7 @@
             </a:ln>
             <a:extLst>
               <a:ext uri="{91240B29-F687-4f45-9708-019B960494DF}">
-                <a14:hiddenLine xmlns:a14="http://schemas.microsoft.com/office/drawing/2010/main" xmlns="" w="9525">
+                <a14:hiddenLine xmlns="" xmlns:a14="http://schemas.microsoft.com/office/drawing/2010/main" w="9525">
                   <a:solidFill>
                     <a:srgbClr val="000000"/>
                   </a:solidFill>
@@ -760,7 +761,7 @@
             </a:ln>
             <a:extLst>
               <a:ext uri="{91240B29-F687-4f45-9708-019B960494DF}">
-                <a14:hiddenLine xmlns:a14="http://schemas.microsoft.com/office/drawing/2010/main" xmlns="" w="9525">
+                <a14:hiddenLine xmlns="" xmlns:a14="http://schemas.microsoft.com/office/drawing/2010/main" w="9525">
                   <a:solidFill>
                     <a:srgbClr val="000000"/>
                   </a:solidFill>
@@ -822,7 +823,7 @@
             </a:ln>
             <a:extLst>
               <a:ext uri="{91240B29-F687-4f45-9708-019B960494DF}">
-                <a14:hiddenLine xmlns:a14="http://schemas.microsoft.com/office/drawing/2010/main" xmlns="" w="9525">
+                <a14:hiddenLine xmlns="" xmlns:a14="http://schemas.microsoft.com/office/drawing/2010/main" w="9525">
                   <a:solidFill>
                     <a:srgbClr val="000000"/>
                   </a:solidFill>
@@ -884,7 +885,7 @@
             </a:ln>
             <a:extLst>
               <a:ext uri="{91240B29-F687-4f45-9708-019B960494DF}">
-                <a14:hiddenLine xmlns:a14="http://schemas.microsoft.com/office/drawing/2010/main" xmlns="" w="9525">
+                <a14:hiddenLine xmlns="" xmlns:a14="http://schemas.microsoft.com/office/drawing/2010/main" w="9525">
                   <a:solidFill>
                     <a:srgbClr val="000000"/>
                   </a:solidFill>
@@ -974,7 +975,7 @@
             </a:ln>
             <a:extLst>
               <a:ext uri="{91240B29-F687-4f45-9708-019B960494DF}">
-                <a14:hiddenLine xmlns:a14="http://schemas.microsoft.com/office/drawing/2010/main" xmlns="" w="9525">
+                <a14:hiddenLine xmlns="" xmlns:a14="http://schemas.microsoft.com/office/drawing/2010/main" w="9525">
                   <a:solidFill>
                     <a:srgbClr val="000000"/>
                   </a:solidFill>
@@ -1064,7 +1065,7 @@
             </a:ln>
             <a:extLst>
               <a:ext uri="{91240B29-F687-4f45-9708-019B960494DF}">
-                <a14:hiddenLine xmlns:a14="http://schemas.microsoft.com/office/drawing/2010/main" xmlns="" w="9525">
+                <a14:hiddenLine xmlns="" xmlns:a14="http://schemas.microsoft.com/office/drawing/2010/main" w="9525">
                   <a:solidFill>
                     <a:srgbClr val="000000"/>
                   </a:solidFill>
@@ -1126,7 +1127,7 @@
             </a:ln>
             <a:extLst>
               <a:ext uri="{91240B29-F687-4f45-9708-019B960494DF}">
-                <a14:hiddenLine xmlns:a14="http://schemas.microsoft.com/office/drawing/2010/main" xmlns="" w="9525">
+                <a14:hiddenLine xmlns="" xmlns:a14="http://schemas.microsoft.com/office/drawing/2010/main" w="9525">
                   <a:solidFill>
                     <a:srgbClr val="000000"/>
                   </a:solidFill>
@@ -1236,7 +1237,7 @@
             </a:ln>
             <a:extLst>
               <a:ext uri="{91240B29-F687-4f45-9708-019B960494DF}">
-                <a14:hiddenLine xmlns:a14="http://schemas.microsoft.com/office/drawing/2010/main" xmlns="" w="9525">
+                <a14:hiddenLine xmlns="" xmlns:a14="http://schemas.microsoft.com/office/drawing/2010/main" w="9525">
                   <a:solidFill>
                     <a:srgbClr val="000000"/>
                   </a:solidFill>
@@ -1298,7 +1299,7 @@
             </a:ln>
             <a:extLst>
               <a:ext uri="{91240B29-F687-4f45-9708-019B960494DF}">
-                <a14:hiddenLine xmlns:a14="http://schemas.microsoft.com/office/drawing/2010/main" xmlns="" w="9525">
+                <a14:hiddenLine xmlns="" xmlns:a14="http://schemas.microsoft.com/office/drawing/2010/main" w="9525">
                   <a:solidFill>
                     <a:srgbClr val="000000"/>
                   </a:solidFill>
@@ -1388,7 +1389,7 @@
             </a:ln>
             <a:extLst>
               <a:ext uri="{91240B29-F687-4f45-9708-019B960494DF}">
-                <a14:hiddenLine xmlns:a14="http://schemas.microsoft.com/office/drawing/2010/main" xmlns="" w="9525">
+                <a14:hiddenLine xmlns="" xmlns:a14="http://schemas.microsoft.com/office/drawing/2010/main" w="9525">
                   <a:solidFill>
                     <a:srgbClr val="000000"/>
                   </a:solidFill>
@@ -1478,7 +1479,7 @@
             </a:ln>
             <a:extLst>
               <a:ext uri="{91240B29-F687-4f45-9708-019B960494DF}">
-                <a14:hiddenLine xmlns:a14="http://schemas.microsoft.com/office/drawing/2010/main" xmlns="" w="9525">
+                <a14:hiddenLine xmlns="" xmlns:a14="http://schemas.microsoft.com/office/drawing/2010/main" w="9525">
                   <a:solidFill>
                     <a:srgbClr val="000000"/>
                   </a:solidFill>
@@ -1540,7 +1541,7 @@
             </a:ln>
             <a:extLst>
               <a:ext uri="{91240B29-F687-4f45-9708-019B960494DF}">
-                <a14:hiddenLine xmlns:a14="http://schemas.microsoft.com/office/drawing/2010/main" xmlns="" w="9525">
+                <a14:hiddenLine xmlns="" xmlns:a14="http://schemas.microsoft.com/office/drawing/2010/main" w="9525">
                   <a:solidFill>
                     <a:srgbClr val="000000"/>
                   </a:solidFill>
@@ -1630,7 +1631,7 @@
             </a:ln>
             <a:extLst>
               <a:ext uri="{91240B29-F687-4f45-9708-019B960494DF}">
-                <a14:hiddenLine xmlns:a14="http://schemas.microsoft.com/office/drawing/2010/main" xmlns="" w="9525">
+                <a14:hiddenLine xmlns="" xmlns:a14="http://schemas.microsoft.com/office/drawing/2010/main" w="9525">
                   <a:solidFill>
                     <a:srgbClr val="000000"/>
                   </a:solidFill>
@@ -1720,7 +1721,7 @@
             </a:ln>
             <a:extLst>
               <a:ext uri="{91240B29-F687-4f45-9708-019B960494DF}">
-                <a14:hiddenLine xmlns:a14="http://schemas.microsoft.com/office/drawing/2010/main" xmlns="" w="9525">
+                <a14:hiddenLine xmlns="" xmlns:a14="http://schemas.microsoft.com/office/drawing/2010/main" w="9525">
                   <a:solidFill>
                     <a:srgbClr val="000000"/>
                   </a:solidFill>
@@ -1776,7 +1777,7 @@
             </a:ln>
             <a:extLst>
               <a:ext uri="{91240B29-F687-4f45-9708-019B960494DF}">
-                <a14:hiddenLine xmlns:a14="http://schemas.microsoft.com/office/drawing/2010/main" xmlns="" w="9525">
+                <a14:hiddenLine xmlns="" xmlns:a14="http://schemas.microsoft.com/office/drawing/2010/main" w="9525">
                   <a:solidFill>
                     <a:srgbClr val="000000"/>
                   </a:solidFill>
@@ -1866,7 +1867,7 @@
             </a:ln>
             <a:extLst>
               <a:ext uri="{91240B29-F687-4f45-9708-019B960494DF}">
-                <a14:hiddenLine xmlns:a14="http://schemas.microsoft.com/office/drawing/2010/main" xmlns="" w="9525">
+                <a14:hiddenLine xmlns="" xmlns:a14="http://schemas.microsoft.com/office/drawing/2010/main" w="9525">
                   <a:solidFill>
                     <a:srgbClr val="000000"/>
                   </a:solidFill>
@@ -1922,7 +1923,7 @@
             </a:ln>
             <a:extLst>
               <a:ext uri="{91240B29-F687-4f45-9708-019B960494DF}">
-                <a14:hiddenLine xmlns:a14="http://schemas.microsoft.com/office/drawing/2010/main" xmlns="" w="9525">
+                <a14:hiddenLine xmlns="" xmlns:a14="http://schemas.microsoft.com/office/drawing/2010/main" w="9525">
                   <a:solidFill>
                     <a:srgbClr val="000000"/>
                   </a:solidFill>
@@ -2012,7 +2013,7 @@
             </a:ln>
             <a:extLst>
               <a:ext uri="{91240B29-F687-4f45-9708-019B960494DF}">
-                <a14:hiddenLine xmlns:a14="http://schemas.microsoft.com/office/drawing/2010/main" xmlns="" w="9525">
+                <a14:hiddenLine xmlns="" xmlns:a14="http://schemas.microsoft.com/office/drawing/2010/main" w="9525">
                   <a:solidFill>
                     <a:srgbClr val="000000"/>
                   </a:solidFill>
@@ -2080,7 +2081,7 @@
             </a:ln>
             <a:extLst>
               <a:ext uri="{91240B29-F687-4f45-9708-019B960494DF}">
-                <a14:hiddenLine xmlns:a14="http://schemas.microsoft.com/office/drawing/2010/main" xmlns="" w="9525">
+                <a14:hiddenLine xmlns="" xmlns:a14="http://schemas.microsoft.com/office/drawing/2010/main" w="9525">
                   <a:solidFill>
                     <a:srgbClr val="000000"/>
                   </a:solidFill>
@@ -2170,7 +2171,7 @@
             </a:ln>
             <a:extLst>
               <a:ext uri="{91240B29-F687-4f45-9708-019B960494DF}">
-                <a14:hiddenLine xmlns:a14="http://schemas.microsoft.com/office/drawing/2010/main" xmlns="" w="9525">
+                <a14:hiddenLine xmlns="" xmlns:a14="http://schemas.microsoft.com/office/drawing/2010/main" w="9525">
                   <a:solidFill>
                     <a:srgbClr val="000000"/>
                   </a:solidFill>
@@ -2238,7 +2239,7 @@
             </a:ln>
             <a:extLst>
               <a:ext uri="{91240B29-F687-4f45-9708-019B960494DF}">
-                <a14:hiddenLine xmlns:a14="http://schemas.microsoft.com/office/drawing/2010/main" xmlns="" w="9525">
+                <a14:hiddenLine xmlns="" xmlns:a14="http://schemas.microsoft.com/office/drawing/2010/main" w="9525">
                   <a:solidFill>
                     <a:srgbClr val="000000"/>
                   </a:solidFill>
@@ -2328,7 +2329,7 @@
             </a:ln>
             <a:extLst>
               <a:ext uri="{91240B29-F687-4f45-9708-019B960494DF}">
-                <a14:hiddenLine xmlns:a14="http://schemas.microsoft.com/office/drawing/2010/main" xmlns="" w="9525">
+                <a14:hiddenLine xmlns="" xmlns:a14="http://schemas.microsoft.com/office/drawing/2010/main" w="9525">
                   <a:solidFill>
                     <a:srgbClr val="000000"/>
                   </a:solidFill>
@@ -2362,7 +2363,7 @@
             </a:ln>
             <a:extLst>
               <a:ext uri="{91240B29-F687-4f45-9708-019B960494DF}">
-                <a14:hiddenLine xmlns:a14="http://schemas.microsoft.com/office/drawing/2010/main" xmlns="" w="9525">
+                <a14:hiddenLine xmlns="" xmlns:a14="http://schemas.microsoft.com/office/drawing/2010/main" w="9525">
                   <a:solidFill>
                     <a:srgbClr val="000000"/>
                   </a:solidFill>
@@ -2452,7 +2453,7 @@
             </a:ln>
             <a:extLst>
               <a:ext uri="{91240B29-F687-4f45-9708-019B960494DF}">
-                <a14:hiddenLine xmlns:a14="http://schemas.microsoft.com/office/drawing/2010/main" xmlns="" w="9525">
+                <a14:hiddenLine xmlns="" xmlns:a14="http://schemas.microsoft.com/office/drawing/2010/main" w="9525">
                   <a:solidFill>
                     <a:srgbClr val="000000"/>
                   </a:solidFill>
@@ -2514,7 +2515,7 @@
             </a:ln>
             <a:extLst>
               <a:ext uri="{91240B29-F687-4f45-9708-019B960494DF}">
-                <a14:hiddenLine xmlns:a14="http://schemas.microsoft.com/office/drawing/2010/main" xmlns="" w="9525">
+                <a14:hiddenLine xmlns="" xmlns:a14="http://schemas.microsoft.com/office/drawing/2010/main" w="9525">
                   <a:solidFill>
                     <a:srgbClr val="000000"/>
                   </a:solidFill>
@@ -2576,7 +2577,7 @@
             </a:ln>
             <a:extLst>
               <a:ext uri="{91240B29-F687-4f45-9708-019B960494DF}">
-                <a14:hiddenLine xmlns:a14="http://schemas.microsoft.com/office/drawing/2010/main" xmlns="" w="9525">
+                <a14:hiddenLine xmlns="" xmlns:a14="http://schemas.microsoft.com/office/drawing/2010/main" w="9525">
                   <a:solidFill>
                     <a:srgbClr val="000000"/>
                   </a:solidFill>
@@ -2666,7 +2667,7 @@
             </a:ln>
             <a:extLst>
               <a:ext uri="{91240B29-F687-4f45-9708-019B960494DF}">
-                <a14:hiddenLine xmlns:a14="http://schemas.microsoft.com/office/drawing/2010/main" xmlns="" w="9525">
+                <a14:hiddenLine xmlns="" xmlns:a14="http://schemas.microsoft.com/office/drawing/2010/main" w="9525">
                   <a:solidFill>
                     <a:srgbClr val="000000"/>
                   </a:solidFill>
@@ -2734,7 +2735,7 @@
             </a:ln>
             <a:extLst>
               <a:ext uri="{91240B29-F687-4f45-9708-019B960494DF}">
-                <a14:hiddenLine xmlns:a14="http://schemas.microsoft.com/office/drawing/2010/main" xmlns="" w="9525">
+                <a14:hiddenLine xmlns="" xmlns:a14="http://schemas.microsoft.com/office/drawing/2010/main" w="9525">
                   <a:solidFill>
                     <a:srgbClr val="000000"/>
                   </a:solidFill>
@@ -2796,7 +2797,7 @@
             </a:ln>
             <a:extLst>
               <a:ext uri="{91240B29-F687-4f45-9708-019B960494DF}">
-                <a14:hiddenLine xmlns:a14="http://schemas.microsoft.com/office/drawing/2010/main" xmlns="" w="9525">
+                <a14:hiddenLine xmlns="" xmlns:a14="http://schemas.microsoft.com/office/drawing/2010/main" w="9525">
                   <a:solidFill>
                     <a:srgbClr val="000000"/>
                   </a:solidFill>
@@ -2886,7 +2887,7 @@
             </a:ln>
             <a:extLst>
               <a:ext uri="{91240B29-F687-4f45-9708-019B960494DF}">
-                <a14:hiddenLine xmlns:a14="http://schemas.microsoft.com/office/drawing/2010/main" xmlns="" w="9525">
+                <a14:hiddenLine xmlns="" xmlns:a14="http://schemas.microsoft.com/office/drawing/2010/main" w="9525">
                   <a:solidFill>
                     <a:srgbClr val="000000"/>
                   </a:solidFill>
@@ -2948,7 +2949,7 @@
             </a:ln>
             <a:extLst>
               <a:ext uri="{91240B29-F687-4f45-9708-019B960494DF}">
-                <a14:hiddenLine xmlns:a14="http://schemas.microsoft.com/office/drawing/2010/main" xmlns="" w="9525">
+                <a14:hiddenLine xmlns="" xmlns:a14="http://schemas.microsoft.com/office/drawing/2010/main" w="9525">
                   <a:solidFill>
                     <a:srgbClr val="000000"/>
                   </a:solidFill>
@@ -3038,7 +3039,7 @@
             </a:ln>
             <a:extLst>
               <a:ext uri="{91240B29-F687-4f45-9708-019B960494DF}">
-                <a14:hiddenLine xmlns:a14="http://schemas.microsoft.com/office/drawing/2010/main" xmlns="" w="9525">
+                <a14:hiddenLine xmlns="" xmlns:a14="http://schemas.microsoft.com/office/drawing/2010/main" w="9525">
                   <a:solidFill>
                     <a:srgbClr val="000000"/>
                   </a:solidFill>
@@ -3100,7 +3101,7 @@
             </a:ln>
             <a:extLst>
               <a:ext uri="{91240B29-F687-4f45-9708-019B960494DF}">
-                <a14:hiddenLine xmlns:a14="http://schemas.microsoft.com/office/drawing/2010/main" xmlns="" w="9525">
+                <a14:hiddenLine xmlns="" xmlns:a14="http://schemas.microsoft.com/office/drawing/2010/main" w="9525">
                   <a:solidFill>
                     <a:srgbClr val="000000"/>
                   </a:solidFill>
@@ -3190,7 +3191,7 @@
             </a:ln>
             <a:extLst>
               <a:ext uri="{91240B29-F687-4f45-9708-019B960494DF}">
-                <a14:hiddenLine xmlns:a14="http://schemas.microsoft.com/office/drawing/2010/main" xmlns="" w="9525">
+                <a14:hiddenLine xmlns="" xmlns:a14="http://schemas.microsoft.com/office/drawing/2010/main" w="9525">
                   <a:solidFill>
                     <a:srgbClr val="000000"/>
                   </a:solidFill>
@@ -3224,7 +3225,7 @@
             </a:ln>
             <a:extLst>
               <a:ext uri="{91240B29-F687-4f45-9708-019B960494DF}">
-                <a14:hiddenLine xmlns:a14="http://schemas.microsoft.com/office/drawing/2010/main" xmlns="" w="9525">
+                <a14:hiddenLine xmlns="" xmlns:a14="http://schemas.microsoft.com/office/drawing/2010/main" w="9525">
                   <a:solidFill>
                     <a:srgbClr val="000000"/>
                   </a:solidFill>
@@ -3289,7 +3290,7 @@
             </a:ln>
             <a:extLst>
               <a:ext uri="{91240B29-F687-4f45-9708-019B960494DF}">
-                <a14:hiddenLine xmlns:a14="http://schemas.microsoft.com/office/drawing/2010/main" xmlns="" w="9525">
+                <a14:hiddenLine xmlns="" xmlns:a14="http://schemas.microsoft.com/office/drawing/2010/main" w="9525">
                   <a:solidFill>
                     <a:srgbClr val="000000"/>
                   </a:solidFill>
@@ -3379,7 +3380,7 @@
             </a:ln>
             <a:extLst>
               <a:ext uri="{91240B29-F687-4f45-9708-019B960494DF}">
-                <a14:hiddenLine xmlns:a14="http://schemas.microsoft.com/office/drawing/2010/main" xmlns="" w="9525">
+                <a14:hiddenLine xmlns="" xmlns:a14="http://schemas.microsoft.com/office/drawing/2010/main" w="9525">
                   <a:solidFill>
                     <a:srgbClr val="000000"/>
                   </a:solidFill>
@@ -3441,7 +3442,7 @@
             </a:ln>
             <a:extLst>
               <a:ext uri="{91240B29-F687-4f45-9708-019B960494DF}">
-                <a14:hiddenLine xmlns:a14="http://schemas.microsoft.com/office/drawing/2010/main" xmlns="" w="9525">
+                <a14:hiddenLine xmlns="" xmlns:a14="http://schemas.microsoft.com/office/drawing/2010/main" w="9525">
                   <a:solidFill>
                     <a:srgbClr val="000000"/>
                   </a:solidFill>
@@ -3531,7 +3532,7 @@
             </a:ln>
             <a:extLst>
               <a:ext uri="{91240B29-F687-4f45-9708-019B960494DF}">
-                <a14:hiddenLine xmlns:a14="http://schemas.microsoft.com/office/drawing/2010/main" xmlns="" w="9525">
+                <a14:hiddenLine xmlns="" xmlns:a14="http://schemas.microsoft.com/office/drawing/2010/main" w="9525">
                   <a:solidFill>
                     <a:srgbClr val="000000"/>
                   </a:solidFill>
@@ -3621,7 +3622,7 @@
             </a:ln>
             <a:extLst>
               <a:ext uri="{91240B29-F687-4f45-9708-019B960494DF}">
-                <a14:hiddenLine xmlns:a14="http://schemas.microsoft.com/office/drawing/2010/main" xmlns="" w="9525">
+                <a14:hiddenLine xmlns="" xmlns:a14="http://schemas.microsoft.com/office/drawing/2010/main" w="9525">
                   <a:solidFill>
                     <a:srgbClr val="000000"/>
                   </a:solidFill>
@@ -3686,7 +3687,7 @@
             </a:ln>
             <a:extLst>
               <a:ext uri="{91240B29-F687-4f45-9708-019B960494DF}">
-                <a14:hiddenLine xmlns:a14="http://schemas.microsoft.com/office/drawing/2010/main" xmlns="" w="9525">
+                <a14:hiddenLine xmlns="" xmlns:a14="http://schemas.microsoft.com/office/drawing/2010/main" w="9525">
                   <a:solidFill>
                     <a:srgbClr val="000000"/>
                   </a:solidFill>
@@ -3748,7 +3749,7 @@
             </a:ln>
             <a:extLst>
               <a:ext uri="{91240B29-F687-4f45-9708-019B960494DF}">
-                <a14:hiddenLine xmlns:a14="http://schemas.microsoft.com/office/drawing/2010/main" xmlns="" w="9525">
+                <a14:hiddenLine xmlns="" xmlns:a14="http://schemas.microsoft.com/office/drawing/2010/main" w="9525">
                   <a:solidFill>
                     <a:srgbClr val="000000"/>
                   </a:solidFill>
@@ -3838,7 +3839,7 @@
             </a:ln>
             <a:extLst>
               <a:ext uri="{91240B29-F687-4f45-9708-019B960494DF}">
-                <a14:hiddenLine xmlns:a14="http://schemas.microsoft.com/office/drawing/2010/main" xmlns="" w="9525">
+                <a14:hiddenLine xmlns="" xmlns:a14="http://schemas.microsoft.com/office/drawing/2010/main" w="9525">
                   <a:solidFill>
                     <a:srgbClr val="000000"/>
                   </a:solidFill>
@@ -3928,7 +3929,7 @@
             </a:ln>
             <a:extLst>
               <a:ext uri="{91240B29-F687-4f45-9708-019B960494DF}">
-                <a14:hiddenLine xmlns:a14="http://schemas.microsoft.com/office/drawing/2010/main" xmlns="" w="9525">
+                <a14:hiddenLine xmlns="" xmlns:a14="http://schemas.microsoft.com/office/drawing/2010/main" w="9525">
                   <a:solidFill>
                     <a:srgbClr val="000000"/>
                   </a:solidFill>
@@ -3990,7 +3991,7 @@
             </a:ln>
             <a:extLst>
               <a:ext uri="{91240B29-F687-4f45-9708-019B960494DF}">
-                <a14:hiddenLine xmlns:a14="http://schemas.microsoft.com/office/drawing/2010/main" xmlns="" w="9525">
+                <a14:hiddenLine xmlns="" xmlns:a14="http://schemas.microsoft.com/office/drawing/2010/main" w="9525">
                   <a:solidFill>
                     <a:srgbClr val="000000"/>
                   </a:solidFill>
@@ -4110,7 +4111,7 @@
             </a:ln>
             <a:extLst>
               <a:ext uri="{91240B29-F687-4f45-9708-019B960494DF}">
-                <a14:hiddenLine xmlns:a14="http://schemas.microsoft.com/office/drawing/2010/main" xmlns="" w="9525">
+                <a14:hiddenLine xmlns="" xmlns:a14="http://schemas.microsoft.com/office/drawing/2010/main" w="9525">
                   <a:solidFill>
                     <a:srgbClr val="000000"/>
                   </a:solidFill>
@@ -4178,7 +4179,7 @@
             </a:ln>
             <a:extLst>
               <a:ext uri="{91240B29-F687-4f45-9708-019B960494DF}">
-                <a14:hiddenLine xmlns:a14="http://schemas.microsoft.com/office/drawing/2010/main" xmlns="" w="9525">
+                <a14:hiddenLine xmlns="" xmlns:a14="http://schemas.microsoft.com/office/drawing/2010/main" w="9525">
                   <a:solidFill>
                     <a:srgbClr val="000000"/>
                   </a:solidFill>
@@ -4268,7 +4269,7 @@
             </a:ln>
             <a:extLst>
               <a:ext uri="{91240B29-F687-4f45-9708-019B960494DF}">
-                <a14:hiddenLine xmlns:a14="http://schemas.microsoft.com/office/drawing/2010/main" xmlns="" w="9525">
+                <a14:hiddenLine xmlns="" xmlns:a14="http://schemas.microsoft.com/office/drawing/2010/main" w="9525">
                   <a:solidFill>
                     <a:srgbClr val="000000"/>
                   </a:solidFill>
@@ -4408,7 +4409,7 @@
           <a:p>
             <a:fld id="{367C922C-BE67-41A2-B295-B77D3DE255F6}" type="datetimeFigureOut">
               <a:rPr lang="en-US" smtClean="0"/>
-              <a:t>7/19/2017</a:t>
+              <a:t>20-Jul-17</a:t>
             </a:fld>
             <a:endParaRPr lang="en-US"/>
           </a:p>
@@ -4675,7 +4676,7 @@
           <a:p>
             <a:fld id="{367C922C-BE67-41A2-B295-B77D3DE255F6}" type="datetimeFigureOut">
               <a:rPr lang="en-US" smtClean="0"/>
-              <a:t>7/19/2017</a:t>
+              <a:t>20-Jul-17</a:t>
             </a:fld>
             <a:endParaRPr lang="en-US"/>
           </a:p>
@@ -4871,7 +4872,7 @@
           <a:p>
             <a:fld id="{367C922C-BE67-41A2-B295-B77D3DE255F6}" type="datetimeFigureOut">
               <a:rPr lang="en-US" smtClean="0"/>
-              <a:t>7/19/2017</a:t>
+              <a:t>20-Jul-17</a:t>
             </a:fld>
             <a:endParaRPr lang="en-US"/>
           </a:p>
@@ -5134,7 +5135,7 @@
           <a:p>
             <a:fld id="{367C922C-BE67-41A2-B295-B77D3DE255F6}" type="datetimeFigureOut">
               <a:rPr lang="en-US" smtClean="0"/>
-              <a:t>7/19/2017</a:t>
+              <a:t>20-Jul-17</a:t>
             </a:fld>
             <a:endParaRPr lang="en-US"/>
           </a:p>
@@ -5568,7 +5569,7 @@
           <a:p>
             <a:fld id="{367C922C-BE67-41A2-B295-B77D3DE255F6}" type="datetimeFigureOut">
               <a:rPr lang="en-US" smtClean="0"/>
-              <a:t>7/19/2017</a:t>
+              <a:t>20-Jul-17</a:t>
             </a:fld>
             <a:endParaRPr lang="en-US"/>
           </a:p>
@@ -6114,7 +6115,7 @@
           <a:p>
             <a:fld id="{367C922C-BE67-41A2-B295-B77D3DE255F6}" type="datetimeFigureOut">
               <a:rPr lang="en-US" smtClean="0"/>
-              <a:t>7/19/2017</a:t>
+              <a:t>20-Jul-17</a:t>
             </a:fld>
             <a:endParaRPr lang="en-US"/>
           </a:p>
@@ -6834,7 +6835,7 @@
           <a:p>
             <a:fld id="{367C922C-BE67-41A2-B295-B77D3DE255F6}" type="datetimeFigureOut">
               <a:rPr lang="en-US" smtClean="0"/>
-              <a:t>7/19/2017</a:t>
+              <a:t>20-Jul-17</a:t>
             </a:fld>
             <a:endParaRPr lang="en-US"/>
           </a:p>
@@ -7004,7 +7005,7 @@
           <a:p>
             <a:fld id="{367C922C-BE67-41A2-B295-B77D3DE255F6}" type="datetimeFigureOut">
               <a:rPr lang="en-US" smtClean="0"/>
-              <a:t>7/19/2017</a:t>
+              <a:t>20-Jul-17</a:t>
             </a:fld>
             <a:endParaRPr lang="en-US"/>
           </a:p>
@@ -7184,7 +7185,7 @@
           <a:p>
             <a:fld id="{367C922C-BE67-41A2-B295-B77D3DE255F6}" type="datetimeFigureOut">
               <a:rPr lang="en-US" smtClean="0"/>
-              <a:t>7/19/2017</a:t>
+              <a:t>20-Jul-17</a:t>
             </a:fld>
             <a:endParaRPr lang="en-US"/>
           </a:p>
@@ -7354,7 +7355,7 @@
           <a:p>
             <a:fld id="{367C922C-BE67-41A2-B295-B77D3DE255F6}" type="datetimeFigureOut">
               <a:rPr lang="en-US" smtClean="0"/>
-              <a:t>7/19/2017</a:t>
+              <a:t>20-Jul-17</a:t>
             </a:fld>
             <a:endParaRPr lang="en-US"/>
           </a:p>
@@ -7604,7 +7605,7 @@
           <a:p>
             <a:fld id="{367C922C-BE67-41A2-B295-B77D3DE255F6}" type="datetimeFigureOut">
               <a:rPr lang="en-US" smtClean="0"/>
-              <a:t>7/19/2017</a:t>
+              <a:t>20-Jul-17</a:t>
             </a:fld>
             <a:endParaRPr lang="en-US"/>
           </a:p>
@@ -7836,7 +7837,7 @@
           <a:p>
             <a:fld id="{367C922C-BE67-41A2-B295-B77D3DE255F6}" type="datetimeFigureOut">
               <a:rPr lang="en-US" smtClean="0"/>
-              <a:t>7/19/2017</a:t>
+              <a:t>20-Jul-17</a:t>
             </a:fld>
             <a:endParaRPr lang="en-US"/>
           </a:p>
@@ -8222,7 +8223,7 @@
           <a:p>
             <a:fld id="{367C922C-BE67-41A2-B295-B77D3DE255F6}" type="datetimeFigureOut">
               <a:rPr lang="en-US" smtClean="0"/>
-              <a:t>7/19/2017</a:t>
+              <a:t>20-Jul-17</a:t>
             </a:fld>
             <a:endParaRPr lang="en-US"/>
           </a:p>
@@ -8345,7 +8346,7 @@
           <a:p>
             <a:fld id="{367C922C-BE67-41A2-B295-B77D3DE255F6}" type="datetimeFigureOut">
               <a:rPr lang="en-US" smtClean="0"/>
-              <a:t>7/19/2017</a:t>
+              <a:t>20-Jul-17</a:t>
             </a:fld>
             <a:endParaRPr lang="en-US"/>
           </a:p>
@@ -8440,7 +8441,7 @@
           <a:p>
             <a:fld id="{367C922C-BE67-41A2-B295-B77D3DE255F6}" type="datetimeFigureOut">
               <a:rPr lang="en-US" smtClean="0"/>
-              <a:t>7/19/2017</a:t>
+              <a:t>20-Jul-17</a:t>
             </a:fld>
             <a:endParaRPr lang="en-US"/>
           </a:p>
@@ -8689,7 +8690,7 @@
           <a:p>
             <a:fld id="{367C922C-BE67-41A2-B295-B77D3DE255F6}" type="datetimeFigureOut">
               <a:rPr lang="en-US" smtClean="0"/>
-              <a:t>7/19/2017</a:t>
+              <a:t>20-Jul-17</a:t>
             </a:fld>
             <a:endParaRPr lang="en-US"/>
           </a:p>
@@ -8974,7 +8975,7 @@
           <a:p>
             <a:fld id="{367C922C-BE67-41A2-B295-B77D3DE255F6}" type="datetimeFigureOut">
               <a:rPr lang="en-US" smtClean="0"/>
-              <a:t>7/19/2017</a:t>
+              <a:t>20-Jul-17</a:t>
             </a:fld>
             <a:endParaRPr lang="en-US"/>
           </a:p>
@@ -9090,7 +9091,7 @@
           <a:noFill/>
           <a:extLst>
             <a:ext uri="{909E8E84-426E-40dd-AFC4-6F175D3DCCD1}">
-              <a14:hiddenFill xmlns:a14="http://schemas.microsoft.com/office/drawing/2010/main" xmlns="">
+              <a14:hiddenFill xmlns="" xmlns:a14="http://schemas.microsoft.com/office/drawing/2010/main">
                 <a:solidFill>
                   <a:srgbClr val="FFFFFF"/>
                 </a:solidFill>
@@ -9164,7 +9165,7 @@
               </a:ln>
               <a:extLst>
                 <a:ext uri="{91240B29-F687-4f45-9708-019B960494DF}">
-                  <a14:hiddenLine xmlns:a14="http://schemas.microsoft.com/office/drawing/2010/main" xmlns="" w="9525">
+                  <a14:hiddenLine xmlns="" xmlns:a14="http://schemas.microsoft.com/office/drawing/2010/main" w="9525">
                     <a:solidFill>
                       <a:srgbClr val="000000"/>
                     </a:solidFill>
@@ -9254,7 +9255,7 @@
               </a:ln>
               <a:extLst>
                 <a:ext uri="{91240B29-F687-4f45-9708-019B960494DF}">
-                  <a14:hiddenLine xmlns:a14="http://schemas.microsoft.com/office/drawing/2010/main" xmlns="" w="9525">
+                  <a14:hiddenLine xmlns="" xmlns:a14="http://schemas.microsoft.com/office/drawing/2010/main" w="9525">
                     <a:solidFill>
                       <a:srgbClr val="000000"/>
                     </a:solidFill>
@@ -9344,7 +9345,7 @@
               </a:ln>
               <a:extLst>
                 <a:ext uri="{91240B29-F687-4f45-9708-019B960494DF}">
-                  <a14:hiddenLine xmlns:a14="http://schemas.microsoft.com/office/drawing/2010/main" xmlns="" w="9525">
+                  <a14:hiddenLine xmlns="" xmlns:a14="http://schemas.microsoft.com/office/drawing/2010/main" w="9525">
                     <a:solidFill>
                       <a:srgbClr val="000000"/>
                     </a:solidFill>
@@ -9406,7 +9407,7 @@
               </a:ln>
               <a:extLst>
                 <a:ext uri="{91240B29-F687-4f45-9708-019B960494DF}">
-                  <a14:hiddenLine xmlns:a14="http://schemas.microsoft.com/office/drawing/2010/main" xmlns="" w="9525">
+                  <a14:hiddenLine xmlns="" xmlns:a14="http://schemas.microsoft.com/office/drawing/2010/main" w="9525">
                     <a:solidFill>
                       <a:srgbClr val="000000"/>
                     </a:solidFill>
@@ -9496,7 +9497,7 @@
               </a:ln>
               <a:extLst>
                 <a:ext uri="{91240B29-F687-4f45-9708-019B960494DF}">
-                  <a14:hiddenLine xmlns:a14="http://schemas.microsoft.com/office/drawing/2010/main" xmlns="" w="9525">
+                  <a14:hiddenLine xmlns="" xmlns:a14="http://schemas.microsoft.com/office/drawing/2010/main" w="9525">
                     <a:solidFill>
                       <a:srgbClr val="000000"/>
                     </a:solidFill>
@@ -9558,7 +9559,7 @@
               </a:ln>
               <a:extLst>
                 <a:ext uri="{91240B29-F687-4f45-9708-019B960494DF}">
-                  <a14:hiddenLine xmlns:a14="http://schemas.microsoft.com/office/drawing/2010/main" xmlns="" w="9525">
+                  <a14:hiddenLine xmlns="" xmlns:a14="http://schemas.microsoft.com/office/drawing/2010/main" w="9525">
                     <a:solidFill>
                       <a:srgbClr val="000000"/>
                     </a:solidFill>
@@ -9620,7 +9621,7 @@
               </a:ln>
               <a:extLst>
                 <a:ext uri="{91240B29-F687-4f45-9708-019B960494DF}">
-                  <a14:hiddenLine xmlns:a14="http://schemas.microsoft.com/office/drawing/2010/main" xmlns="" w="9525">
+                  <a14:hiddenLine xmlns="" xmlns:a14="http://schemas.microsoft.com/office/drawing/2010/main" w="9525">
                     <a:solidFill>
                       <a:srgbClr val="000000"/>
                     </a:solidFill>
@@ -9710,7 +9711,7 @@
               </a:ln>
               <a:extLst>
                 <a:ext uri="{91240B29-F687-4f45-9708-019B960494DF}">
-                  <a14:hiddenLine xmlns:a14="http://schemas.microsoft.com/office/drawing/2010/main" xmlns="" w="9525">
+                  <a14:hiddenLine xmlns="" xmlns:a14="http://schemas.microsoft.com/office/drawing/2010/main" w="9525">
                     <a:solidFill>
                       <a:srgbClr val="000000"/>
                     </a:solidFill>
@@ -9800,7 +9801,7 @@
               </a:ln>
               <a:extLst>
                 <a:ext uri="{91240B29-F687-4f45-9708-019B960494DF}">
-                  <a14:hiddenLine xmlns:a14="http://schemas.microsoft.com/office/drawing/2010/main" xmlns="" w="9525">
+                  <a14:hiddenLine xmlns="" xmlns:a14="http://schemas.microsoft.com/office/drawing/2010/main" w="9525">
                     <a:solidFill>
                       <a:srgbClr val="000000"/>
                     </a:solidFill>
@@ -9862,7 +9863,7 @@
               </a:ln>
               <a:extLst>
                 <a:ext uri="{91240B29-F687-4f45-9708-019B960494DF}">
-                  <a14:hiddenLine xmlns:a14="http://schemas.microsoft.com/office/drawing/2010/main" xmlns="" w="9525">
+                  <a14:hiddenLine xmlns="" xmlns:a14="http://schemas.microsoft.com/office/drawing/2010/main" w="9525">
                     <a:solidFill>
                       <a:srgbClr val="000000"/>
                     </a:solidFill>
@@ -9972,7 +9973,7 @@
               </a:ln>
               <a:extLst>
                 <a:ext uri="{91240B29-F687-4f45-9708-019B960494DF}">
-                  <a14:hiddenLine xmlns:a14="http://schemas.microsoft.com/office/drawing/2010/main" xmlns="" w="9525">
+                  <a14:hiddenLine xmlns="" xmlns:a14="http://schemas.microsoft.com/office/drawing/2010/main" w="9525">
                     <a:solidFill>
                       <a:srgbClr val="000000"/>
                     </a:solidFill>
@@ -10056,7 +10057,7 @@
               </a:ln>
               <a:extLst>
                 <a:ext uri="{91240B29-F687-4f45-9708-019B960494DF}">
-                  <a14:hiddenLine xmlns:a14="http://schemas.microsoft.com/office/drawing/2010/main" xmlns="" w="9525">
+                  <a14:hiddenLine xmlns="" xmlns:a14="http://schemas.microsoft.com/office/drawing/2010/main" w="9525">
                     <a:solidFill>
                       <a:srgbClr val="000000"/>
                     </a:solidFill>
@@ -10118,7 +10119,7 @@
               </a:ln>
               <a:extLst>
                 <a:ext uri="{91240B29-F687-4f45-9708-019B960494DF}">
-                  <a14:hiddenLine xmlns:a14="http://schemas.microsoft.com/office/drawing/2010/main" xmlns="" w="9525">
+                  <a14:hiddenLine xmlns="" xmlns:a14="http://schemas.microsoft.com/office/drawing/2010/main" w="9525">
                     <a:solidFill>
                       <a:srgbClr val="000000"/>
                     </a:solidFill>
@@ -10180,7 +10181,7 @@
               </a:ln>
               <a:extLst>
                 <a:ext uri="{91240B29-F687-4f45-9708-019B960494DF}">
-                  <a14:hiddenLine xmlns:a14="http://schemas.microsoft.com/office/drawing/2010/main" xmlns="" w="9525">
+                  <a14:hiddenLine xmlns="" xmlns:a14="http://schemas.microsoft.com/office/drawing/2010/main" w="9525">
                     <a:solidFill>
                       <a:srgbClr val="000000"/>
                     </a:solidFill>
@@ -10270,7 +10271,7 @@
               </a:ln>
               <a:extLst>
                 <a:ext uri="{91240B29-F687-4f45-9708-019B960494DF}">
-                  <a14:hiddenLine xmlns:a14="http://schemas.microsoft.com/office/drawing/2010/main" xmlns="" w="9525">
+                  <a14:hiddenLine xmlns="" xmlns:a14="http://schemas.microsoft.com/office/drawing/2010/main" w="9525">
                     <a:solidFill>
                       <a:srgbClr val="000000"/>
                     </a:solidFill>
@@ -10304,7 +10305,7 @@
               </a:ln>
               <a:extLst>
                 <a:ext uri="{91240B29-F687-4f45-9708-019B960494DF}">
-                  <a14:hiddenLine xmlns:a14="http://schemas.microsoft.com/office/drawing/2010/main" xmlns="" w="9525">
+                  <a14:hiddenLine xmlns="" xmlns:a14="http://schemas.microsoft.com/office/drawing/2010/main" w="9525">
                     <a:solidFill>
                       <a:srgbClr val="000000"/>
                     </a:solidFill>
@@ -10369,7 +10370,7 @@
               </a:ln>
               <a:extLst>
                 <a:ext uri="{91240B29-F687-4f45-9708-019B960494DF}">
-                  <a14:hiddenLine xmlns:a14="http://schemas.microsoft.com/office/drawing/2010/main" xmlns="" w="9525">
+                  <a14:hiddenLine xmlns="" xmlns:a14="http://schemas.microsoft.com/office/drawing/2010/main" w="9525">
                     <a:solidFill>
                       <a:srgbClr val="000000"/>
                     </a:solidFill>
@@ -10459,7 +10460,7 @@
               </a:ln>
               <a:extLst>
                 <a:ext uri="{91240B29-F687-4f45-9708-019B960494DF}">
-                  <a14:hiddenLine xmlns:a14="http://schemas.microsoft.com/office/drawing/2010/main" xmlns="" w="9525">
+                  <a14:hiddenLine xmlns="" xmlns:a14="http://schemas.microsoft.com/office/drawing/2010/main" w="9525">
                     <a:solidFill>
                       <a:srgbClr val="000000"/>
                     </a:solidFill>
@@ -10521,7 +10522,7 @@
               </a:ln>
               <a:extLst>
                 <a:ext uri="{91240B29-F687-4f45-9708-019B960494DF}">
-                  <a14:hiddenLine xmlns:a14="http://schemas.microsoft.com/office/drawing/2010/main" xmlns="" w="9525">
+                  <a14:hiddenLine xmlns="" xmlns:a14="http://schemas.microsoft.com/office/drawing/2010/main" w="9525">
                     <a:solidFill>
                       <a:srgbClr val="000000"/>
                     </a:solidFill>
@@ -10611,7 +10612,7 @@
               </a:ln>
               <a:extLst>
                 <a:ext uri="{91240B29-F687-4f45-9708-019B960494DF}">
-                  <a14:hiddenLine xmlns:a14="http://schemas.microsoft.com/office/drawing/2010/main" xmlns="" w="9525">
+                  <a14:hiddenLine xmlns="" xmlns:a14="http://schemas.microsoft.com/office/drawing/2010/main" w="9525">
                     <a:solidFill>
                       <a:srgbClr val="000000"/>
                     </a:solidFill>
@@ -10676,7 +10677,7 @@
               </a:ln>
               <a:extLst>
                 <a:ext uri="{91240B29-F687-4f45-9708-019B960494DF}">
-                  <a14:hiddenLine xmlns:a14="http://schemas.microsoft.com/office/drawing/2010/main" xmlns="" w="9525">
+                  <a14:hiddenLine xmlns="" xmlns:a14="http://schemas.microsoft.com/office/drawing/2010/main" w="9525">
                     <a:solidFill>
                       <a:srgbClr val="000000"/>
                     </a:solidFill>
@@ -10738,7 +10739,7 @@
               </a:ln>
               <a:extLst>
                 <a:ext uri="{91240B29-F687-4f45-9708-019B960494DF}">
-                  <a14:hiddenLine xmlns:a14="http://schemas.microsoft.com/office/drawing/2010/main" xmlns="" w="9525">
+                  <a14:hiddenLine xmlns="" xmlns:a14="http://schemas.microsoft.com/office/drawing/2010/main" w="9525">
                     <a:solidFill>
                       <a:srgbClr val="000000"/>
                     </a:solidFill>
@@ -10828,7 +10829,7 @@
               </a:ln>
               <a:extLst>
                 <a:ext uri="{91240B29-F687-4f45-9708-019B960494DF}">
-                  <a14:hiddenLine xmlns:a14="http://schemas.microsoft.com/office/drawing/2010/main" xmlns="" w="9525">
+                  <a14:hiddenLine xmlns="" xmlns:a14="http://schemas.microsoft.com/office/drawing/2010/main" w="9525">
                     <a:solidFill>
                       <a:srgbClr val="000000"/>
                     </a:solidFill>
@@ -10918,7 +10919,7 @@
               </a:ln>
               <a:extLst>
                 <a:ext uri="{91240B29-F687-4f45-9708-019B960494DF}">
-                  <a14:hiddenLine xmlns:a14="http://schemas.microsoft.com/office/drawing/2010/main" xmlns="" w="9525">
+                  <a14:hiddenLine xmlns="" xmlns:a14="http://schemas.microsoft.com/office/drawing/2010/main" w="9525">
                     <a:solidFill>
                       <a:srgbClr val="000000"/>
                     </a:solidFill>
@@ -10983,7 +10984,7 @@
               </a:ln>
               <a:extLst>
                 <a:ext uri="{91240B29-F687-4f45-9708-019B960494DF}">
-                  <a14:hiddenLine xmlns:a14="http://schemas.microsoft.com/office/drawing/2010/main" xmlns="" w="9525">
+                  <a14:hiddenLine xmlns="" xmlns:a14="http://schemas.microsoft.com/office/drawing/2010/main" w="9525">
                     <a:solidFill>
                       <a:srgbClr val="000000"/>
                     </a:solidFill>
@@ -11103,7 +11104,7 @@
               </a:ln>
               <a:extLst>
                 <a:ext uri="{91240B29-F687-4f45-9708-019B960494DF}">
-                  <a14:hiddenLine xmlns:a14="http://schemas.microsoft.com/office/drawing/2010/main" xmlns="" w="9525">
+                  <a14:hiddenLine xmlns="" xmlns:a14="http://schemas.microsoft.com/office/drawing/2010/main" w="9525">
                     <a:solidFill>
                       <a:srgbClr val="000000"/>
                     </a:solidFill>
@@ -11201,7 +11202,7 @@
               </a:ln>
               <a:extLst>
                 <a:ext uri="{91240B29-F687-4f45-9708-019B960494DF}">
-                  <a14:hiddenLine xmlns:a14="http://schemas.microsoft.com/office/drawing/2010/main" xmlns="" w="9525">
+                  <a14:hiddenLine xmlns="" xmlns:a14="http://schemas.microsoft.com/office/drawing/2010/main" w="9525">
                     <a:solidFill>
                       <a:srgbClr val="000000"/>
                     </a:solidFill>
@@ -11316,7 +11317,7 @@
               </a:ln>
               <a:extLst>
                 <a:ext uri="{91240B29-F687-4f45-9708-019B960494DF}">
-                  <a14:hiddenLine xmlns:a14="http://schemas.microsoft.com/office/drawing/2010/main" xmlns="" w="9525">
+                  <a14:hiddenLine xmlns="" xmlns:a14="http://schemas.microsoft.com/office/drawing/2010/main" w="9525">
                     <a:solidFill>
                       <a:srgbClr val="000000"/>
                     </a:solidFill>
@@ -11406,7 +11407,7 @@
               </a:ln>
               <a:extLst>
                 <a:ext uri="{91240B29-F687-4f45-9708-019B960494DF}">
-                  <a14:hiddenLine xmlns:a14="http://schemas.microsoft.com/office/drawing/2010/main" xmlns="" w="9525">
+                  <a14:hiddenLine xmlns="" xmlns:a14="http://schemas.microsoft.com/office/drawing/2010/main" w="9525">
                     <a:solidFill>
                       <a:srgbClr val="000000"/>
                     </a:solidFill>
@@ -11471,7 +11472,7 @@
               </a:ln>
               <a:extLst>
                 <a:ext uri="{91240B29-F687-4f45-9708-019B960494DF}">
-                  <a14:hiddenLine xmlns:a14="http://schemas.microsoft.com/office/drawing/2010/main" xmlns="" w="9525">
+                  <a14:hiddenLine xmlns="" xmlns:a14="http://schemas.microsoft.com/office/drawing/2010/main" w="9525">
                     <a:solidFill>
                       <a:srgbClr val="000000"/>
                     </a:solidFill>
@@ -11561,7 +11562,7 @@
               </a:ln>
               <a:extLst>
                 <a:ext uri="{91240B29-F687-4f45-9708-019B960494DF}">
-                  <a14:hiddenLine xmlns:a14="http://schemas.microsoft.com/office/drawing/2010/main" xmlns="" w="9525">
+                  <a14:hiddenLine xmlns="" xmlns:a14="http://schemas.microsoft.com/office/drawing/2010/main" w="9525">
                     <a:solidFill>
                       <a:srgbClr val="000000"/>
                     </a:solidFill>
@@ -11629,7 +11630,7 @@
               </a:ln>
               <a:extLst>
                 <a:ext uri="{91240B29-F687-4f45-9708-019B960494DF}">
-                  <a14:hiddenLine xmlns:a14="http://schemas.microsoft.com/office/drawing/2010/main" xmlns="" w="9525">
+                  <a14:hiddenLine xmlns="" xmlns:a14="http://schemas.microsoft.com/office/drawing/2010/main" w="9525">
                     <a:solidFill>
                       <a:srgbClr val="000000"/>
                     </a:solidFill>
@@ -11719,7 +11720,7 @@
               </a:ln>
               <a:extLst>
                 <a:ext uri="{91240B29-F687-4f45-9708-019B960494DF}">
-                  <a14:hiddenLine xmlns:a14="http://schemas.microsoft.com/office/drawing/2010/main" xmlns="" w="9525">
+                  <a14:hiddenLine xmlns="" xmlns:a14="http://schemas.microsoft.com/office/drawing/2010/main" w="9525">
                     <a:solidFill>
                       <a:srgbClr val="000000"/>
                     </a:solidFill>
@@ -11787,7 +11788,7 @@
               </a:ln>
               <a:extLst>
                 <a:ext uri="{91240B29-F687-4f45-9708-019B960494DF}">
-                  <a14:hiddenLine xmlns:a14="http://schemas.microsoft.com/office/drawing/2010/main" xmlns="" w="9525">
+                  <a14:hiddenLine xmlns="" xmlns:a14="http://schemas.microsoft.com/office/drawing/2010/main" w="9525">
                     <a:solidFill>
                       <a:srgbClr val="000000"/>
                     </a:solidFill>
@@ -11877,7 +11878,7 @@
               </a:ln>
               <a:extLst>
                 <a:ext uri="{91240B29-F687-4f45-9708-019B960494DF}">
-                  <a14:hiddenLine xmlns:a14="http://schemas.microsoft.com/office/drawing/2010/main" xmlns="" w="9525">
+                  <a14:hiddenLine xmlns="" xmlns:a14="http://schemas.microsoft.com/office/drawing/2010/main" w="9525">
                     <a:solidFill>
                       <a:srgbClr val="000000"/>
                     </a:solidFill>
@@ -11911,7 +11912,7 @@
               </a:ln>
               <a:extLst>
                 <a:ext uri="{91240B29-F687-4f45-9708-019B960494DF}">
-                  <a14:hiddenLine xmlns:a14="http://schemas.microsoft.com/office/drawing/2010/main" xmlns="" w="9525">
+                  <a14:hiddenLine xmlns="" xmlns:a14="http://schemas.microsoft.com/office/drawing/2010/main" w="9525">
                     <a:solidFill>
                       <a:srgbClr val="000000"/>
                     </a:solidFill>
@@ -12051,7 +12052,7 @@
           <a:p>
             <a:fld id="{367C922C-BE67-41A2-B295-B77D3DE255F6}" type="datetimeFigureOut">
               <a:rPr lang="en-US" smtClean="0"/>
-              <a:t>7/19/2017</a:t>
+              <a:t>20-Jul-17</a:t>
             </a:fld>
             <a:endParaRPr lang="en-US"/>
           </a:p>
@@ -12478,6 +12479,71 @@
       </p:grpSpPr>
       <p:sp>
         <p:nvSpPr>
+          <p:cNvPr id="2" name="Title 1">
+            <a:extLst>
+              <a:ext uri="{FF2B5EF4-FFF2-40B4-BE49-F238E27FC236}">
+                <a16:creationId xmlns:a16="http://schemas.microsoft.com/office/drawing/2014/main" id="{2708B3E3-53BD-4F10-8988-9E3B7B57EDDE}"/>
+              </a:ext>
+            </a:extLst>
+          </p:cNvPr>
+          <p:cNvSpPr>
+            <a:spLocks noGrp="1"/>
+          </p:cNvSpPr>
+          <p:nvPr>
+            <p:ph type="title"/>
+          </p:nvPr>
+        </p:nvSpPr>
+        <p:spPr>
+          <a:xfrm>
+            <a:off x="2632588" y="2405115"/>
+            <a:ext cx="9905998" cy="1478570"/>
+          </a:xfrm>
+        </p:spPr>
+        <p:txBody>
+          <a:bodyPr>
+            <a:normAutofit/>
+          </a:bodyPr>
+          <a:lstStyle/>
+          <a:p>
+            <a:r>
+              <a:rPr lang="en-US" sz="6600" dirty="0"/>
+              <a:t>MVC WITH Laravel</a:t>
+            </a:r>
+          </a:p>
+        </p:txBody>
+      </p:sp>
+    </p:spTree>
+    <p:extLst>
+      <p:ext uri="{BB962C8B-B14F-4D97-AF65-F5344CB8AC3E}">
+        <p14:creationId xmlns:p14="http://schemas.microsoft.com/office/powerpoint/2010/main" val="2898618901"/>
+      </p:ext>
+    </p:extLst>
+  </p:cSld>
+  <p:clrMapOvr>
+    <a:masterClrMapping/>
+  </p:clrMapOvr>
+</p:sld>
+</file>
+
+<file path=ppt/slides/slide2.xml><?xml version="1.0" encoding="utf-8"?>
+<p:sld xmlns:a="http://schemas.openxmlformats.org/drawingml/2006/main" xmlns:r="http://schemas.openxmlformats.org/officeDocument/2006/relationships" xmlns:p="http://schemas.openxmlformats.org/presentationml/2006/main">
+  <p:cSld>
+    <p:spTree>
+      <p:nvGrpSpPr>
+        <p:cNvPr id="1" name=""/>
+        <p:cNvGrpSpPr/>
+        <p:nvPr/>
+      </p:nvGrpSpPr>
+      <p:grpSpPr>
+        <a:xfrm>
+          <a:off x="0" y="0"/>
+          <a:ext cx="0" cy="0"/>
+          <a:chOff x="0" y="0"/>
+          <a:chExt cx="0" cy="0"/>
+        </a:xfrm>
+      </p:grpSpPr>
+      <p:sp>
+        <p:nvSpPr>
           <p:cNvPr id="4" name="TextBox 3">
             <a:extLst>
               <a:ext uri="{FF2B5EF4-FFF2-40B4-BE49-F238E27FC236}">
@@ -12575,7 +12641,368 @@
 </p:sld>
 </file>
 
-<file path=ppt/slides/slide2.xml><?xml version="1.0" encoding="utf-8"?>
+<file path=ppt/slides/slide3.xml><?xml version="1.0" encoding="utf-8"?>
+<p:sld xmlns:a="http://schemas.openxmlformats.org/drawingml/2006/main" xmlns:r="http://schemas.openxmlformats.org/officeDocument/2006/relationships" xmlns:p="http://schemas.openxmlformats.org/presentationml/2006/main">
+  <p:cSld>
+    <p:spTree>
+      <p:nvGrpSpPr>
+        <p:cNvPr id="1" name=""/>
+        <p:cNvGrpSpPr/>
+        <p:nvPr/>
+      </p:nvGrpSpPr>
+      <p:grpSpPr>
+        <a:xfrm>
+          <a:off x="0" y="0"/>
+          <a:ext cx="0" cy="0"/>
+          <a:chOff x="0" y="0"/>
+          <a:chExt cx="0" cy="0"/>
+        </a:xfrm>
+      </p:grpSpPr>
+      <p:sp>
+        <p:nvSpPr>
+          <p:cNvPr id="5" name="TextBox 4">
+            <a:extLst>
+              <a:ext uri="{FF2B5EF4-FFF2-40B4-BE49-F238E27FC236}">
+                <a16:creationId xmlns:a16="http://schemas.microsoft.com/office/drawing/2014/main" id="{6BFF68B9-51B1-42E8-8C0E-21FB445C3D10}"/>
+              </a:ext>
+            </a:extLst>
+          </p:cNvPr>
+          <p:cNvSpPr txBox="1"/>
+          <p:nvPr/>
+        </p:nvSpPr>
+        <p:spPr>
+          <a:xfrm>
+            <a:off x="3841529" y="1431335"/>
+            <a:ext cx="4408226" cy="707886"/>
+          </a:xfrm>
+          <a:prstGeom prst="rect">
+            <a:avLst/>
+          </a:prstGeom>
+          <a:noFill/>
+        </p:spPr>
+        <p:txBody>
+          <a:bodyPr wrap="square" rtlCol="0">
+            <a:spAutoFit/>
+          </a:bodyPr>
+          <a:lstStyle/>
+          <a:p>
+            <a:r>
+              <a:rPr lang="en-US" sz="4000" b="1" dirty="0">
+                <a:solidFill>
+                  <a:srgbClr val="002060"/>
+                </a:solidFill>
+                <a:latin typeface="Arial" panose="020B0604020202020204" pitchFamily="34" charset="0"/>
+                <a:cs typeface="Arial" panose="020B0604020202020204" pitchFamily="34" charset="0"/>
+              </a:rPr>
+              <a:t>What is Model ? </a:t>
+            </a:r>
+          </a:p>
+        </p:txBody>
+      </p:sp>
+      <p:sp>
+        <p:nvSpPr>
+          <p:cNvPr id="6" name="TextBox 5">
+            <a:extLst>
+              <a:ext uri="{FF2B5EF4-FFF2-40B4-BE49-F238E27FC236}">
+                <a16:creationId xmlns:a16="http://schemas.microsoft.com/office/drawing/2014/main" id="{FC182247-7D84-499A-9C16-AB06CD7E9692}"/>
+              </a:ext>
+            </a:extLst>
+          </p:cNvPr>
+          <p:cNvSpPr txBox="1"/>
+          <p:nvPr/>
+        </p:nvSpPr>
+        <p:spPr>
+          <a:xfrm>
+            <a:off x="915448" y="3300630"/>
+            <a:ext cx="10260387" cy="1323439"/>
+          </a:xfrm>
+          <a:prstGeom prst="rect">
+            <a:avLst/>
+          </a:prstGeom>
+          <a:solidFill>
+            <a:schemeClr val="accent5">
+              <a:lumMod val="50000"/>
+              <a:alpha val="50000"/>
+            </a:schemeClr>
+          </a:solidFill>
+        </p:spPr>
+        <p:txBody>
+          <a:bodyPr wrap="square" rtlCol="0">
+            <a:spAutoFit/>
+          </a:bodyPr>
+          <a:lstStyle/>
+          <a:p>
+            <a:r>
+              <a:rPr lang="en-US" sz="2000" b="1" dirty="0">
+                <a:latin typeface="Arial" panose="020B0604020202020204" pitchFamily="34" charset="0"/>
+                <a:cs typeface="Arial" panose="020B0604020202020204" pitchFamily="34" charset="0"/>
+              </a:rPr>
+              <a:t>The model is the central component of the pattern; which represents the underlying, logical structure of data in a software application and the high-level class associated with it. This object model does not contain any information about the user interface.</a:t>
+            </a:r>
+          </a:p>
+        </p:txBody>
+      </p:sp>
+    </p:spTree>
+    <p:extLst>
+      <p:ext uri="{BB962C8B-B14F-4D97-AF65-F5344CB8AC3E}">
+        <p14:creationId xmlns:p14="http://schemas.microsoft.com/office/powerpoint/2010/main" val="2763095150"/>
+      </p:ext>
+    </p:extLst>
+  </p:cSld>
+  <p:clrMapOvr>
+    <a:masterClrMapping/>
+  </p:clrMapOvr>
+</p:sld>
+</file>
+
+<file path=ppt/slides/slide4.xml><?xml version="1.0" encoding="utf-8"?>
+<p:sld xmlns:a="http://schemas.openxmlformats.org/drawingml/2006/main" xmlns:r="http://schemas.openxmlformats.org/officeDocument/2006/relationships" xmlns:p="http://schemas.openxmlformats.org/presentationml/2006/main">
+  <p:cSld>
+    <p:spTree>
+      <p:nvGrpSpPr>
+        <p:cNvPr id="1" name=""/>
+        <p:cNvGrpSpPr/>
+        <p:nvPr/>
+      </p:nvGrpSpPr>
+      <p:grpSpPr>
+        <a:xfrm>
+          <a:off x="0" y="0"/>
+          <a:ext cx="0" cy="0"/>
+          <a:chOff x="0" y="0"/>
+          <a:chExt cx="0" cy="0"/>
+        </a:xfrm>
+      </p:grpSpPr>
+      <p:sp>
+        <p:nvSpPr>
+          <p:cNvPr id="4" name="TextBox 3">
+            <a:extLst>
+              <a:ext uri="{FF2B5EF4-FFF2-40B4-BE49-F238E27FC236}">
+                <a16:creationId xmlns:a16="http://schemas.microsoft.com/office/drawing/2014/main" id="{071BC112-3880-4A3A-8493-AB124F52F52A}"/>
+              </a:ext>
+            </a:extLst>
+          </p:cNvPr>
+          <p:cNvSpPr txBox="1"/>
+          <p:nvPr/>
+        </p:nvSpPr>
+        <p:spPr>
+          <a:xfrm>
+            <a:off x="4100513" y="1471612"/>
+            <a:ext cx="5214937" cy="707886"/>
+          </a:xfrm>
+          <a:prstGeom prst="rect">
+            <a:avLst/>
+          </a:prstGeom>
+          <a:noFill/>
+        </p:spPr>
+        <p:txBody>
+          <a:bodyPr wrap="square" rtlCol="0">
+            <a:spAutoFit/>
+          </a:bodyPr>
+          <a:lstStyle/>
+          <a:p>
+            <a:r>
+              <a:rPr lang="en-US" sz="4000" b="1" dirty="0">
+                <a:solidFill>
+                  <a:srgbClr val="002060"/>
+                </a:solidFill>
+                <a:latin typeface="Arial" panose="020B0604020202020204" pitchFamily="34" charset="0"/>
+                <a:cs typeface="Arial" panose="020B0604020202020204" pitchFamily="34" charset="0"/>
+              </a:rPr>
+              <a:t>What is View ?</a:t>
+            </a:r>
+          </a:p>
+        </p:txBody>
+      </p:sp>
+      <p:sp>
+        <p:nvSpPr>
+          <p:cNvPr id="5" name="TextBox 4">
+            <a:extLst>
+              <a:ext uri="{FF2B5EF4-FFF2-40B4-BE49-F238E27FC236}">
+                <a16:creationId xmlns:a16="http://schemas.microsoft.com/office/drawing/2014/main" id="{C5682138-1EBA-43DE-8F03-FD52F97970A1}"/>
+              </a:ext>
+            </a:extLst>
+          </p:cNvPr>
+          <p:cNvSpPr txBox="1"/>
+          <p:nvPr/>
+        </p:nvSpPr>
+        <p:spPr>
+          <a:xfrm>
+            <a:off x="1471614" y="3343276"/>
+            <a:ext cx="9401174" cy="1015663"/>
+          </a:xfrm>
+          <a:prstGeom prst="rect">
+            <a:avLst/>
+          </a:prstGeom>
+          <a:solidFill>
+            <a:schemeClr val="accent5">
+              <a:lumMod val="50000"/>
+              <a:alpha val="50000"/>
+            </a:schemeClr>
+          </a:solidFill>
+        </p:spPr>
+        <p:txBody>
+          <a:bodyPr wrap="square" rtlCol="0">
+            <a:spAutoFit/>
+          </a:bodyPr>
+          <a:lstStyle/>
+          <a:p>
+            <a:r>
+              <a:rPr lang="en-US" sz="2000" b="1" dirty="0"/>
+              <a:t>A </a:t>
+            </a:r>
+            <a:r>
+              <a:rPr lang="en-US" sz="2000" b="1" i="1" dirty="0"/>
+              <a:t>view</a:t>
+            </a:r>
+            <a:r>
+              <a:rPr lang="en-US" sz="2000" b="1" dirty="0"/>
+              <a:t> can be any output representation of information, such as a chart or a diagram. Multiple views of the same information are possible, such as a bar chart for management and a tabular view for accountants.</a:t>
+            </a:r>
+          </a:p>
+        </p:txBody>
+      </p:sp>
+    </p:spTree>
+    <p:extLst>
+      <p:ext uri="{BB962C8B-B14F-4D97-AF65-F5344CB8AC3E}">
+        <p14:creationId xmlns:p14="http://schemas.microsoft.com/office/powerpoint/2010/main" val="3169926821"/>
+      </p:ext>
+    </p:extLst>
+  </p:cSld>
+  <p:clrMapOvr>
+    <a:masterClrMapping/>
+  </p:clrMapOvr>
+</p:sld>
+</file>
+
+<file path=ppt/slides/slide5.xml><?xml version="1.0" encoding="utf-8"?>
+<p:sld xmlns:a="http://schemas.openxmlformats.org/drawingml/2006/main" xmlns:r="http://schemas.openxmlformats.org/officeDocument/2006/relationships" xmlns:p="http://schemas.openxmlformats.org/presentationml/2006/main">
+  <p:cSld>
+    <p:spTree>
+      <p:nvGrpSpPr>
+        <p:cNvPr id="1" name=""/>
+        <p:cNvGrpSpPr/>
+        <p:nvPr/>
+      </p:nvGrpSpPr>
+      <p:grpSpPr>
+        <a:xfrm>
+          <a:off x="0" y="0"/>
+          <a:ext cx="0" cy="0"/>
+          <a:chOff x="0" y="0"/>
+          <a:chExt cx="0" cy="0"/>
+        </a:xfrm>
+      </p:grpSpPr>
+      <p:sp>
+        <p:nvSpPr>
+          <p:cNvPr id="4" name="TextBox 3">
+            <a:extLst>
+              <a:ext uri="{FF2B5EF4-FFF2-40B4-BE49-F238E27FC236}">
+                <a16:creationId xmlns:a16="http://schemas.microsoft.com/office/drawing/2014/main" id="{E0E469A5-4BA5-474F-97C7-B3DFCEE329D0}"/>
+              </a:ext>
+            </a:extLst>
+          </p:cNvPr>
+          <p:cNvSpPr txBox="1"/>
+          <p:nvPr/>
+        </p:nvSpPr>
+        <p:spPr>
+          <a:xfrm>
+            <a:off x="3418448" y="1885069"/>
+            <a:ext cx="5261318" cy="707886"/>
+          </a:xfrm>
+          <a:prstGeom prst="rect">
+            <a:avLst/>
+          </a:prstGeom>
+          <a:noFill/>
+        </p:spPr>
+        <p:txBody>
+          <a:bodyPr wrap="square" rtlCol="0">
+            <a:spAutoFit/>
+          </a:bodyPr>
+          <a:lstStyle/>
+          <a:p>
+            <a:r>
+              <a:rPr lang="en-US" sz="4000" b="1" dirty="0">
+                <a:solidFill>
+                  <a:srgbClr val="002060"/>
+                </a:solidFill>
+                <a:latin typeface="Arial" panose="020B0604020202020204" pitchFamily="34" charset="0"/>
+                <a:cs typeface="Arial" panose="020B0604020202020204" pitchFamily="34" charset="0"/>
+              </a:rPr>
+              <a:t>What is Controller ? </a:t>
+            </a:r>
+          </a:p>
+        </p:txBody>
+      </p:sp>
+      <p:sp>
+        <p:nvSpPr>
+          <p:cNvPr id="5" name="TextBox 4">
+            <a:extLst>
+              <a:ext uri="{FF2B5EF4-FFF2-40B4-BE49-F238E27FC236}">
+                <a16:creationId xmlns:a16="http://schemas.microsoft.com/office/drawing/2014/main" id="{35633616-5CAB-4318-AEC5-200EF360C75E}"/>
+              </a:ext>
+            </a:extLst>
+          </p:cNvPr>
+          <p:cNvSpPr txBox="1"/>
+          <p:nvPr/>
+        </p:nvSpPr>
+        <p:spPr>
+          <a:xfrm>
+            <a:off x="1322362" y="3488787"/>
+            <a:ext cx="9453489" cy="707886"/>
+          </a:xfrm>
+          <a:prstGeom prst="rect">
+            <a:avLst/>
+          </a:prstGeom>
+          <a:solidFill>
+            <a:schemeClr val="accent5">
+              <a:lumMod val="50000"/>
+              <a:alpha val="50000"/>
+            </a:schemeClr>
+          </a:solidFill>
+        </p:spPr>
+        <p:txBody>
+          <a:bodyPr wrap="square" rtlCol="0">
+            <a:spAutoFit/>
+          </a:bodyPr>
+          <a:lstStyle/>
+          <a:p>
+            <a:r>
+              <a:rPr lang="en-US" sz="2000" dirty="0">
+                <a:latin typeface="Arial" panose="020B0604020202020204" pitchFamily="34" charset="0"/>
+                <a:cs typeface="Arial" panose="020B0604020202020204" pitchFamily="34" charset="0"/>
+              </a:rPr>
+              <a:t>A </a:t>
+            </a:r>
+            <a:r>
+              <a:rPr lang="en-US" sz="2000" i="1" dirty="0">
+                <a:latin typeface="Arial" panose="020B0604020202020204" pitchFamily="34" charset="0"/>
+                <a:cs typeface="Arial" panose="020B0604020202020204" pitchFamily="34" charset="0"/>
+              </a:rPr>
+              <a:t>Controller</a:t>
+            </a:r>
+            <a:r>
+              <a:rPr lang="en-US" sz="2000" dirty="0">
+                <a:latin typeface="Arial" panose="020B0604020202020204" pitchFamily="34" charset="0"/>
+                <a:cs typeface="Arial" panose="020B0604020202020204" pitchFamily="34" charset="0"/>
+              </a:rPr>
+              <a:t> , which represents the classes connecting the model and the view, and is used to communicate between classes in the model and view.</a:t>
+            </a:r>
+          </a:p>
+        </p:txBody>
+      </p:sp>
+    </p:spTree>
+    <p:extLst>
+      <p:ext uri="{BB962C8B-B14F-4D97-AF65-F5344CB8AC3E}">
+        <p14:creationId xmlns:p14="http://schemas.microsoft.com/office/powerpoint/2010/main" val="1984640822"/>
+      </p:ext>
+    </p:extLst>
+  </p:cSld>
+  <p:clrMapOvr>
+    <a:masterClrMapping/>
+  </p:clrMapOvr>
+</p:sld>
+</file>
+
+<file path=ppt/slides/slide6.xml><?xml version="1.0" encoding="utf-8"?>
 <p:sld xmlns:a="http://schemas.openxmlformats.org/drawingml/2006/main" xmlns:r="http://schemas.openxmlformats.org/officeDocument/2006/relationships" xmlns:p="http://schemas.openxmlformats.org/presentationml/2006/main">
   <p:cSld>
     <p:bg>
@@ -13182,367 +13609,6 @@
     <p:extLst>
       <p:ext uri="{BB962C8B-B14F-4D97-AF65-F5344CB8AC3E}">
         <p14:creationId xmlns:p14="http://schemas.microsoft.com/office/powerpoint/2010/main" val="174592051"/>
-      </p:ext>
-    </p:extLst>
-  </p:cSld>
-  <p:clrMapOvr>
-    <a:masterClrMapping/>
-  </p:clrMapOvr>
-</p:sld>
-</file>
-
-<file path=ppt/slides/slide3.xml><?xml version="1.0" encoding="utf-8"?>
-<p:sld xmlns:a="http://schemas.openxmlformats.org/drawingml/2006/main" xmlns:r="http://schemas.openxmlformats.org/officeDocument/2006/relationships" xmlns:p="http://schemas.openxmlformats.org/presentationml/2006/main">
-  <p:cSld>
-    <p:spTree>
-      <p:nvGrpSpPr>
-        <p:cNvPr id="1" name=""/>
-        <p:cNvGrpSpPr/>
-        <p:nvPr/>
-      </p:nvGrpSpPr>
-      <p:grpSpPr>
-        <a:xfrm>
-          <a:off x="0" y="0"/>
-          <a:ext cx="0" cy="0"/>
-          <a:chOff x="0" y="0"/>
-          <a:chExt cx="0" cy="0"/>
-        </a:xfrm>
-      </p:grpSpPr>
-      <p:sp>
-        <p:nvSpPr>
-          <p:cNvPr id="5" name="TextBox 4">
-            <a:extLst>
-              <a:ext uri="{FF2B5EF4-FFF2-40B4-BE49-F238E27FC236}">
-                <a16:creationId xmlns:a16="http://schemas.microsoft.com/office/drawing/2014/main" id="{6BFF68B9-51B1-42E8-8C0E-21FB445C3D10}"/>
-              </a:ext>
-            </a:extLst>
-          </p:cNvPr>
-          <p:cNvSpPr txBox="1"/>
-          <p:nvPr/>
-        </p:nvSpPr>
-        <p:spPr>
-          <a:xfrm>
-            <a:off x="3841529" y="1431335"/>
-            <a:ext cx="4408226" cy="707886"/>
-          </a:xfrm>
-          <a:prstGeom prst="rect">
-            <a:avLst/>
-          </a:prstGeom>
-          <a:noFill/>
-        </p:spPr>
-        <p:txBody>
-          <a:bodyPr wrap="square" rtlCol="0">
-            <a:spAutoFit/>
-          </a:bodyPr>
-          <a:lstStyle/>
-          <a:p>
-            <a:r>
-              <a:rPr lang="en-US" sz="4000" b="1" dirty="0">
-                <a:solidFill>
-                  <a:srgbClr val="002060"/>
-                </a:solidFill>
-                <a:latin typeface="Arial" panose="020B0604020202020204" pitchFamily="34" charset="0"/>
-                <a:cs typeface="Arial" panose="020B0604020202020204" pitchFamily="34" charset="0"/>
-              </a:rPr>
-              <a:t>What is Model ? </a:t>
-            </a:r>
-          </a:p>
-        </p:txBody>
-      </p:sp>
-      <p:sp>
-        <p:nvSpPr>
-          <p:cNvPr id="6" name="TextBox 5">
-            <a:extLst>
-              <a:ext uri="{FF2B5EF4-FFF2-40B4-BE49-F238E27FC236}">
-                <a16:creationId xmlns:a16="http://schemas.microsoft.com/office/drawing/2014/main" id="{FC182247-7D84-499A-9C16-AB06CD7E9692}"/>
-              </a:ext>
-            </a:extLst>
-          </p:cNvPr>
-          <p:cNvSpPr txBox="1"/>
-          <p:nvPr/>
-        </p:nvSpPr>
-        <p:spPr>
-          <a:xfrm>
-            <a:off x="915448" y="3300630"/>
-            <a:ext cx="10260387" cy="1323439"/>
-          </a:xfrm>
-          <a:prstGeom prst="rect">
-            <a:avLst/>
-          </a:prstGeom>
-          <a:solidFill>
-            <a:schemeClr val="accent5">
-              <a:lumMod val="50000"/>
-              <a:alpha val="50000"/>
-            </a:schemeClr>
-          </a:solidFill>
-        </p:spPr>
-        <p:txBody>
-          <a:bodyPr wrap="square" rtlCol="0">
-            <a:spAutoFit/>
-          </a:bodyPr>
-          <a:lstStyle/>
-          <a:p>
-            <a:r>
-              <a:rPr lang="en-US" sz="2000" b="1" dirty="0">
-                <a:latin typeface="Arial" panose="020B0604020202020204" pitchFamily="34" charset="0"/>
-                <a:cs typeface="Arial" panose="020B0604020202020204" pitchFamily="34" charset="0"/>
-              </a:rPr>
-              <a:t>The model is the central component of the pattern; which represents the underlying, logical structure of data in a software application and the high-level class associated with it. This object model does not contain any information about the user interface.</a:t>
-            </a:r>
-          </a:p>
-        </p:txBody>
-      </p:sp>
-    </p:spTree>
-    <p:extLst>
-      <p:ext uri="{BB962C8B-B14F-4D97-AF65-F5344CB8AC3E}">
-        <p14:creationId xmlns:p14="http://schemas.microsoft.com/office/powerpoint/2010/main" val="2763095150"/>
-      </p:ext>
-    </p:extLst>
-  </p:cSld>
-  <p:clrMapOvr>
-    <a:masterClrMapping/>
-  </p:clrMapOvr>
-</p:sld>
-</file>
-
-<file path=ppt/slides/slide4.xml><?xml version="1.0" encoding="utf-8"?>
-<p:sld xmlns:a="http://schemas.openxmlformats.org/drawingml/2006/main" xmlns:r="http://schemas.openxmlformats.org/officeDocument/2006/relationships" xmlns:p="http://schemas.openxmlformats.org/presentationml/2006/main">
-  <p:cSld>
-    <p:spTree>
-      <p:nvGrpSpPr>
-        <p:cNvPr id="1" name=""/>
-        <p:cNvGrpSpPr/>
-        <p:nvPr/>
-      </p:nvGrpSpPr>
-      <p:grpSpPr>
-        <a:xfrm>
-          <a:off x="0" y="0"/>
-          <a:ext cx="0" cy="0"/>
-          <a:chOff x="0" y="0"/>
-          <a:chExt cx="0" cy="0"/>
-        </a:xfrm>
-      </p:grpSpPr>
-      <p:sp>
-        <p:nvSpPr>
-          <p:cNvPr id="4" name="TextBox 3">
-            <a:extLst>
-              <a:ext uri="{FF2B5EF4-FFF2-40B4-BE49-F238E27FC236}">
-                <a16:creationId xmlns:a16="http://schemas.microsoft.com/office/drawing/2014/main" id="{071BC112-3880-4A3A-8493-AB124F52F52A}"/>
-              </a:ext>
-            </a:extLst>
-          </p:cNvPr>
-          <p:cNvSpPr txBox="1"/>
-          <p:nvPr/>
-        </p:nvSpPr>
-        <p:spPr>
-          <a:xfrm>
-            <a:off x="4100513" y="1471612"/>
-            <a:ext cx="5214937" cy="707886"/>
-          </a:xfrm>
-          <a:prstGeom prst="rect">
-            <a:avLst/>
-          </a:prstGeom>
-          <a:noFill/>
-        </p:spPr>
-        <p:txBody>
-          <a:bodyPr wrap="square" rtlCol="0">
-            <a:spAutoFit/>
-          </a:bodyPr>
-          <a:lstStyle/>
-          <a:p>
-            <a:r>
-              <a:rPr lang="en-US" sz="4000" b="1" dirty="0">
-                <a:solidFill>
-                  <a:srgbClr val="002060"/>
-                </a:solidFill>
-                <a:latin typeface="Arial" panose="020B0604020202020204" pitchFamily="34" charset="0"/>
-                <a:cs typeface="Arial" panose="020B0604020202020204" pitchFamily="34" charset="0"/>
-              </a:rPr>
-              <a:t>What is View ?</a:t>
-            </a:r>
-          </a:p>
-        </p:txBody>
-      </p:sp>
-      <p:sp>
-        <p:nvSpPr>
-          <p:cNvPr id="5" name="TextBox 4">
-            <a:extLst>
-              <a:ext uri="{FF2B5EF4-FFF2-40B4-BE49-F238E27FC236}">
-                <a16:creationId xmlns:a16="http://schemas.microsoft.com/office/drawing/2014/main" id="{C5682138-1EBA-43DE-8F03-FD52F97970A1}"/>
-              </a:ext>
-            </a:extLst>
-          </p:cNvPr>
-          <p:cNvSpPr txBox="1"/>
-          <p:nvPr/>
-        </p:nvSpPr>
-        <p:spPr>
-          <a:xfrm>
-            <a:off x="1471614" y="3343276"/>
-            <a:ext cx="9401174" cy="1015663"/>
-          </a:xfrm>
-          <a:prstGeom prst="rect">
-            <a:avLst/>
-          </a:prstGeom>
-          <a:solidFill>
-            <a:schemeClr val="accent5">
-              <a:lumMod val="50000"/>
-              <a:alpha val="50000"/>
-            </a:schemeClr>
-          </a:solidFill>
-        </p:spPr>
-        <p:txBody>
-          <a:bodyPr wrap="square" rtlCol="0">
-            <a:spAutoFit/>
-          </a:bodyPr>
-          <a:lstStyle/>
-          <a:p>
-            <a:r>
-              <a:rPr lang="en-US" sz="2000" b="1" dirty="0"/>
-              <a:t>A </a:t>
-            </a:r>
-            <a:r>
-              <a:rPr lang="en-US" sz="2000" b="1" i="1" dirty="0"/>
-              <a:t>view</a:t>
-            </a:r>
-            <a:r>
-              <a:rPr lang="en-US" sz="2000" b="1" dirty="0"/>
-              <a:t> can be any output representation of information, such as a chart or a diagram. Multiple views of the same information are possible, such as a bar chart for management and a tabular view for accountants.</a:t>
-            </a:r>
-          </a:p>
-        </p:txBody>
-      </p:sp>
-    </p:spTree>
-    <p:extLst>
-      <p:ext uri="{BB962C8B-B14F-4D97-AF65-F5344CB8AC3E}">
-        <p14:creationId xmlns:p14="http://schemas.microsoft.com/office/powerpoint/2010/main" val="3169926821"/>
-      </p:ext>
-    </p:extLst>
-  </p:cSld>
-  <p:clrMapOvr>
-    <a:masterClrMapping/>
-  </p:clrMapOvr>
-</p:sld>
-</file>
-
-<file path=ppt/slides/slide5.xml><?xml version="1.0" encoding="utf-8"?>
-<p:sld xmlns:a="http://schemas.openxmlformats.org/drawingml/2006/main" xmlns:r="http://schemas.openxmlformats.org/officeDocument/2006/relationships" xmlns:p="http://schemas.openxmlformats.org/presentationml/2006/main">
-  <p:cSld>
-    <p:spTree>
-      <p:nvGrpSpPr>
-        <p:cNvPr id="1" name=""/>
-        <p:cNvGrpSpPr/>
-        <p:nvPr/>
-      </p:nvGrpSpPr>
-      <p:grpSpPr>
-        <a:xfrm>
-          <a:off x="0" y="0"/>
-          <a:ext cx="0" cy="0"/>
-          <a:chOff x="0" y="0"/>
-          <a:chExt cx="0" cy="0"/>
-        </a:xfrm>
-      </p:grpSpPr>
-      <p:sp>
-        <p:nvSpPr>
-          <p:cNvPr id="4" name="TextBox 3">
-            <a:extLst>
-              <a:ext uri="{FF2B5EF4-FFF2-40B4-BE49-F238E27FC236}">
-                <a16:creationId xmlns:a16="http://schemas.microsoft.com/office/drawing/2014/main" id="{E0E469A5-4BA5-474F-97C7-B3DFCEE329D0}"/>
-              </a:ext>
-            </a:extLst>
-          </p:cNvPr>
-          <p:cNvSpPr txBox="1"/>
-          <p:nvPr/>
-        </p:nvSpPr>
-        <p:spPr>
-          <a:xfrm>
-            <a:off x="3418448" y="1885069"/>
-            <a:ext cx="5261318" cy="707886"/>
-          </a:xfrm>
-          <a:prstGeom prst="rect">
-            <a:avLst/>
-          </a:prstGeom>
-          <a:noFill/>
-        </p:spPr>
-        <p:txBody>
-          <a:bodyPr wrap="square" rtlCol="0">
-            <a:spAutoFit/>
-          </a:bodyPr>
-          <a:lstStyle/>
-          <a:p>
-            <a:r>
-              <a:rPr lang="en-US" sz="4000" b="1" dirty="0">
-                <a:solidFill>
-                  <a:srgbClr val="002060"/>
-                </a:solidFill>
-                <a:latin typeface="Arial" panose="020B0604020202020204" pitchFamily="34" charset="0"/>
-                <a:cs typeface="Arial" panose="020B0604020202020204" pitchFamily="34" charset="0"/>
-              </a:rPr>
-              <a:t>What is Controller ? </a:t>
-            </a:r>
-          </a:p>
-        </p:txBody>
-      </p:sp>
-      <p:sp>
-        <p:nvSpPr>
-          <p:cNvPr id="5" name="TextBox 4">
-            <a:extLst>
-              <a:ext uri="{FF2B5EF4-FFF2-40B4-BE49-F238E27FC236}">
-                <a16:creationId xmlns:a16="http://schemas.microsoft.com/office/drawing/2014/main" id="{35633616-5CAB-4318-AEC5-200EF360C75E}"/>
-              </a:ext>
-            </a:extLst>
-          </p:cNvPr>
-          <p:cNvSpPr txBox="1"/>
-          <p:nvPr/>
-        </p:nvSpPr>
-        <p:spPr>
-          <a:xfrm>
-            <a:off x="1322362" y="3488787"/>
-            <a:ext cx="9453489" cy="707886"/>
-          </a:xfrm>
-          <a:prstGeom prst="rect">
-            <a:avLst/>
-          </a:prstGeom>
-          <a:solidFill>
-            <a:schemeClr val="accent5">
-              <a:lumMod val="50000"/>
-              <a:alpha val="50000"/>
-            </a:schemeClr>
-          </a:solidFill>
-        </p:spPr>
-        <p:txBody>
-          <a:bodyPr wrap="square" rtlCol="0">
-            <a:spAutoFit/>
-          </a:bodyPr>
-          <a:lstStyle/>
-          <a:p>
-            <a:r>
-              <a:rPr lang="en-US" sz="2000" dirty="0">
-                <a:latin typeface="Arial" panose="020B0604020202020204" pitchFamily="34" charset="0"/>
-                <a:cs typeface="Arial" panose="020B0604020202020204" pitchFamily="34" charset="0"/>
-              </a:rPr>
-              <a:t>A </a:t>
-            </a:r>
-            <a:r>
-              <a:rPr lang="en-US" sz="2000" i="1" dirty="0">
-                <a:latin typeface="Arial" panose="020B0604020202020204" pitchFamily="34" charset="0"/>
-                <a:cs typeface="Arial" panose="020B0604020202020204" pitchFamily="34" charset="0"/>
-              </a:rPr>
-              <a:t>Controller</a:t>
-            </a:r>
-            <a:r>
-              <a:rPr lang="en-US" sz="2000" dirty="0">
-                <a:latin typeface="Arial" panose="020B0604020202020204" pitchFamily="34" charset="0"/>
-                <a:cs typeface="Arial" panose="020B0604020202020204" pitchFamily="34" charset="0"/>
-              </a:rPr>
-              <a:t> , which represents the classes connecting the model and the view, and is used to communicate between classes in the model and view.</a:t>
-            </a:r>
-          </a:p>
-        </p:txBody>
-      </p:sp>
-    </p:spTree>
-    <p:extLst>
-      <p:ext uri="{BB962C8B-B14F-4D97-AF65-F5344CB8AC3E}">
-        <p14:creationId xmlns:p14="http://schemas.microsoft.com/office/powerpoint/2010/main" val="1984640822"/>
       </p:ext>
     </p:extLst>
   </p:cSld>

--- a/MVC_video.pptx
+++ b/MVC_video.pptx
@@ -183,7 +183,7 @@
           <a:noFill/>
           <a:extLst>
             <a:ext uri="{909E8E84-426E-40dd-AFC4-6F175D3DCCD1}">
-              <a14:hiddenFill xmlns="" xmlns:a14="http://schemas.microsoft.com/office/drawing/2010/main">
+              <a14:hiddenFill xmlns:a14="http://schemas.microsoft.com/office/drawing/2010/main" xmlns="">
                 <a:solidFill>
                   <a:srgbClr val="FFFFFF"/>
                 </a:solidFill>
@@ -243,7 +243,7 @@
             </a:ln>
             <a:extLst>
               <a:ext uri="{91240B29-F687-4f45-9708-019B960494DF}">
-                <a14:hiddenLine xmlns="" xmlns:a14="http://schemas.microsoft.com/office/drawing/2010/main" w="9525">
+                <a14:hiddenLine xmlns:a14="http://schemas.microsoft.com/office/drawing/2010/main" xmlns="" w="9525">
                   <a:solidFill>
                     <a:srgbClr val="000000"/>
                   </a:solidFill>
@@ -333,7 +333,7 @@
             </a:ln>
             <a:extLst>
               <a:ext uri="{91240B29-F687-4f45-9708-019B960494DF}">
-                <a14:hiddenLine xmlns="" xmlns:a14="http://schemas.microsoft.com/office/drawing/2010/main" w="9525">
+                <a14:hiddenLine xmlns:a14="http://schemas.microsoft.com/office/drawing/2010/main" xmlns="" w="9525">
                   <a:solidFill>
                     <a:srgbClr val="000000"/>
                   </a:solidFill>
@@ -423,7 +423,7 @@
             </a:ln>
             <a:extLst>
               <a:ext uri="{91240B29-F687-4f45-9708-019B960494DF}">
-                <a14:hiddenLine xmlns="" xmlns:a14="http://schemas.microsoft.com/office/drawing/2010/main" w="9525">
+                <a14:hiddenLine xmlns:a14="http://schemas.microsoft.com/office/drawing/2010/main" xmlns="" w="9525">
                   <a:solidFill>
                     <a:srgbClr val="000000"/>
                   </a:solidFill>
@@ -457,7 +457,7 @@
             </a:ln>
             <a:extLst>
               <a:ext uri="{91240B29-F687-4f45-9708-019B960494DF}">
-                <a14:hiddenLine xmlns="" xmlns:a14="http://schemas.microsoft.com/office/drawing/2010/main" w="9525">
+                <a14:hiddenLine xmlns:a14="http://schemas.microsoft.com/office/drawing/2010/main" xmlns="" w="9525">
                   <a:solidFill>
                     <a:srgbClr val="000000"/>
                   </a:solidFill>
@@ -547,7 +547,7 @@
             </a:ln>
             <a:extLst>
               <a:ext uri="{91240B29-F687-4f45-9708-019B960494DF}">
-                <a14:hiddenLine xmlns="" xmlns:a14="http://schemas.microsoft.com/office/drawing/2010/main" w="9525">
+                <a14:hiddenLine xmlns:a14="http://schemas.microsoft.com/office/drawing/2010/main" xmlns="" w="9525">
                   <a:solidFill>
                     <a:srgbClr val="000000"/>
                   </a:solidFill>
@@ -609,7 +609,7 @@
             </a:ln>
             <a:extLst>
               <a:ext uri="{91240B29-F687-4f45-9708-019B960494DF}">
-                <a14:hiddenLine xmlns="" xmlns:a14="http://schemas.microsoft.com/office/drawing/2010/main" w="9525">
+                <a14:hiddenLine xmlns:a14="http://schemas.microsoft.com/office/drawing/2010/main" xmlns="" w="9525">
                   <a:solidFill>
                     <a:srgbClr val="000000"/>
                   </a:solidFill>
@@ -671,7 +671,7 @@
             </a:ln>
             <a:extLst>
               <a:ext uri="{91240B29-F687-4f45-9708-019B960494DF}">
-                <a14:hiddenLine xmlns="" xmlns:a14="http://schemas.microsoft.com/office/drawing/2010/main" w="9525">
+                <a14:hiddenLine xmlns:a14="http://schemas.microsoft.com/office/drawing/2010/main" xmlns="" w="9525">
                   <a:solidFill>
                     <a:srgbClr val="000000"/>
                   </a:solidFill>
@@ -761,7 +761,7 @@
             </a:ln>
             <a:extLst>
               <a:ext uri="{91240B29-F687-4f45-9708-019B960494DF}">
-                <a14:hiddenLine xmlns="" xmlns:a14="http://schemas.microsoft.com/office/drawing/2010/main" w="9525">
+                <a14:hiddenLine xmlns:a14="http://schemas.microsoft.com/office/drawing/2010/main" xmlns="" w="9525">
                   <a:solidFill>
                     <a:srgbClr val="000000"/>
                   </a:solidFill>
@@ -823,7 +823,7 @@
             </a:ln>
             <a:extLst>
               <a:ext uri="{91240B29-F687-4f45-9708-019B960494DF}">
-                <a14:hiddenLine xmlns="" xmlns:a14="http://schemas.microsoft.com/office/drawing/2010/main" w="9525">
+                <a14:hiddenLine xmlns:a14="http://schemas.microsoft.com/office/drawing/2010/main" xmlns="" w="9525">
                   <a:solidFill>
                     <a:srgbClr val="000000"/>
                   </a:solidFill>
@@ -885,7 +885,7 @@
             </a:ln>
             <a:extLst>
               <a:ext uri="{91240B29-F687-4f45-9708-019B960494DF}">
-                <a14:hiddenLine xmlns="" xmlns:a14="http://schemas.microsoft.com/office/drawing/2010/main" w="9525">
+                <a14:hiddenLine xmlns:a14="http://schemas.microsoft.com/office/drawing/2010/main" xmlns="" w="9525">
                   <a:solidFill>
                     <a:srgbClr val="000000"/>
                   </a:solidFill>
@@ -975,7 +975,7 @@
             </a:ln>
             <a:extLst>
               <a:ext uri="{91240B29-F687-4f45-9708-019B960494DF}">
-                <a14:hiddenLine xmlns="" xmlns:a14="http://schemas.microsoft.com/office/drawing/2010/main" w="9525">
+                <a14:hiddenLine xmlns:a14="http://schemas.microsoft.com/office/drawing/2010/main" xmlns="" w="9525">
                   <a:solidFill>
                     <a:srgbClr val="000000"/>
                   </a:solidFill>
@@ -1065,7 +1065,7 @@
             </a:ln>
             <a:extLst>
               <a:ext uri="{91240B29-F687-4f45-9708-019B960494DF}">
-                <a14:hiddenLine xmlns="" xmlns:a14="http://schemas.microsoft.com/office/drawing/2010/main" w="9525">
+                <a14:hiddenLine xmlns:a14="http://schemas.microsoft.com/office/drawing/2010/main" xmlns="" w="9525">
                   <a:solidFill>
                     <a:srgbClr val="000000"/>
                   </a:solidFill>
@@ -1127,7 +1127,7 @@
             </a:ln>
             <a:extLst>
               <a:ext uri="{91240B29-F687-4f45-9708-019B960494DF}">
-                <a14:hiddenLine xmlns="" xmlns:a14="http://schemas.microsoft.com/office/drawing/2010/main" w="9525">
+                <a14:hiddenLine xmlns:a14="http://schemas.microsoft.com/office/drawing/2010/main" xmlns="" w="9525">
                   <a:solidFill>
                     <a:srgbClr val="000000"/>
                   </a:solidFill>
@@ -1237,7 +1237,7 @@
             </a:ln>
             <a:extLst>
               <a:ext uri="{91240B29-F687-4f45-9708-019B960494DF}">
-                <a14:hiddenLine xmlns="" xmlns:a14="http://schemas.microsoft.com/office/drawing/2010/main" w="9525">
+                <a14:hiddenLine xmlns:a14="http://schemas.microsoft.com/office/drawing/2010/main" xmlns="" w="9525">
                   <a:solidFill>
                     <a:srgbClr val="000000"/>
                   </a:solidFill>
@@ -1299,7 +1299,7 @@
             </a:ln>
             <a:extLst>
               <a:ext uri="{91240B29-F687-4f45-9708-019B960494DF}">
-                <a14:hiddenLine xmlns="" xmlns:a14="http://schemas.microsoft.com/office/drawing/2010/main" w="9525">
+                <a14:hiddenLine xmlns:a14="http://schemas.microsoft.com/office/drawing/2010/main" xmlns="" w="9525">
                   <a:solidFill>
                     <a:srgbClr val="000000"/>
                   </a:solidFill>
@@ -1389,7 +1389,7 @@
             </a:ln>
             <a:extLst>
               <a:ext uri="{91240B29-F687-4f45-9708-019B960494DF}">
-                <a14:hiddenLine xmlns="" xmlns:a14="http://schemas.microsoft.com/office/drawing/2010/main" w="9525">
+                <a14:hiddenLine xmlns:a14="http://schemas.microsoft.com/office/drawing/2010/main" xmlns="" w="9525">
                   <a:solidFill>
                     <a:srgbClr val="000000"/>
                   </a:solidFill>
@@ -1479,7 +1479,7 @@
             </a:ln>
             <a:extLst>
               <a:ext uri="{91240B29-F687-4f45-9708-019B960494DF}">
-                <a14:hiddenLine xmlns="" xmlns:a14="http://schemas.microsoft.com/office/drawing/2010/main" w="9525">
+                <a14:hiddenLine xmlns:a14="http://schemas.microsoft.com/office/drawing/2010/main" xmlns="" w="9525">
                   <a:solidFill>
                     <a:srgbClr val="000000"/>
                   </a:solidFill>
@@ -1541,7 +1541,7 @@
             </a:ln>
             <a:extLst>
               <a:ext uri="{91240B29-F687-4f45-9708-019B960494DF}">
-                <a14:hiddenLine xmlns="" xmlns:a14="http://schemas.microsoft.com/office/drawing/2010/main" w="9525">
+                <a14:hiddenLine xmlns:a14="http://schemas.microsoft.com/office/drawing/2010/main" xmlns="" w="9525">
                   <a:solidFill>
                     <a:srgbClr val="000000"/>
                   </a:solidFill>
@@ -1631,7 +1631,7 @@
             </a:ln>
             <a:extLst>
               <a:ext uri="{91240B29-F687-4f45-9708-019B960494DF}">
-                <a14:hiddenLine xmlns="" xmlns:a14="http://schemas.microsoft.com/office/drawing/2010/main" w="9525">
+                <a14:hiddenLine xmlns:a14="http://schemas.microsoft.com/office/drawing/2010/main" xmlns="" w="9525">
                   <a:solidFill>
                     <a:srgbClr val="000000"/>
                   </a:solidFill>
@@ -1721,7 +1721,7 @@
             </a:ln>
             <a:extLst>
               <a:ext uri="{91240B29-F687-4f45-9708-019B960494DF}">
-                <a14:hiddenLine xmlns="" xmlns:a14="http://schemas.microsoft.com/office/drawing/2010/main" w="9525">
+                <a14:hiddenLine xmlns:a14="http://schemas.microsoft.com/office/drawing/2010/main" xmlns="" w="9525">
                   <a:solidFill>
                     <a:srgbClr val="000000"/>
                   </a:solidFill>
@@ -1777,7 +1777,7 @@
             </a:ln>
             <a:extLst>
               <a:ext uri="{91240B29-F687-4f45-9708-019B960494DF}">
-                <a14:hiddenLine xmlns="" xmlns:a14="http://schemas.microsoft.com/office/drawing/2010/main" w="9525">
+                <a14:hiddenLine xmlns:a14="http://schemas.microsoft.com/office/drawing/2010/main" xmlns="" w="9525">
                   <a:solidFill>
                     <a:srgbClr val="000000"/>
                   </a:solidFill>
@@ -1867,7 +1867,7 @@
             </a:ln>
             <a:extLst>
               <a:ext uri="{91240B29-F687-4f45-9708-019B960494DF}">
-                <a14:hiddenLine xmlns="" xmlns:a14="http://schemas.microsoft.com/office/drawing/2010/main" w="9525">
+                <a14:hiddenLine xmlns:a14="http://schemas.microsoft.com/office/drawing/2010/main" xmlns="" w="9525">
                   <a:solidFill>
                     <a:srgbClr val="000000"/>
                   </a:solidFill>
@@ -1923,7 +1923,7 @@
             </a:ln>
             <a:extLst>
               <a:ext uri="{91240B29-F687-4f45-9708-019B960494DF}">
-                <a14:hiddenLine xmlns="" xmlns:a14="http://schemas.microsoft.com/office/drawing/2010/main" w="9525">
+                <a14:hiddenLine xmlns:a14="http://schemas.microsoft.com/office/drawing/2010/main" xmlns="" w="9525">
                   <a:solidFill>
                     <a:srgbClr val="000000"/>
                   </a:solidFill>
@@ -2013,7 +2013,7 @@
             </a:ln>
             <a:extLst>
               <a:ext uri="{91240B29-F687-4f45-9708-019B960494DF}">
-                <a14:hiddenLine xmlns="" xmlns:a14="http://schemas.microsoft.com/office/drawing/2010/main" w="9525">
+                <a14:hiddenLine xmlns:a14="http://schemas.microsoft.com/office/drawing/2010/main" xmlns="" w="9525">
                   <a:solidFill>
                     <a:srgbClr val="000000"/>
                   </a:solidFill>
@@ -2081,7 +2081,7 @@
             </a:ln>
             <a:extLst>
               <a:ext uri="{91240B29-F687-4f45-9708-019B960494DF}">
-                <a14:hiddenLine xmlns="" xmlns:a14="http://schemas.microsoft.com/office/drawing/2010/main" w="9525">
+                <a14:hiddenLine xmlns:a14="http://schemas.microsoft.com/office/drawing/2010/main" xmlns="" w="9525">
                   <a:solidFill>
                     <a:srgbClr val="000000"/>
                   </a:solidFill>
@@ -2171,7 +2171,7 @@
             </a:ln>
             <a:extLst>
               <a:ext uri="{91240B29-F687-4f45-9708-019B960494DF}">
-                <a14:hiddenLine xmlns="" xmlns:a14="http://schemas.microsoft.com/office/drawing/2010/main" w="9525">
+                <a14:hiddenLine xmlns:a14="http://schemas.microsoft.com/office/drawing/2010/main" xmlns="" w="9525">
                   <a:solidFill>
                     <a:srgbClr val="000000"/>
                   </a:solidFill>
@@ -2239,7 +2239,7 @@
             </a:ln>
             <a:extLst>
               <a:ext uri="{91240B29-F687-4f45-9708-019B960494DF}">
-                <a14:hiddenLine xmlns="" xmlns:a14="http://schemas.microsoft.com/office/drawing/2010/main" w="9525">
+                <a14:hiddenLine xmlns:a14="http://schemas.microsoft.com/office/drawing/2010/main" xmlns="" w="9525">
                   <a:solidFill>
                     <a:srgbClr val="000000"/>
                   </a:solidFill>
@@ -2329,7 +2329,7 @@
             </a:ln>
             <a:extLst>
               <a:ext uri="{91240B29-F687-4f45-9708-019B960494DF}">
-                <a14:hiddenLine xmlns="" xmlns:a14="http://schemas.microsoft.com/office/drawing/2010/main" w="9525">
+                <a14:hiddenLine xmlns:a14="http://schemas.microsoft.com/office/drawing/2010/main" xmlns="" w="9525">
                   <a:solidFill>
                     <a:srgbClr val="000000"/>
                   </a:solidFill>
@@ -2363,7 +2363,7 @@
             </a:ln>
             <a:extLst>
               <a:ext uri="{91240B29-F687-4f45-9708-019B960494DF}">
-                <a14:hiddenLine xmlns="" xmlns:a14="http://schemas.microsoft.com/office/drawing/2010/main" w="9525">
+                <a14:hiddenLine xmlns:a14="http://schemas.microsoft.com/office/drawing/2010/main" xmlns="" w="9525">
                   <a:solidFill>
                     <a:srgbClr val="000000"/>
                   </a:solidFill>
@@ -2453,7 +2453,7 @@
             </a:ln>
             <a:extLst>
               <a:ext uri="{91240B29-F687-4f45-9708-019B960494DF}">
-                <a14:hiddenLine xmlns="" xmlns:a14="http://schemas.microsoft.com/office/drawing/2010/main" w="9525">
+                <a14:hiddenLine xmlns:a14="http://schemas.microsoft.com/office/drawing/2010/main" xmlns="" w="9525">
                   <a:solidFill>
                     <a:srgbClr val="000000"/>
                   </a:solidFill>
@@ -2515,7 +2515,7 @@
             </a:ln>
             <a:extLst>
               <a:ext uri="{91240B29-F687-4f45-9708-019B960494DF}">
-                <a14:hiddenLine xmlns="" xmlns:a14="http://schemas.microsoft.com/office/drawing/2010/main" w="9525">
+                <a14:hiddenLine xmlns:a14="http://schemas.microsoft.com/office/drawing/2010/main" xmlns="" w="9525">
                   <a:solidFill>
                     <a:srgbClr val="000000"/>
                   </a:solidFill>
@@ -2577,7 +2577,7 @@
             </a:ln>
             <a:extLst>
               <a:ext uri="{91240B29-F687-4f45-9708-019B960494DF}">
-                <a14:hiddenLine xmlns="" xmlns:a14="http://schemas.microsoft.com/office/drawing/2010/main" w="9525">
+                <a14:hiddenLine xmlns:a14="http://schemas.microsoft.com/office/drawing/2010/main" xmlns="" w="9525">
                   <a:solidFill>
                     <a:srgbClr val="000000"/>
                   </a:solidFill>
@@ -2667,7 +2667,7 @@
             </a:ln>
             <a:extLst>
               <a:ext uri="{91240B29-F687-4f45-9708-019B960494DF}">
-                <a14:hiddenLine xmlns="" xmlns:a14="http://schemas.microsoft.com/office/drawing/2010/main" w="9525">
+                <a14:hiddenLine xmlns:a14="http://schemas.microsoft.com/office/drawing/2010/main" xmlns="" w="9525">
                   <a:solidFill>
                     <a:srgbClr val="000000"/>
                   </a:solidFill>
@@ -2735,7 +2735,7 @@
             </a:ln>
             <a:extLst>
               <a:ext uri="{91240B29-F687-4f45-9708-019B960494DF}">
-                <a14:hiddenLine xmlns="" xmlns:a14="http://schemas.microsoft.com/office/drawing/2010/main" w="9525">
+                <a14:hiddenLine xmlns:a14="http://schemas.microsoft.com/office/drawing/2010/main" xmlns="" w="9525">
                   <a:solidFill>
                     <a:srgbClr val="000000"/>
                   </a:solidFill>
@@ -2797,7 +2797,7 @@
             </a:ln>
             <a:extLst>
               <a:ext uri="{91240B29-F687-4f45-9708-019B960494DF}">
-                <a14:hiddenLine xmlns="" xmlns:a14="http://schemas.microsoft.com/office/drawing/2010/main" w="9525">
+                <a14:hiddenLine xmlns:a14="http://schemas.microsoft.com/office/drawing/2010/main" xmlns="" w="9525">
                   <a:solidFill>
                     <a:srgbClr val="000000"/>
                   </a:solidFill>
@@ -2887,7 +2887,7 @@
             </a:ln>
             <a:extLst>
               <a:ext uri="{91240B29-F687-4f45-9708-019B960494DF}">
-                <a14:hiddenLine xmlns="" xmlns:a14="http://schemas.microsoft.com/office/drawing/2010/main" w="9525">
+                <a14:hiddenLine xmlns:a14="http://schemas.microsoft.com/office/drawing/2010/main" xmlns="" w="9525">
                   <a:solidFill>
                     <a:srgbClr val="000000"/>
                   </a:solidFill>
@@ -2949,7 +2949,7 @@
             </a:ln>
             <a:extLst>
               <a:ext uri="{91240B29-F687-4f45-9708-019B960494DF}">
-                <a14:hiddenLine xmlns="" xmlns:a14="http://schemas.microsoft.com/office/drawing/2010/main" w="9525">
+                <a14:hiddenLine xmlns:a14="http://schemas.microsoft.com/office/drawing/2010/main" xmlns="" w="9525">
                   <a:solidFill>
                     <a:srgbClr val="000000"/>
                   </a:solidFill>
@@ -3039,7 +3039,7 @@
             </a:ln>
             <a:extLst>
               <a:ext uri="{91240B29-F687-4f45-9708-019B960494DF}">
-                <a14:hiddenLine xmlns="" xmlns:a14="http://schemas.microsoft.com/office/drawing/2010/main" w="9525">
+                <a14:hiddenLine xmlns:a14="http://schemas.microsoft.com/office/drawing/2010/main" xmlns="" w="9525">
                   <a:solidFill>
                     <a:srgbClr val="000000"/>
                   </a:solidFill>
@@ -3101,7 +3101,7 @@
             </a:ln>
             <a:extLst>
               <a:ext uri="{91240B29-F687-4f45-9708-019B960494DF}">
-                <a14:hiddenLine xmlns="" xmlns:a14="http://schemas.microsoft.com/office/drawing/2010/main" w="9525">
+                <a14:hiddenLine xmlns:a14="http://schemas.microsoft.com/office/drawing/2010/main" xmlns="" w="9525">
                   <a:solidFill>
                     <a:srgbClr val="000000"/>
                   </a:solidFill>
@@ -3191,7 +3191,7 @@
             </a:ln>
             <a:extLst>
               <a:ext uri="{91240B29-F687-4f45-9708-019B960494DF}">
-                <a14:hiddenLine xmlns="" xmlns:a14="http://schemas.microsoft.com/office/drawing/2010/main" w="9525">
+                <a14:hiddenLine xmlns:a14="http://schemas.microsoft.com/office/drawing/2010/main" xmlns="" w="9525">
                   <a:solidFill>
                     <a:srgbClr val="000000"/>
                   </a:solidFill>
@@ -3225,7 +3225,7 @@
             </a:ln>
             <a:extLst>
               <a:ext uri="{91240B29-F687-4f45-9708-019B960494DF}">
-                <a14:hiddenLine xmlns="" xmlns:a14="http://schemas.microsoft.com/office/drawing/2010/main" w="9525">
+                <a14:hiddenLine xmlns:a14="http://schemas.microsoft.com/office/drawing/2010/main" xmlns="" w="9525">
                   <a:solidFill>
                     <a:srgbClr val="000000"/>
                   </a:solidFill>
@@ -3290,7 +3290,7 @@
             </a:ln>
             <a:extLst>
               <a:ext uri="{91240B29-F687-4f45-9708-019B960494DF}">
-                <a14:hiddenLine xmlns="" xmlns:a14="http://schemas.microsoft.com/office/drawing/2010/main" w="9525">
+                <a14:hiddenLine xmlns:a14="http://schemas.microsoft.com/office/drawing/2010/main" xmlns="" w="9525">
                   <a:solidFill>
                     <a:srgbClr val="000000"/>
                   </a:solidFill>
@@ -3380,7 +3380,7 @@
             </a:ln>
             <a:extLst>
               <a:ext uri="{91240B29-F687-4f45-9708-019B960494DF}">
-                <a14:hiddenLine xmlns="" xmlns:a14="http://schemas.microsoft.com/office/drawing/2010/main" w="9525">
+                <a14:hiddenLine xmlns:a14="http://schemas.microsoft.com/office/drawing/2010/main" xmlns="" w="9525">
                   <a:solidFill>
                     <a:srgbClr val="000000"/>
                   </a:solidFill>
@@ -3442,7 +3442,7 @@
             </a:ln>
             <a:extLst>
               <a:ext uri="{91240B29-F687-4f45-9708-019B960494DF}">
-                <a14:hiddenLine xmlns="" xmlns:a14="http://schemas.microsoft.com/office/drawing/2010/main" w="9525">
+                <a14:hiddenLine xmlns:a14="http://schemas.microsoft.com/office/drawing/2010/main" xmlns="" w="9525">
                   <a:solidFill>
                     <a:srgbClr val="000000"/>
                   </a:solidFill>
@@ -3532,7 +3532,7 @@
             </a:ln>
             <a:extLst>
               <a:ext uri="{91240B29-F687-4f45-9708-019B960494DF}">
-                <a14:hiddenLine xmlns="" xmlns:a14="http://schemas.microsoft.com/office/drawing/2010/main" w="9525">
+                <a14:hiddenLine xmlns:a14="http://schemas.microsoft.com/office/drawing/2010/main" xmlns="" w="9525">
                   <a:solidFill>
                     <a:srgbClr val="000000"/>
                   </a:solidFill>
@@ -3622,7 +3622,7 @@
             </a:ln>
             <a:extLst>
               <a:ext uri="{91240B29-F687-4f45-9708-019B960494DF}">
-                <a14:hiddenLine xmlns="" xmlns:a14="http://schemas.microsoft.com/office/drawing/2010/main" w="9525">
+                <a14:hiddenLine xmlns:a14="http://schemas.microsoft.com/office/drawing/2010/main" xmlns="" w="9525">
                   <a:solidFill>
                     <a:srgbClr val="000000"/>
                   </a:solidFill>
@@ -3687,7 +3687,7 @@
             </a:ln>
             <a:extLst>
               <a:ext uri="{91240B29-F687-4f45-9708-019B960494DF}">
-                <a14:hiddenLine xmlns="" xmlns:a14="http://schemas.microsoft.com/office/drawing/2010/main" w="9525">
+                <a14:hiddenLine xmlns:a14="http://schemas.microsoft.com/office/drawing/2010/main" xmlns="" w="9525">
                   <a:solidFill>
                     <a:srgbClr val="000000"/>
                   </a:solidFill>
@@ -3749,7 +3749,7 @@
             </a:ln>
             <a:extLst>
               <a:ext uri="{91240B29-F687-4f45-9708-019B960494DF}">
-                <a14:hiddenLine xmlns="" xmlns:a14="http://schemas.microsoft.com/office/drawing/2010/main" w="9525">
+                <a14:hiddenLine xmlns:a14="http://schemas.microsoft.com/office/drawing/2010/main" xmlns="" w="9525">
                   <a:solidFill>
                     <a:srgbClr val="000000"/>
                   </a:solidFill>
@@ -3839,7 +3839,7 @@
             </a:ln>
             <a:extLst>
               <a:ext uri="{91240B29-F687-4f45-9708-019B960494DF}">
-                <a14:hiddenLine xmlns="" xmlns:a14="http://schemas.microsoft.com/office/drawing/2010/main" w="9525">
+                <a14:hiddenLine xmlns:a14="http://schemas.microsoft.com/office/drawing/2010/main" xmlns="" w="9525">
                   <a:solidFill>
                     <a:srgbClr val="000000"/>
                   </a:solidFill>
@@ -3929,7 +3929,7 @@
             </a:ln>
             <a:extLst>
               <a:ext uri="{91240B29-F687-4f45-9708-019B960494DF}">
-                <a14:hiddenLine xmlns="" xmlns:a14="http://schemas.microsoft.com/office/drawing/2010/main" w="9525">
+                <a14:hiddenLine xmlns:a14="http://schemas.microsoft.com/office/drawing/2010/main" xmlns="" w="9525">
                   <a:solidFill>
                     <a:srgbClr val="000000"/>
                   </a:solidFill>
@@ -3991,7 +3991,7 @@
             </a:ln>
             <a:extLst>
               <a:ext uri="{91240B29-F687-4f45-9708-019B960494DF}">
-                <a14:hiddenLine xmlns="" xmlns:a14="http://schemas.microsoft.com/office/drawing/2010/main" w="9525">
+                <a14:hiddenLine xmlns:a14="http://schemas.microsoft.com/office/drawing/2010/main" xmlns="" w="9525">
                   <a:solidFill>
                     <a:srgbClr val="000000"/>
                   </a:solidFill>
@@ -4111,7 +4111,7 @@
             </a:ln>
             <a:extLst>
               <a:ext uri="{91240B29-F687-4f45-9708-019B960494DF}">
-                <a14:hiddenLine xmlns="" xmlns:a14="http://schemas.microsoft.com/office/drawing/2010/main" w="9525">
+                <a14:hiddenLine xmlns:a14="http://schemas.microsoft.com/office/drawing/2010/main" xmlns="" w="9525">
                   <a:solidFill>
                     <a:srgbClr val="000000"/>
                   </a:solidFill>
@@ -4179,7 +4179,7 @@
             </a:ln>
             <a:extLst>
               <a:ext uri="{91240B29-F687-4f45-9708-019B960494DF}">
-                <a14:hiddenLine xmlns="" xmlns:a14="http://schemas.microsoft.com/office/drawing/2010/main" w="9525">
+                <a14:hiddenLine xmlns:a14="http://schemas.microsoft.com/office/drawing/2010/main" xmlns="" w="9525">
                   <a:solidFill>
                     <a:srgbClr val="000000"/>
                   </a:solidFill>
@@ -4269,7 +4269,7 @@
             </a:ln>
             <a:extLst>
               <a:ext uri="{91240B29-F687-4f45-9708-019B960494DF}">
-                <a14:hiddenLine xmlns="" xmlns:a14="http://schemas.microsoft.com/office/drawing/2010/main" w="9525">
+                <a14:hiddenLine xmlns:a14="http://schemas.microsoft.com/office/drawing/2010/main" xmlns="" w="9525">
                   <a:solidFill>
                     <a:srgbClr val="000000"/>
                   </a:solidFill>
@@ -9091,7 +9091,7 @@
           <a:noFill/>
           <a:extLst>
             <a:ext uri="{909E8E84-426E-40dd-AFC4-6F175D3DCCD1}">
-              <a14:hiddenFill xmlns="" xmlns:a14="http://schemas.microsoft.com/office/drawing/2010/main">
+              <a14:hiddenFill xmlns:a14="http://schemas.microsoft.com/office/drawing/2010/main" xmlns="">
                 <a:solidFill>
                   <a:srgbClr val="FFFFFF"/>
                 </a:solidFill>
@@ -9165,7 +9165,7 @@
               </a:ln>
               <a:extLst>
                 <a:ext uri="{91240B29-F687-4f45-9708-019B960494DF}">
-                  <a14:hiddenLine xmlns="" xmlns:a14="http://schemas.microsoft.com/office/drawing/2010/main" w="9525">
+                  <a14:hiddenLine xmlns:a14="http://schemas.microsoft.com/office/drawing/2010/main" xmlns="" w="9525">
                     <a:solidFill>
                       <a:srgbClr val="000000"/>
                     </a:solidFill>
@@ -9255,7 +9255,7 @@
               </a:ln>
               <a:extLst>
                 <a:ext uri="{91240B29-F687-4f45-9708-019B960494DF}">
-                  <a14:hiddenLine xmlns="" xmlns:a14="http://schemas.microsoft.com/office/drawing/2010/main" w="9525">
+                  <a14:hiddenLine xmlns:a14="http://schemas.microsoft.com/office/drawing/2010/main" xmlns="" w="9525">
                     <a:solidFill>
                       <a:srgbClr val="000000"/>
                     </a:solidFill>
@@ -9345,7 +9345,7 @@
               </a:ln>
               <a:extLst>
                 <a:ext uri="{91240B29-F687-4f45-9708-019B960494DF}">
-                  <a14:hiddenLine xmlns="" xmlns:a14="http://schemas.microsoft.com/office/drawing/2010/main" w="9525">
+                  <a14:hiddenLine xmlns:a14="http://schemas.microsoft.com/office/drawing/2010/main" xmlns="" w="9525">
                     <a:solidFill>
                       <a:srgbClr val="000000"/>
                     </a:solidFill>
@@ -9407,7 +9407,7 @@
               </a:ln>
               <a:extLst>
                 <a:ext uri="{91240B29-F687-4f45-9708-019B960494DF}">
-                  <a14:hiddenLine xmlns="" xmlns:a14="http://schemas.microsoft.com/office/drawing/2010/main" w="9525">
+                  <a14:hiddenLine xmlns:a14="http://schemas.microsoft.com/office/drawing/2010/main" xmlns="" w="9525">
                     <a:solidFill>
                       <a:srgbClr val="000000"/>
                     </a:solidFill>
@@ -9497,7 +9497,7 @@
               </a:ln>
               <a:extLst>
                 <a:ext uri="{91240B29-F687-4f45-9708-019B960494DF}">
-                  <a14:hiddenLine xmlns="" xmlns:a14="http://schemas.microsoft.com/office/drawing/2010/main" w="9525">
+                  <a14:hiddenLine xmlns:a14="http://schemas.microsoft.com/office/drawing/2010/main" xmlns="" w="9525">
                     <a:solidFill>
                       <a:srgbClr val="000000"/>
                     </a:solidFill>
@@ -9559,7 +9559,7 @@
               </a:ln>
               <a:extLst>
                 <a:ext uri="{91240B29-F687-4f45-9708-019B960494DF}">
-                  <a14:hiddenLine xmlns="" xmlns:a14="http://schemas.microsoft.com/office/drawing/2010/main" w="9525">
+                  <a14:hiddenLine xmlns:a14="http://schemas.microsoft.com/office/drawing/2010/main" xmlns="" w="9525">
                     <a:solidFill>
                       <a:srgbClr val="000000"/>
                     </a:solidFill>
@@ -9621,7 +9621,7 @@
               </a:ln>
               <a:extLst>
                 <a:ext uri="{91240B29-F687-4f45-9708-019B960494DF}">
-                  <a14:hiddenLine xmlns="" xmlns:a14="http://schemas.microsoft.com/office/drawing/2010/main" w="9525">
+                  <a14:hiddenLine xmlns:a14="http://schemas.microsoft.com/office/drawing/2010/main" xmlns="" w="9525">
                     <a:solidFill>
                       <a:srgbClr val="000000"/>
                     </a:solidFill>
@@ -9711,7 +9711,7 @@
               </a:ln>
               <a:extLst>
                 <a:ext uri="{91240B29-F687-4f45-9708-019B960494DF}">
-                  <a14:hiddenLine xmlns="" xmlns:a14="http://schemas.microsoft.com/office/drawing/2010/main" w="9525">
+                  <a14:hiddenLine xmlns:a14="http://schemas.microsoft.com/office/drawing/2010/main" xmlns="" w="9525">
                     <a:solidFill>
                       <a:srgbClr val="000000"/>
                     </a:solidFill>
@@ -9801,7 +9801,7 @@
               </a:ln>
               <a:extLst>
                 <a:ext uri="{91240B29-F687-4f45-9708-019B960494DF}">
-                  <a14:hiddenLine xmlns="" xmlns:a14="http://schemas.microsoft.com/office/drawing/2010/main" w="9525">
+                  <a14:hiddenLine xmlns:a14="http://schemas.microsoft.com/office/drawing/2010/main" xmlns="" w="9525">
                     <a:solidFill>
                       <a:srgbClr val="000000"/>
                     </a:solidFill>
@@ -9863,7 +9863,7 @@
               </a:ln>
               <a:extLst>
                 <a:ext uri="{91240B29-F687-4f45-9708-019B960494DF}">
-                  <a14:hiddenLine xmlns="" xmlns:a14="http://schemas.microsoft.com/office/drawing/2010/main" w="9525">
+                  <a14:hiddenLine xmlns:a14="http://schemas.microsoft.com/office/drawing/2010/main" xmlns="" w="9525">
                     <a:solidFill>
                       <a:srgbClr val="000000"/>
                     </a:solidFill>
@@ -9973,7 +9973,7 @@
               </a:ln>
               <a:extLst>
                 <a:ext uri="{91240B29-F687-4f45-9708-019B960494DF}">
-                  <a14:hiddenLine xmlns="" xmlns:a14="http://schemas.microsoft.com/office/drawing/2010/main" w="9525">
+                  <a14:hiddenLine xmlns:a14="http://schemas.microsoft.com/office/drawing/2010/main" xmlns="" w="9525">
                     <a:solidFill>
                       <a:srgbClr val="000000"/>
                     </a:solidFill>
@@ -10057,7 +10057,7 @@
               </a:ln>
               <a:extLst>
                 <a:ext uri="{91240B29-F687-4f45-9708-019B960494DF}">
-                  <a14:hiddenLine xmlns="" xmlns:a14="http://schemas.microsoft.com/office/drawing/2010/main" w="9525">
+                  <a14:hiddenLine xmlns:a14="http://schemas.microsoft.com/office/drawing/2010/main" xmlns="" w="9525">
                     <a:solidFill>
                       <a:srgbClr val="000000"/>
                     </a:solidFill>
@@ -10119,7 +10119,7 @@
               </a:ln>
               <a:extLst>
                 <a:ext uri="{91240B29-F687-4f45-9708-019B960494DF}">
-                  <a14:hiddenLine xmlns="" xmlns:a14="http://schemas.microsoft.com/office/drawing/2010/main" w="9525">
+                  <a14:hiddenLine xmlns:a14="http://schemas.microsoft.com/office/drawing/2010/main" xmlns="" w="9525">
                     <a:solidFill>
                       <a:srgbClr val="000000"/>
                     </a:solidFill>
@@ -10181,7 +10181,7 @@
               </a:ln>
               <a:extLst>
                 <a:ext uri="{91240B29-F687-4f45-9708-019B960494DF}">
-                  <a14:hiddenLine xmlns="" xmlns:a14="http://schemas.microsoft.com/office/drawing/2010/main" w="9525">
+                  <a14:hiddenLine xmlns:a14="http://schemas.microsoft.com/office/drawing/2010/main" xmlns="" w="9525">
                     <a:solidFill>
                       <a:srgbClr val="000000"/>
                     </a:solidFill>
@@ -10271,7 +10271,7 @@
               </a:ln>
               <a:extLst>
                 <a:ext uri="{91240B29-F687-4f45-9708-019B960494DF}">
-                  <a14:hiddenLine xmlns="" xmlns:a14="http://schemas.microsoft.com/office/drawing/2010/main" w="9525">
+                  <a14:hiddenLine xmlns:a14="http://schemas.microsoft.com/office/drawing/2010/main" xmlns="" w="9525">
                     <a:solidFill>
                       <a:srgbClr val="000000"/>
                     </a:solidFill>
@@ -10305,7 +10305,7 @@
               </a:ln>
               <a:extLst>
                 <a:ext uri="{91240B29-F687-4f45-9708-019B960494DF}">
-                  <a14:hiddenLine xmlns="" xmlns:a14="http://schemas.microsoft.com/office/drawing/2010/main" w="9525">
+                  <a14:hiddenLine xmlns:a14="http://schemas.microsoft.com/office/drawing/2010/main" xmlns="" w="9525">
                     <a:solidFill>
                       <a:srgbClr val="000000"/>
                     </a:solidFill>
@@ -10370,7 +10370,7 @@
               </a:ln>
               <a:extLst>
                 <a:ext uri="{91240B29-F687-4f45-9708-019B960494DF}">
-                  <a14:hiddenLine xmlns="" xmlns:a14="http://schemas.microsoft.com/office/drawing/2010/main" w="9525">
+                  <a14:hiddenLine xmlns:a14="http://schemas.microsoft.com/office/drawing/2010/main" xmlns="" w="9525">
                     <a:solidFill>
                       <a:srgbClr val="000000"/>
                     </a:solidFill>
@@ -10460,7 +10460,7 @@
               </a:ln>
               <a:extLst>
                 <a:ext uri="{91240B29-F687-4f45-9708-019B960494DF}">
-                  <a14:hiddenLine xmlns="" xmlns:a14="http://schemas.microsoft.com/office/drawing/2010/main" w="9525">
+                  <a14:hiddenLine xmlns:a14="http://schemas.microsoft.com/office/drawing/2010/main" xmlns="" w="9525">
                     <a:solidFill>
                       <a:srgbClr val="000000"/>
                     </a:solidFill>
@@ -10522,7 +10522,7 @@
               </a:ln>
               <a:extLst>
                 <a:ext uri="{91240B29-F687-4f45-9708-019B960494DF}">
-                  <a14:hiddenLine xmlns="" xmlns:a14="http://schemas.microsoft.com/office/drawing/2010/main" w="9525">
+                  <a14:hiddenLine xmlns:a14="http://schemas.microsoft.com/office/drawing/2010/main" xmlns="" w="9525">
                     <a:solidFill>
                       <a:srgbClr val="000000"/>
                     </a:solidFill>
@@ -10612,7 +10612,7 @@
               </a:ln>
               <a:extLst>
                 <a:ext uri="{91240B29-F687-4f45-9708-019B960494DF}">
-                  <a14:hiddenLine xmlns="" xmlns:a14="http://schemas.microsoft.com/office/drawing/2010/main" w="9525">
+                  <a14:hiddenLine xmlns:a14="http://schemas.microsoft.com/office/drawing/2010/main" xmlns="" w="9525">
                     <a:solidFill>
                       <a:srgbClr val="000000"/>
                     </a:solidFill>
@@ -10677,7 +10677,7 @@
               </a:ln>
               <a:extLst>
                 <a:ext uri="{91240B29-F687-4f45-9708-019B960494DF}">
-                  <a14:hiddenLine xmlns="" xmlns:a14="http://schemas.microsoft.com/office/drawing/2010/main" w="9525">
+                  <a14:hiddenLine xmlns:a14="http://schemas.microsoft.com/office/drawing/2010/main" xmlns="" w="9525">
                     <a:solidFill>
                       <a:srgbClr val="000000"/>
                     </a:solidFill>
@@ -10739,7 +10739,7 @@
               </a:ln>
               <a:extLst>
                 <a:ext uri="{91240B29-F687-4f45-9708-019B960494DF}">
-                  <a14:hiddenLine xmlns="" xmlns:a14="http://schemas.microsoft.com/office/drawing/2010/main" w="9525">
+                  <a14:hiddenLine xmlns:a14="http://schemas.microsoft.com/office/drawing/2010/main" xmlns="" w="9525">
                     <a:solidFill>
                       <a:srgbClr val="000000"/>
                     </a:solidFill>
@@ -10829,7 +10829,7 @@
               </a:ln>
               <a:extLst>
                 <a:ext uri="{91240B29-F687-4f45-9708-019B960494DF}">
-                  <a14:hiddenLine xmlns="" xmlns:a14="http://schemas.microsoft.com/office/drawing/2010/main" w="9525">
+                  <a14:hiddenLine xmlns:a14="http://schemas.microsoft.com/office/drawing/2010/main" xmlns="" w="9525">
                     <a:solidFill>
                       <a:srgbClr val="000000"/>
                     </a:solidFill>
@@ -10919,7 +10919,7 @@
               </a:ln>
               <a:extLst>
                 <a:ext uri="{91240B29-F687-4f45-9708-019B960494DF}">
-                  <a14:hiddenLine xmlns="" xmlns:a14="http://schemas.microsoft.com/office/drawing/2010/main" w="9525">
+                  <a14:hiddenLine xmlns:a14="http://schemas.microsoft.com/office/drawing/2010/main" xmlns="" w="9525">
                     <a:solidFill>
                       <a:srgbClr val="000000"/>
                     </a:solidFill>
@@ -10984,7 +10984,7 @@
               </a:ln>
               <a:extLst>
                 <a:ext uri="{91240B29-F687-4f45-9708-019B960494DF}">
-                  <a14:hiddenLine xmlns="" xmlns:a14="http://schemas.microsoft.com/office/drawing/2010/main" w="9525">
+                  <a14:hiddenLine xmlns:a14="http://schemas.microsoft.com/office/drawing/2010/main" xmlns="" w="9525">
                     <a:solidFill>
                       <a:srgbClr val="000000"/>
                     </a:solidFill>
@@ -11104,7 +11104,7 @@
               </a:ln>
               <a:extLst>
                 <a:ext uri="{91240B29-F687-4f45-9708-019B960494DF}">
-                  <a14:hiddenLine xmlns="" xmlns:a14="http://schemas.microsoft.com/office/drawing/2010/main" w="9525">
+                  <a14:hiddenLine xmlns:a14="http://schemas.microsoft.com/office/drawing/2010/main" xmlns="" w="9525">
                     <a:solidFill>
                       <a:srgbClr val="000000"/>
                     </a:solidFill>
@@ -11202,7 +11202,7 @@
               </a:ln>
               <a:extLst>
                 <a:ext uri="{91240B29-F687-4f45-9708-019B960494DF}">
-                  <a14:hiddenLine xmlns="" xmlns:a14="http://schemas.microsoft.com/office/drawing/2010/main" w="9525">
+                  <a14:hiddenLine xmlns:a14="http://schemas.microsoft.com/office/drawing/2010/main" xmlns="" w="9525">
                     <a:solidFill>
                       <a:srgbClr val="000000"/>
                     </a:solidFill>
@@ -11317,7 +11317,7 @@
               </a:ln>
               <a:extLst>
                 <a:ext uri="{91240B29-F687-4f45-9708-019B960494DF}">
-                  <a14:hiddenLine xmlns="" xmlns:a14="http://schemas.microsoft.com/office/drawing/2010/main" w="9525">
+                  <a14:hiddenLine xmlns:a14="http://schemas.microsoft.com/office/drawing/2010/main" xmlns="" w="9525">
                     <a:solidFill>
                       <a:srgbClr val="000000"/>
                     </a:solidFill>
@@ -11407,7 +11407,7 @@
               </a:ln>
               <a:extLst>
                 <a:ext uri="{91240B29-F687-4f45-9708-019B960494DF}">
-                  <a14:hiddenLine xmlns="" xmlns:a14="http://schemas.microsoft.com/office/drawing/2010/main" w="9525">
+                  <a14:hiddenLine xmlns:a14="http://schemas.microsoft.com/office/drawing/2010/main" xmlns="" w="9525">
                     <a:solidFill>
                       <a:srgbClr val="000000"/>
                     </a:solidFill>
@@ -11472,7 +11472,7 @@
               </a:ln>
               <a:extLst>
                 <a:ext uri="{91240B29-F687-4f45-9708-019B960494DF}">
-                  <a14:hiddenLine xmlns="" xmlns:a14="http://schemas.microsoft.com/office/drawing/2010/main" w="9525">
+                  <a14:hiddenLine xmlns:a14="http://schemas.microsoft.com/office/drawing/2010/main" xmlns="" w="9525">
                     <a:solidFill>
                       <a:srgbClr val="000000"/>
                     </a:solidFill>
@@ -11562,7 +11562,7 @@
               </a:ln>
               <a:extLst>
                 <a:ext uri="{91240B29-F687-4f45-9708-019B960494DF}">
-                  <a14:hiddenLine xmlns="" xmlns:a14="http://schemas.microsoft.com/office/drawing/2010/main" w="9525">
+                  <a14:hiddenLine xmlns:a14="http://schemas.microsoft.com/office/drawing/2010/main" xmlns="" w="9525">
                     <a:solidFill>
                       <a:srgbClr val="000000"/>
                     </a:solidFill>
@@ -11630,7 +11630,7 @@
               </a:ln>
               <a:extLst>
                 <a:ext uri="{91240B29-F687-4f45-9708-019B960494DF}">
-                  <a14:hiddenLine xmlns="" xmlns:a14="http://schemas.microsoft.com/office/drawing/2010/main" w="9525">
+                  <a14:hiddenLine xmlns:a14="http://schemas.microsoft.com/office/drawing/2010/main" xmlns="" w="9525">
                     <a:solidFill>
                       <a:srgbClr val="000000"/>
                     </a:solidFill>
@@ -11720,7 +11720,7 @@
               </a:ln>
               <a:extLst>
                 <a:ext uri="{91240B29-F687-4f45-9708-019B960494DF}">
-                  <a14:hiddenLine xmlns="" xmlns:a14="http://schemas.microsoft.com/office/drawing/2010/main" w="9525">
+                  <a14:hiddenLine xmlns:a14="http://schemas.microsoft.com/office/drawing/2010/main" xmlns="" w="9525">
                     <a:solidFill>
                       <a:srgbClr val="000000"/>
                     </a:solidFill>
@@ -11788,7 +11788,7 @@
               </a:ln>
               <a:extLst>
                 <a:ext uri="{91240B29-F687-4f45-9708-019B960494DF}">
-                  <a14:hiddenLine xmlns="" xmlns:a14="http://schemas.microsoft.com/office/drawing/2010/main" w="9525">
+                  <a14:hiddenLine xmlns:a14="http://schemas.microsoft.com/office/drawing/2010/main" xmlns="" w="9525">
                     <a:solidFill>
                       <a:srgbClr val="000000"/>
                     </a:solidFill>
@@ -11878,7 +11878,7 @@
               </a:ln>
               <a:extLst>
                 <a:ext uri="{91240B29-F687-4f45-9708-019B960494DF}">
-                  <a14:hiddenLine xmlns="" xmlns:a14="http://schemas.microsoft.com/office/drawing/2010/main" w="9525">
+                  <a14:hiddenLine xmlns:a14="http://schemas.microsoft.com/office/drawing/2010/main" xmlns="" w="9525">
                     <a:solidFill>
                       <a:srgbClr val="000000"/>
                     </a:solidFill>
@@ -11912,7 +11912,7 @@
               </a:ln>
               <a:extLst>
                 <a:ext uri="{91240B29-F687-4f45-9708-019B960494DF}">
-                  <a14:hiddenLine xmlns="" xmlns:a14="http://schemas.microsoft.com/office/drawing/2010/main" w="9525">
+                  <a14:hiddenLine xmlns:a14="http://schemas.microsoft.com/office/drawing/2010/main" xmlns="" w="9525">
                     <a:solidFill>
                       <a:srgbClr val="000000"/>
                     </a:solidFill>
@@ -12713,8 +12713,8 @@
         </p:nvSpPr>
         <p:spPr>
           <a:xfrm>
-            <a:off x="915448" y="3300630"/>
-            <a:ext cx="10260387" cy="1323439"/>
+            <a:off x="496461" y="2400297"/>
+            <a:ext cx="11098361" cy="2246769"/>
           </a:xfrm>
           <a:prstGeom prst="rect">
             <a:avLst/>
@@ -12733,7 +12733,7 @@
           <a:lstStyle/>
           <a:p>
             <a:r>
-              <a:rPr lang="en-US" sz="2000" b="1" dirty="0">
+              <a:rPr lang="en-US" sz="2800" b="1" dirty="0">
                 <a:latin typeface="Arial" panose="020B0604020202020204" pitchFamily="34" charset="0"/>
                 <a:cs typeface="Arial" panose="020B0604020202020204" pitchFamily="34" charset="0"/>
               </a:rPr>
@@ -12827,8 +12827,8 @@
         </p:nvSpPr>
         <p:spPr>
           <a:xfrm>
-            <a:off x="1471614" y="3343276"/>
-            <a:ext cx="9401174" cy="1015663"/>
+            <a:off x="1274666" y="2583620"/>
+            <a:ext cx="9401174" cy="2554545"/>
           </a:xfrm>
           <a:prstGeom prst="rect">
             <a:avLst/>
@@ -12847,15 +12847,15 @@
           <a:lstStyle/>
           <a:p>
             <a:r>
-              <a:rPr lang="en-US" sz="2000" b="1" dirty="0"/>
+              <a:rPr lang="en-US" sz="3200" b="1" dirty="0"/>
               <a:t>A </a:t>
             </a:r>
             <a:r>
-              <a:rPr lang="en-US" sz="2000" b="1" i="1" dirty="0"/>
+              <a:rPr lang="en-US" sz="3200" b="1" i="1" dirty="0"/>
               <a:t>view</a:t>
             </a:r>
             <a:r>
-              <a:rPr lang="en-US" sz="2000" b="1" dirty="0"/>
+              <a:rPr lang="en-US" sz="3200" b="1" dirty="0"/>
               <a:t> can be any output representation of information, such as a chart or a diagram. Multiple views of the same information are possible, such as a bar chart for management and a tabular view for accountants.</a:t>
             </a:r>
           </a:p>
@@ -12946,8 +12946,8 @@
         </p:nvSpPr>
         <p:spPr>
           <a:xfrm>
-            <a:off x="1322362" y="3488787"/>
-            <a:ext cx="9453489" cy="707886"/>
+            <a:off x="1322362" y="2897944"/>
+            <a:ext cx="9453489" cy="2062103"/>
           </a:xfrm>
           <a:prstGeom prst="rect">
             <a:avLst/>
@@ -12966,21 +12966,21 @@
           <a:lstStyle/>
           <a:p>
             <a:r>
-              <a:rPr lang="en-US" sz="2000" dirty="0">
+              <a:rPr lang="en-US" sz="3200" dirty="0">
                 <a:latin typeface="Arial" panose="020B0604020202020204" pitchFamily="34" charset="0"/>
                 <a:cs typeface="Arial" panose="020B0604020202020204" pitchFamily="34" charset="0"/>
               </a:rPr>
               <a:t>A </a:t>
             </a:r>
             <a:r>
-              <a:rPr lang="en-US" sz="2000" i="1" dirty="0">
+              <a:rPr lang="en-US" sz="3200" i="1" dirty="0">
                 <a:latin typeface="Arial" panose="020B0604020202020204" pitchFamily="34" charset="0"/>
                 <a:cs typeface="Arial" panose="020B0604020202020204" pitchFamily="34" charset="0"/>
               </a:rPr>
               <a:t>Controller</a:t>
             </a:r>
             <a:r>
-              <a:rPr lang="en-US" sz="2000" dirty="0">
+              <a:rPr lang="en-US" sz="3200" dirty="0">
                 <a:latin typeface="Arial" panose="020B0604020202020204" pitchFamily="34" charset="0"/>
                 <a:cs typeface="Arial" panose="020B0604020202020204" pitchFamily="34" charset="0"/>
               </a:rPr>

--- a/MVC_video.pptx
+++ b/MVC_video.pptx
@@ -11,6 +11,7 @@
     <p:sldId id="259" r:id="rId5"/>
     <p:sldId id="260" r:id="rId6"/>
     <p:sldId id="257" r:id="rId7"/>
+    <p:sldId id="262" r:id="rId8"/>
   </p:sldIdLst>
   <p:sldSz cx="12192000" cy="6858000"/>
   <p:notesSz cx="6858000" cy="9144000"/>
@@ -183,7 +184,7 @@
           <a:noFill/>
           <a:extLst>
             <a:ext uri="{909E8E84-426E-40dd-AFC4-6F175D3DCCD1}">
-              <a14:hiddenFill xmlns:a14="http://schemas.microsoft.com/office/drawing/2010/main" xmlns="">
+              <a14:hiddenFill xmlns="" xmlns:a14="http://schemas.microsoft.com/office/drawing/2010/main">
                 <a:solidFill>
                   <a:srgbClr val="FFFFFF"/>
                 </a:solidFill>
@@ -243,7 +244,7 @@
             </a:ln>
             <a:extLst>
               <a:ext uri="{91240B29-F687-4f45-9708-019B960494DF}">
-                <a14:hiddenLine xmlns:a14="http://schemas.microsoft.com/office/drawing/2010/main" xmlns="" w="9525">
+                <a14:hiddenLine xmlns="" xmlns:a14="http://schemas.microsoft.com/office/drawing/2010/main" w="9525">
                   <a:solidFill>
                     <a:srgbClr val="000000"/>
                   </a:solidFill>
@@ -333,7 +334,7 @@
             </a:ln>
             <a:extLst>
               <a:ext uri="{91240B29-F687-4f45-9708-019B960494DF}">
-                <a14:hiddenLine xmlns:a14="http://schemas.microsoft.com/office/drawing/2010/main" xmlns="" w="9525">
+                <a14:hiddenLine xmlns="" xmlns:a14="http://schemas.microsoft.com/office/drawing/2010/main" w="9525">
                   <a:solidFill>
                     <a:srgbClr val="000000"/>
                   </a:solidFill>
@@ -423,7 +424,7 @@
             </a:ln>
             <a:extLst>
               <a:ext uri="{91240B29-F687-4f45-9708-019B960494DF}">
-                <a14:hiddenLine xmlns:a14="http://schemas.microsoft.com/office/drawing/2010/main" xmlns="" w="9525">
+                <a14:hiddenLine xmlns="" xmlns:a14="http://schemas.microsoft.com/office/drawing/2010/main" w="9525">
                   <a:solidFill>
                     <a:srgbClr val="000000"/>
                   </a:solidFill>
@@ -457,7 +458,7 @@
             </a:ln>
             <a:extLst>
               <a:ext uri="{91240B29-F687-4f45-9708-019B960494DF}">
-                <a14:hiddenLine xmlns:a14="http://schemas.microsoft.com/office/drawing/2010/main" xmlns="" w="9525">
+                <a14:hiddenLine xmlns="" xmlns:a14="http://schemas.microsoft.com/office/drawing/2010/main" w="9525">
                   <a:solidFill>
                     <a:srgbClr val="000000"/>
                   </a:solidFill>
@@ -547,7 +548,7 @@
             </a:ln>
             <a:extLst>
               <a:ext uri="{91240B29-F687-4f45-9708-019B960494DF}">
-                <a14:hiddenLine xmlns:a14="http://schemas.microsoft.com/office/drawing/2010/main" xmlns="" w="9525">
+                <a14:hiddenLine xmlns="" xmlns:a14="http://schemas.microsoft.com/office/drawing/2010/main" w="9525">
                   <a:solidFill>
                     <a:srgbClr val="000000"/>
                   </a:solidFill>
@@ -609,7 +610,7 @@
             </a:ln>
             <a:extLst>
               <a:ext uri="{91240B29-F687-4f45-9708-019B960494DF}">
-                <a14:hiddenLine xmlns:a14="http://schemas.microsoft.com/office/drawing/2010/main" xmlns="" w="9525">
+                <a14:hiddenLine xmlns="" xmlns:a14="http://schemas.microsoft.com/office/drawing/2010/main" w="9525">
                   <a:solidFill>
                     <a:srgbClr val="000000"/>
                   </a:solidFill>
@@ -671,7 +672,7 @@
             </a:ln>
             <a:extLst>
               <a:ext uri="{91240B29-F687-4f45-9708-019B960494DF}">
-                <a14:hiddenLine xmlns:a14="http://schemas.microsoft.com/office/drawing/2010/main" xmlns="" w="9525">
+                <a14:hiddenLine xmlns="" xmlns:a14="http://schemas.microsoft.com/office/drawing/2010/main" w="9525">
                   <a:solidFill>
                     <a:srgbClr val="000000"/>
                   </a:solidFill>
@@ -761,7 +762,7 @@
             </a:ln>
             <a:extLst>
               <a:ext uri="{91240B29-F687-4f45-9708-019B960494DF}">
-                <a14:hiddenLine xmlns:a14="http://schemas.microsoft.com/office/drawing/2010/main" xmlns="" w="9525">
+                <a14:hiddenLine xmlns="" xmlns:a14="http://schemas.microsoft.com/office/drawing/2010/main" w="9525">
                   <a:solidFill>
                     <a:srgbClr val="000000"/>
                   </a:solidFill>
@@ -823,7 +824,7 @@
             </a:ln>
             <a:extLst>
               <a:ext uri="{91240B29-F687-4f45-9708-019B960494DF}">
-                <a14:hiddenLine xmlns:a14="http://schemas.microsoft.com/office/drawing/2010/main" xmlns="" w="9525">
+                <a14:hiddenLine xmlns="" xmlns:a14="http://schemas.microsoft.com/office/drawing/2010/main" w="9525">
                   <a:solidFill>
                     <a:srgbClr val="000000"/>
                   </a:solidFill>
@@ -885,7 +886,7 @@
             </a:ln>
             <a:extLst>
               <a:ext uri="{91240B29-F687-4f45-9708-019B960494DF}">
-                <a14:hiddenLine xmlns:a14="http://schemas.microsoft.com/office/drawing/2010/main" xmlns="" w="9525">
+                <a14:hiddenLine xmlns="" xmlns:a14="http://schemas.microsoft.com/office/drawing/2010/main" w="9525">
                   <a:solidFill>
                     <a:srgbClr val="000000"/>
                   </a:solidFill>
@@ -975,7 +976,7 @@
             </a:ln>
             <a:extLst>
               <a:ext uri="{91240B29-F687-4f45-9708-019B960494DF}">
-                <a14:hiddenLine xmlns:a14="http://schemas.microsoft.com/office/drawing/2010/main" xmlns="" w="9525">
+                <a14:hiddenLine xmlns="" xmlns:a14="http://schemas.microsoft.com/office/drawing/2010/main" w="9525">
                   <a:solidFill>
                     <a:srgbClr val="000000"/>
                   </a:solidFill>
@@ -1065,7 +1066,7 @@
             </a:ln>
             <a:extLst>
               <a:ext uri="{91240B29-F687-4f45-9708-019B960494DF}">
-                <a14:hiddenLine xmlns:a14="http://schemas.microsoft.com/office/drawing/2010/main" xmlns="" w="9525">
+                <a14:hiddenLine xmlns="" xmlns:a14="http://schemas.microsoft.com/office/drawing/2010/main" w="9525">
                   <a:solidFill>
                     <a:srgbClr val="000000"/>
                   </a:solidFill>
@@ -1127,7 +1128,7 @@
             </a:ln>
             <a:extLst>
               <a:ext uri="{91240B29-F687-4f45-9708-019B960494DF}">
-                <a14:hiddenLine xmlns:a14="http://schemas.microsoft.com/office/drawing/2010/main" xmlns="" w="9525">
+                <a14:hiddenLine xmlns="" xmlns:a14="http://schemas.microsoft.com/office/drawing/2010/main" w="9525">
                   <a:solidFill>
                     <a:srgbClr val="000000"/>
                   </a:solidFill>
@@ -1237,7 +1238,7 @@
             </a:ln>
             <a:extLst>
               <a:ext uri="{91240B29-F687-4f45-9708-019B960494DF}">
-                <a14:hiddenLine xmlns:a14="http://schemas.microsoft.com/office/drawing/2010/main" xmlns="" w="9525">
+                <a14:hiddenLine xmlns="" xmlns:a14="http://schemas.microsoft.com/office/drawing/2010/main" w="9525">
                   <a:solidFill>
                     <a:srgbClr val="000000"/>
                   </a:solidFill>
@@ -1299,7 +1300,7 @@
             </a:ln>
             <a:extLst>
               <a:ext uri="{91240B29-F687-4f45-9708-019B960494DF}">
-                <a14:hiddenLine xmlns:a14="http://schemas.microsoft.com/office/drawing/2010/main" xmlns="" w="9525">
+                <a14:hiddenLine xmlns="" xmlns:a14="http://schemas.microsoft.com/office/drawing/2010/main" w="9525">
                   <a:solidFill>
                     <a:srgbClr val="000000"/>
                   </a:solidFill>
@@ -1389,7 +1390,7 @@
             </a:ln>
             <a:extLst>
               <a:ext uri="{91240B29-F687-4f45-9708-019B960494DF}">
-                <a14:hiddenLine xmlns:a14="http://schemas.microsoft.com/office/drawing/2010/main" xmlns="" w="9525">
+                <a14:hiddenLine xmlns="" xmlns:a14="http://schemas.microsoft.com/office/drawing/2010/main" w="9525">
                   <a:solidFill>
                     <a:srgbClr val="000000"/>
                   </a:solidFill>
@@ -1479,7 +1480,7 @@
             </a:ln>
             <a:extLst>
               <a:ext uri="{91240B29-F687-4f45-9708-019B960494DF}">
-                <a14:hiddenLine xmlns:a14="http://schemas.microsoft.com/office/drawing/2010/main" xmlns="" w="9525">
+                <a14:hiddenLine xmlns="" xmlns:a14="http://schemas.microsoft.com/office/drawing/2010/main" w="9525">
                   <a:solidFill>
                     <a:srgbClr val="000000"/>
                   </a:solidFill>
@@ -1541,7 +1542,7 @@
             </a:ln>
             <a:extLst>
               <a:ext uri="{91240B29-F687-4f45-9708-019B960494DF}">
-                <a14:hiddenLine xmlns:a14="http://schemas.microsoft.com/office/drawing/2010/main" xmlns="" w="9525">
+                <a14:hiddenLine xmlns="" xmlns:a14="http://schemas.microsoft.com/office/drawing/2010/main" w="9525">
                   <a:solidFill>
                     <a:srgbClr val="000000"/>
                   </a:solidFill>
@@ -1631,7 +1632,7 @@
             </a:ln>
             <a:extLst>
               <a:ext uri="{91240B29-F687-4f45-9708-019B960494DF}">
-                <a14:hiddenLine xmlns:a14="http://schemas.microsoft.com/office/drawing/2010/main" xmlns="" w="9525">
+                <a14:hiddenLine xmlns="" xmlns:a14="http://schemas.microsoft.com/office/drawing/2010/main" w="9525">
                   <a:solidFill>
                     <a:srgbClr val="000000"/>
                   </a:solidFill>
@@ -1721,7 +1722,7 @@
             </a:ln>
             <a:extLst>
               <a:ext uri="{91240B29-F687-4f45-9708-019B960494DF}">
-                <a14:hiddenLine xmlns:a14="http://schemas.microsoft.com/office/drawing/2010/main" xmlns="" w="9525">
+                <a14:hiddenLine xmlns="" xmlns:a14="http://schemas.microsoft.com/office/drawing/2010/main" w="9525">
                   <a:solidFill>
                     <a:srgbClr val="000000"/>
                   </a:solidFill>
@@ -1777,7 +1778,7 @@
             </a:ln>
             <a:extLst>
               <a:ext uri="{91240B29-F687-4f45-9708-019B960494DF}">
-                <a14:hiddenLine xmlns:a14="http://schemas.microsoft.com/office/drawing/2010/main" xmlns="" w="9525">
+                <a14:hiddenLine xmlns="" xmlns:a14="http://schemas.microsoft.com/office/drawing/2010/main" w="9525">
                   <a:solidFill>
                     <a:srgbClr val="000000"/>
                   </a:solidFill>
@@ -1867,7 +1868,7 @@
             </a:ln>
             <a:extLst>
               <a:ext uri="{91240B29-F687-4f45-9708-019B960494DF}">
-                <a14:hiddenLine xmlns:a14="http://schemas.microsoft.com/office/drawing/2010/main" xmlns="" w="9525">
+                <a14:hiddenLine xmlns="" xmlns:a14="http://schemas.microsoft.com/office/drawing/2010/main" w="9525">
                   <a:solidFill>
                     <a:srgbClr val="000000"/>
                   </a:solidFill>
@@ -1923,7 +1924,7 @@
             </a:ln>
             <a:extLst>
               <a:ext uri="{91240B29-F687-4f45-9708-019B960494DF}">
-                <a14:hiddenLine xmlns:a14="http://schemas.microsoft.com/office/drawing/2010/main" xmlns="" w="9525">
+                <a14:hiddenLine xmlns="" xmlns:a14="http://schemas.microsoft.com/office/drawing/2010/main" w="9525">
                   <a:solidFill>
                     <a:srgbClr val="000000"/>
                   </a:solidFill>
@@ -2013,7 +2014,7 @@
             </a:ln>
             <a:extLst>
               <a:ext uri="{91240B29-F687-4f45-9708-019B960494DF}">
-                <a14:hiddenLine xmlns:a14="http://schemas.microsoft.com/office/drawing/2010/main" xmlns="" w="9525">
+                <a14:hiddenLine xmlns="" xmlns:a14="http://schemas.microsoft.com/office/drawing/2010/main" w="9525">
                   <a:solidFill>
                     <a:srgbClr val="000000"/>
                   </a:solidFill>
@@ -2081,7 +2082,7 @@
             </a:ln>
             <a:extLst>
               <a:ext uri="{91240B29-F687-4f45-9708-019B960494DF}">
-                <a14:hiddenLine xmlns:a14="http://schemas.microsoft.com/office/drawing/2010/main" xmlns="" w="9525">
+                <a14:hiddenLine xmlns="" xmlns:a14="http://schemas.microsoft.com/office/drawing/2010/main" w="9525">
                   <a:solidFill>
                     <a:srgbClr val="000000"/>
                   </a:solidFill>
@@ -2171,7 +2172,7 @@
             </a:ln>
             <a:extLst>
               <a:ext uri="{91240B29-F687-4f45-9708-019B960494DF}">
-                <a14:hiddenLine xmlns:a14="http://schemas.microsoft.com/office/drawing/2010/main" xmlns="" w="9525">
+                <a14:hiddenLine xmlns="" xmlns:a14="http://schemas.microsoft.com/office/drawing/2010/main" w="9525">
                   <a:solidFill>
                     <a:srgbClr val="000000"/>
                   </a:solidFill>
@@ -2239,7 +2240,7 @@
             </a:ln>
             <a:extLst>
               <a:ext uri="{91240B29-F687-4f45-9708-019B960494DF}">
-                <a14:hiddenLine xmlns:a14="http://schemas.microsoft.com/office/drawing/2010/main" xmlns="" w="9525">
+                <a14:hiddenLine xmlns="" xmlns:a14="http://schemas.microsoft.com/office/drawing/2010/main" w="9525">
                   <a:solidFill>
                     <a:srgbClr val="000000"/>
                   </a:solidFill>
@@ -2329,7 +2330,7 @@
             </a:ln>
             <a:extLst>
               <a:ext uri="{91240B29-F687-4f45-9708-019B960494DF}">
-                <a14:hiddenLine xmlns:a14="http://schemas.microsoft.com/office/drawing/2010/main" xmlns="" w="9525">
+                <a14:hiddenLine xmlns="" xmlns:a14="http://schemas.microsoft.com/office/drawing/2010/main" w="9525">
                   <a:solidFill>
                     <a:srgbClr val="000000"/>
                   </a:solidFill>
@@ -2363,7 +2364,7 @@
             </a:ln>
             <a:extLst>
               <a:ext uri="{91240B29-F687-4f45-9708-019B960494DF}">
-                <a14:hiddenLine xmlns:a14="http://schemas.microsoft.com/office/drawing/2010/main" xmlns="" w="9525">
+                <a14:hiddenLine xmlns="" xmlns:a14="http://schemas.microsoft.com/office/drawing/2010/main" w="9525">
                   <a:solidFill>
                     <a:srgbClr val="000000"/>
                   </a:solidFill>
@@ -2453,7 +2454,7 @@
             </a:ln>
             <a:extLst>
               <a:ext uri="{91240B29-F687-4f45-9708-019B960494DF}">
-                <a14:hiddenLine xmlns:a14="http://schemas.microsoft.com/office/drawing/2010/main" xmlns="" w="9525">
+                <a14:hiddenLine xmlns="" xmlns:a14="http://schemas.microsoft.com/office/drawing/2010/main" w="9525">
                   <a:solidFill>
                     <a:srgbClr val="000000"/>
                   </a:solidFill>
@@ -2515,7 +2516,7 @@
             </a:ln>
             <a:extLst>
               <a:ext uri="{91240B29-F687-4f45-9708-019B960494DF}">
-                <a14:hiddenLine xmlns:a14="http://schemas.microsoft.com/office/drawing/2010/main" xmlns="" w="9525">
+                <a14:hiddenLine xmlns="" xmlns:a14="http://schemas.microsoft.com/office/drawing/2010/main" w="9525">
                   <a:solidFill>
                     <a:srgbClr val="000000"/>
                   </a:solidFill>
@@ -2577,7 +2578,7 @@
             </a:ln>
             <a:extLst>
               <a:ext uri="{91240B29-F687-4f45-9708-019B960494DF}">
-                <a14:hiddenLine xmlns:a14="http://schemas.microsoft.com/office/drawing/2010/main" xmlns="" w="9525">
+                <a14:hiddenLine xmlns="" xmlns:a14="http://schemas.microsoft.com/office/drawing/2010/main" w="9525">
                   <a:solidFill>
                     <a:srgbClr val="000000"/>
                   </a:solidFill>
@@ -2667,7 +2668,7 @@
             </a:ln>
             <a:extLst>
               <a:ext uri="{91240B29-F687-4f45-9708-019B960494DF}">
-                <a14:hiddenLine xmlns:a14="http://schemas.microsoft.com/office/drawing/2010/main" xmlns="" w="9525">
+                <a14:hiddenLine xmlns="" xmlns:a14="http://schemas.microsoft.com/office/drawing/2010/main" w="9525">
                   <a:solidFill>
                     <a:srgbClr val="000000"/>
                   </a:solidFill>
@@ -2735,7 +2736,7 @@
             </a:ln>
             <a:extLst>
               <a:ext uri="{91240B29-F687-4f45-9708-019B960494DF}">
-                <a14:hiddenLine xmlns:a14="http://schemas.microsoft.com/office/drawing/2010/main" xmlns="" w="9525">
+                <a14:hiddenLine xmlns="" xmlns:a14="http://schemas.microsoft.com/office/drawing/2010/main" w="9525">
                   <a:solidFill>
                     <a:srgbClr val="000000"/>
                   </a:solidFill>
@@ -2797,7 +2798,7 @@
             </a:ln>
             <a:extLst>
               <a:ext uri="{91240B29-F687-4f45-9708-019B960494DF}">
-                <a14:hiddenLine xmlns:a14="http://schemas.microsoft.com/office/drawing/2010/main" xmlns="" w="9525">
+                <a14:hiddenLine xmlns="" xmlns:a14="http://schemas.microsoft.com/office/drawing/2010/main" w="9525">
                   <a:solidFill>
                     <a:srgbClr val="000000"/>
                   </a:solidFill>
@@ -2887,7 +2888,7 @@
             </a:ln>
             <a:extLst>
               <a:ext uri="{91240B29-F687-4f45-9708-019B960494DF}">
-                <a14:hiddenLine xmlns:a14="http://schemas.microsoft.com/office/drawing/2010/main" xmlns="" w="9525">
+                <a14:hiddenLine xmlns="" xmlns:a14="http://schemas.microsoft.com/office/drawing/2010/main" w="9525">
                   <a:solidFill>
                     <a:srgbClr val="000000"/>
                   </a:solidFill>
@@ -2949,7 +2950,7 @@
             </a:ln>
             <a:extLst>
               <a:ext uri="{91240B29-F687-4f45-9708-019B960494DF}">
-                <a14:hiddenLine xmlns:a14="http://schemas.microsoft.com/office/drawing/2010/main" xmlns="" w="9525">
+                <a14:hiddenLine xmlns="" xmlns:a14="http://schemas.microsoft.com/office/drawing/2010/main" w="9525">
                   <a:solidFill>
                     <a:srgbClr val="000000"/>
                   </a:solidFill>
@@ -3039,7 +3040,7 @@
             </a:ln>
             <a:extLst>
               <a:ext uri="{91240B29-F687-4f45-9708-019B960494DF}">
-                <a14:hiddenLine xmlns:a14="http://schemas.microsoft.com/office/drawing/2010/main" xmlns="" w="9525">
+                <a14:hiddenLine xmlns="" xmlns:a14="http://schemas.microsoft.com/office/drawing/2010/main" w="9525">
                   <a:solidFill>
                     <a:srgbClr val="000000"/>
                   </a:solidFill>
@@ -3101,7 +3102,7 @@
             </a:ln>
             <a:extLst>
               <a:ext uri="{91240B29-F687-4f45-9708-019B960494DF}">
-                <a14:hiddenLine xmlns:a14="http://schemas.microsoft.com/office/drawing/2010/main" xmlns="" w="9525">
+                <a14:hiddenLine xmlns="" xmlns:a14="http://schemas.microsoft.com/office/drawing/2010/main" w="9525">
                   <a:solidFill>
                     <a:srgbClr val="000000"/>
                   </a:solidFill>
@@ -3191,7 +3192,7 @@
             </a:ln>
             <a:extLst>
               <a:ext uri="{91240B29-F687-4f45-9708-019B960494DF}">
-                <a14:hiddenLine xmlns:a14="http://schemas.microsoft.com/office/drawing/2010/main" xmlns="" w="9525">
+                <a14:hiddenLine xmlns="" xmlns:a14="http://schemas.microsoft.com/office/drawing/2010/main" w="9525">
                   <a:solidFill>
                     <a:srgbClr val="000000"/>
                   </a:solidFill>
@@ -3225,7 +3226,7 @@
             </a:ln>
             <a:extLst>
               <a:ext uri="{91240B29-F687-4f45-9708-019B960494DF}">
-                <a14:hiddenLine xmlns:a14="http://schemas.microsoft.com/office/drawing/2010/main" xmlns="" w="9525">
+                <a14:hiddenLine xmlns="" xmlns:a14="http://schemas.microsoft.com/office/drawing/2010/main" w="9525">
                   <a:solidFill>
                     <a:srgbClr val="000000"/>
                   </a:solidFill>
@@ -3290,7 +3291,7 @@
             </a:ln>
             <a:extLst>
               <a:ext uri="{91240B29-F687-4f45-9708-019B960494DF}">
-                <a14:hiddenLine xmlns:a14="http://schemas.microsoft.com/office/drawing/2010/main" xmlns="" w="9525">
+                <a14:hiddenLine xmlns="" xmlns:a14="http://schemas.microsoft.com/office/drawing/2010/main" w="9525">
                   <a:solidFill>
                     <a:srgbClr val="000000"/>
                   </a:solidFill>
@@ -3380,7 +3381,7 @@
             </a:ln>
             <a:extLst>
               <a:ext uri="{91240B29-F687-4f45-9708-019B960494DF}">
-                <a14:hiddenLine xmlns:a14="http://schemas.microsoft.com/office/drawing/2010/main" xmlns="" w="9525">
+                <a14:hiddenLine xmlns="" xmlns:a14="http://schemas.microsoft.com/office/drawing/2010/main" w="9525">
                   <a:solidFill>
                     <a:srgbClr val="000000"/>
                   </a:solidFill>
@@ -3442,7 +3443,7 @@
             </a:ln>
             <a:extLst>
               <a:ext uri="{91240B29-F687-4f45-9708-019B960494DF}">
-                <a14:hiddenLine xmlns:a14="http://schemas.microsoft.com/office/drawing/2010/main" xmlns="" w="9525">
+                <a14:hiddenLine xmlns="" xmlns:a14="http://schemas.microsoft.com/office/drawing/2010/main" w="9525">
                   <a:solidFill>
                     <a:srgbClr val="000000"/>
                   </a:solidFill>
@@ -3532,7 +3533,7 @@
             </a:ln>
             <a:extLst>
               <a:ext uri="{91240B29-F687-4f45-9708-019B960494DF}">
-                <a14:hiddenLine xmlns:a14="http://schemas.microsoft.com/office/drawing/2010/main" xmlns="" w="9525">
+                <a14:hiddenLine xmlns="" xmlns:a14="http://schemas.microsoft.com/office/drawing/2010/main" w="9525">
                   <a:solidFill>
                     <a:srgbClr val="000000"/>
                   </a:solidFill>
@@ -3622,7 +3623,7 @@
             </a:ln>
             <a:extLst>
               <a:ext uri="{91240B29-F687-4f45-9708-019B960494DF}">
-                <a14:hiddenLine xmlns:a14="http://schemas.microsoft.com/office/drawing/2010/main" xmlns="" w="9525">
+                <a14:hiddenLine xmlns="" xmlns:a14="http://schemas.microsoft.com/office/drawing/2010/main" w="9525">
                   <a:solidFill>
                     <a:srgbClr val="000000"/>
                   </a:solidFill>
@@ -3687,7 +3688,7 @@
             </a:ln>
             <a:extLst>
               <a:ext uri="{91240B29-F687-4f45-9708-019B960494DF}">
-                <a14:hiddenLine xmlns:a14="http://schemas.microsoft.com/office/drawing/2010/main" xmlns="" w="9525">
+                <a14:hiddenLine xmlns="" xmlns:a14="http://schemas.microsoft.com/office/drawing/2010/main" w="9525">
                   <a:solidFill>
                     <a:srgbClr val="000000"/>
                   </a:solidFill>
@@ -3749,7 +3750,7 @@
             </a:ln>
             <a:extLst>
               <a:ext uri="{91240B29-F687-4f45-9708-019B960494DF}">
-                <a14:hiddenLine xmlns:a14="http://schemas.microsoft.com/office/drawing/2010/main" xmlns="" w="9525">
+                <a14:hiddenLine xmlns="" xmlns:a14="http://schemas.microsoft.com/office/drawing/2010/main" w="9525">
                   <a:solidFill>
                     <a:srgbClr val="000000"/>
                   </a:solidFill>
@@ -3839,7 +3840,7 @@
             </a:ln>
             <a:extLst>
               <a:ext uri="{91240B29-F687-4f45-9708-019B960494DF}">
-                <a14:hiddenLine xmlns:a14="http://schemas.microsoft.com/office/drawing/2010/main" xmlns="" w="9525">
+                <a14:hiddenLine xmlns="" xmlns:a14="http://schemas.microsoft.com/office/drawing/2010/main" w="9525">
                   <a:solidFill>
                     <a:srgbClr val="000000"/>
                   </a:solidFill>
@@ -3929,7 +3930,7 @@
             </a:ln>
             <a:extLst>
               <a:ext uri="{91240B29-F687-4f45-9708-019B960494DF}">
-                <a14:hiddenLine xmlns:a14="http://schemas.microsoft.com/office/drawing/2010/main" xmlns="" w="9525">
+                <a14:hiddenLine xmlns="" xmlns:a14="http://schemas.microsoft.com/office/drawing/2010/main" w="9525">
                   <a:solidFill>
                     <a:srgbClr val="000000"/>
                   </a:solidFill>
@@ -3991,7 +3992,7 @@
             </a:ln>
             <a:extLst>
               <a:ext uri="{91240B29-F687-4f45-9708-019B960494DF}">
-                <a14:hiddenLine xmlns:a14="http://schemas.microsoft.com/office/drawing/2010/main" xmlns="" w="9525">
+                <a14:hiddenLine xmlns="" xmlns:a14="http://schemas.microsoft.com/office/drawing/2010/main" w="9525">
                   <a:solidFill>
                     <a:srgbClr val="000000"/>
                   </a:solidFill>
@@ -4111,7 +4112,7 @@
             </a:ln>
             <a:extLst>
               <a:ext uri="{91240B29-F687-4f45-9708-019B960494DF}">
-                <a14:hiddenLine xmlns:a14="http://schemas.microsoft.com/office/drawing/2010/main" xmlns="" w="9525">
+                <a14:hiddenLine xmlns="" xmlns:a14="http://schemas.microsoft.com/office/drawing/2010/main" w="9525">
                   <a:solidFill>
                     <a:srgbClr val="000000"/>
                   </a:solidFill>
@@ -4179,7 +4180,7 @@
             </a:ln>
             <a:extLst>
               <a:ext uri="{91240B29-F687-4f45-9708-019B960494DF}">
-                <a14:hiddenLine xmlns:a14="http://schemas.microsoft.com/office/drawing/2010/main" xmlns="" w="9525">
+                <a14:hiddenLine xmlns="" xmlns:a14="http://schemas.microsoft.com/office/drawing/2010/main" w="9525">
                   <a:solidFill>
                     <a:srgbClr val="000000"/>
                   </a:solidFill>
@@ -4269,7 +4270,7 @@
             </a:ln>
             <a:extLst>
               <a:ext uri="{91240B29-F687-4f45-9708-019B960494DF}">
-                <a14:hiddenLine xmlns:a14="http://schemas.microsoft.com/office/drawing/2010/main" xmlns="" w="9525">
+                <a14:hiddenLine xmlns="" xmlns:a14="http://schemas.microsoft.com/office/drawing/2010/main" w="9525">
                   <a:solidFill>
                     <a:srgbClr val="000000"/>
                   </a:solidFill>
@@ -4409,7 +4410,7 @@
           <a:p>
             <a:fld id="{367C922C-BE67-41A2-B295-B77D3DE255F6}" type="datetimeFigureOut">
               <a:rPr lang="en-US" smtClean="0"/>
-              <a:t>20-Jul-17</a:t>
+              <a:t>7/22/2017</a:t>
             </a:fld>
             <a:endParaRPr lang="en-US"/>
           </a:p>
@@ -4676,7 +4677,7 @@
           <a:p>
             <a:fld id="{367C922C-BE67-41A2-B295-B77D3DE255F6}" type="datetimeFigureOut">
               <a:rPr lang="en-US" smtClean="0"/>
-              <a:t>20-Jul-17</a:t>
+              <a:t>7/22/2017</a:t>
             </a:fld>
             <a:endParaRPr lang="en-US"/>
           </a:p>
@@ -4872,7 +4873,7 @@
           <a:p>
             <a:fld id="{367C922C-BE67-41A2-B295-B77D3DE255F6}" type="datetimeFigureOut">
               <a:rPr lang="en-US" smtClean="0"/>
-              <a:t>20-Jul-17</a:t>
+              <a:t>7/22/2017</a:t>
             </a:fld>
             <a:endParaRPr lang="en-US"/>
           </a:p>
@@ -5135,7 +5136,7 @@
           <a:p>
             <a:fld id="{367C922C-BE67-41A2-B295-B77D3DE255F6}" type="datetimeFigureOut">
               <a:rPr lang="en-US" smtClean="0"/>
-              <a:t>20-Jul-17</a:t>
+              <a:t>7/22/2017</a:t>
             </a:fld>
             <a:endParaRPr lang="en-US"/>
           </a:p>
@@ -5569,7 +5570,7 @@
           <a:p>
             <a:fld id="{367C922C-BE67-41A2-B295-B77D3DE255F6}" type="datetimeFigureOut">
               <a:rPr lang="en-US" smtClean="0"/>
-              <a:t>20-Jul-17</a:t>
+              <a:t>7/22/2017</a:t>
             </a:fld>
             <a:endParaRPr lang="en-US"/>
           </a:p>
@@ -6115,7 +6116,7 @@
           <a:p>
             <a:fld id="{367C922C-BE67-41A2-B295-B77D3DE255F6}" type="datetimeFigureOut">
               <a:rPr lang="en-US" smtClean="0"/>
-              <a:t>20-Jul-17</a:t>
+              <a:t>7/22/2017</a:t>
             </a:fld>
             <a:endParaRPr lang="en-US"/>
           </a:p>
@@ -6835,7 +6836,7 @@
           <a:p>
             <a:fld id="{367C922C-BE67-41A2-B295-B77D3DE255F6}" type="datetimeFigureOut">
               <a:rPr lang="en-US" smtClean="0"/>
-              <a:t>20-Jul-17</a:t>
+              <a:t>7/22/2017</a:t>
             </a:fld>
             <a:endParaRPr lang="en-US"/>
           </a:p>
@@ -7005,7 +7006,7 @@
           <a:p>
             <a:fld id="{367C922C-BE67-41A2-B295-B77D3DE255F6}" type="datetimeFigureOut">
               <a:rPr lang="en-US" smtClean="0"/>
-              <a:t>20-Jul-17</a:t>
+              <a:t>7/22/2017</a:t>
             </a:fld>
             <a:endParaRPr lang="en-US"/>
           </a:p>
@@ -7185,7 +7186,7 @@
           <a:p>
             <a:fld id="{367C922C-BE67-41A2-B295-B77D3DE255F6}" type="datetimeFigureOut">
               <a:rPr lang="en-US" smtClean="0"/>
-              <a:t>20-Jul-17</a:t>
+              <a:t>7/22/2017</a:t>
             </a:fld>
             <a:endParaRPr lang="en-US"/>
           </a:p>
@@ -7355,7 +7356,7 @@
           <a:p>
             <a:fld id="{367C922C-BE67-41A2-B295-B77D3DE255F6}" type="datetimeFigureOut">
               <a:rPr lang="en-US" smtClean="0"/>
-              <a:t>20-Jul-17</a:t>
+              <a:t>7/22/2017</a:t>
             </a:fld>
             <a:endParaRPr lang="en-US"/>
           </a:p>
@@ -7605,7 +7606,7 @@
           <a:p>
             <a:fld id="{367C922C-BE67-41A2-B295-B77D3DE255F6}" type="datetimeFigureOut">
               <a:rPr lang="en-US" smtClean="0"/>
-              <a:t>20-Jul-17</a:t>
+              <a:t>7/22/2017</a:t>
             </a:fld>
             <a:endParaRPr lang="en-US"/>
           </a:p>
@@ -7837,7 +7838,7 @@
           <a:p>
             <a:fld id="{367C922C-BE67-41A2-B295-B77D3DE255F6}" type="datetimeFigureOut">
               <a:rPr lang="en-US" smtClean="0"/>
-              <a:t>20-Jul-17</a:t>
+              <a:t>7/22/2017</a:t>
             </a:fld>
             <a:endParaRPr lang="en-US"/>
           </a:p>
@@ -8223,7 +8224,7 @@
           <a:p>
             <a:fld id="{367C922C-BE67-41A2-B295-B77D3DE255F6}" type="datetimeFigureOut">
               <a:rPr lang="en-US" smtClean="0"/>
-              <a:t>20-Jul-17</a:t>
+              <a:t>7/22/2017</a:t>
             </a:fld>
             <a:endParaRPr lang="en-US"/>
           </a:p>
@@ -8346,7 +8347,7 @@
           <a:p>
             <a:fld id="{367C922C-BE67-41A2-B295-B77D3DE255F6}" type="datetimeFigureOut">
               <a:rPr lang="en-US" smtClean="0"/>
-              <a:t>20-Jul-17</a:t>
+              <a:t>7/22/2017</a:t>
             </a:fld>
             <a:endParaRPr lang="en-US"/>
           </a:p>
@@ -8441,7 +8442,7 @@
           <a:p>
             <a:fld id="{367C922C-BE67-41A2-B295-B77D3DE255F6}" type="datetimeFigureOut">
               <a:rPr lang="en-US" smtClean="0"/>
-              <a:t>20-Jul-17</a:t>
+              <a:t>7/22/2017</a:t>
             </a:fld>
             <a:endParaRPr lang="en-US"/>
           </a:p>
@@ -8690,7 +8691,7 @@
           <a:p>
             <a:fld id="{367C922C-BE67-41A2-B295-B77D3DE255F6}" type="datetimeFigureOut">
               <a:rPr lang="en-US" smtClean="0"/>
-              <a:t>20-Jul-17</a:t>
+              <a:t>7/22/2017</a:t>
             </a:fld>
             <a:endParaRPr lang="en-US"/>
           </a:p>
@@ -8975,7 +8976,7 @@
           <a:p>
             <a:fld id="{367C922C-BE67-41A2-B295-B77D3DE255F6}" type="datetimeFigureOut">
               <a:rPr lang="en-US" smtClean="0"/>
-              <a:t>20-Jul-17</a:t>
+              <a:t>7/22/2017</a:t>
             </a:fld>
             <a:endParaRPr lang="en-US"/>
           </a:p>
@@ -9091,7 +9092,7 @@
           <a:noFill/>
           <a:extLst>
             <a:ext uri="{909E8E84-426E-40dd-AFC4-6F175D3DCCD1}">
-              <a14:hiddenFill xmlns:a14="http://schemas.microsoft.com/office/drawing/2010/main" xmlns="">
+              <a14:hiddenFill xmlns="" xmlns:a14="http://schemas.microsoft.com/office/drawing/2010/main">
                 <a:solidFill>
                   <a:srgbClr val="FFFFFF"/>
                 </a:solidFill>
@@ -9165,7 +9166,7 @@
               </a:ln>
               <a:extLst>
                 <a:ext uri="{91240B29-F687-4f45-9708-019B960494DF}">
-                  <a14:hiddenLine xmlns:a14="http://schemas.microsoft.com/office/drawing/2010/main" xmlns="" w="9525">
+                  <a14:hiddenLine xmlns="" xmlns:a14="http://schemas.microsoft.com/office/drawing/2010/main" w="9525">
                     <a:solidFill>
                       <a:srgbClr val="000000"/>
                     </a:solidFill>
@@ -9255,7 +9256,7 @@
               </a:ln>
               <a:extLst>
                 <a:ext uri="{91240B29-F687-4f45-9708-019B960494DF}">
-                  <a14:hiddenLine xmlns:a14="http://schemas.microsoft.com/office/drawing/2010/main" xmlns="" w="9525">
+                  <a14:hiddenLine xmlns="" xmlns:a14="http://schemas.microsoft.com/office/drawing/2010/main" w="9525">
                     <a:solidFill>
                       <a:srgbClr val="000000"/>
                     </a:solidFill>
@@ -9345,7 +9346,7 @@
               </a:ln>
               <a:extLst>
                 <a:ext uri="{91240B29-F687-4f45-9708-019B960494DF}">
-                  <a14:hiddenLine xmlns:a14="http://schemas.microsoft.com/office/drawing/2010/main" xmlns="" w="9525">
+                  <a14:hiddenLine xmlns="" xmlns:a14="http://schemas.microsoft.com/office/drawing/2010/main" w="9525">
                     <a:solidFill>
                       <a:srgbClr val="000000"/>
                     </a:solidFill>
@@ -9407,7 +9408,7 @@
               </a:ln>
               <a:extLst>
                 <a:ext uri="{91240B29-F687-4f45-9708-019B960494DF}">
-                  <a14:hiddenLine xmlns:a14="http://schemas.microsoft.com/office/drawing/2010/main" xmlns="" w="9525">
+                  <a14:hiddenLine xmlns="" xmlns:a14="http://schemas.microsoft.com/office/drawing/2010/main" w="9525">
                     <a:solidFill>
                       <a:srgbClr val="000000"/>
                     </a:solidFill>
@@ -9497,7 +9498,7 @@
               </a:ln>
               <a:extLst>
                 <a:ext uri="{91240B29-F687-4f45-9708-019B960494DF}">
-                  <a14:hiddenLine xmlns:a14="http://schemas.microsoft.com/office/drawing/2010/main" xmlns="" w="9525">
+                  <a14:hiddenLine xmlns="" xmlns:a14="http://schemas.microsoft.com/office/drawing/2010/main" w="9525">
                     <a:solidFill>
                       <a:srgbClr val="000000"/>
                     </a:solidFill>
@@ -9559,7 +9560,7 @@
               </a:ln>
               <a:extLst>
                 <a:ext uri="{91240B29-F687-4f45-9708-019B960494DF}">
-                  <a14:hiddenLine xmlns:a14="http://schemas.microsoft.com/office/drawing/2010/main" xmlns="" w="9525">
+                  <a14:hiddenLine xmlns="" xmlns:a14="http://schemas.microsoft.com/office/drawing/2010/main" w="9525">
                     <a:solidFill>
                       <a:srgbClr val="000000"/>
                     </a:solidFill>
@@ -9621,7 +9622,7 @@
               </a:ln>
               <a:extLst>
                 <a:ext uri="{91240B29-F687-4f45-9708-019B960494DF}">
-                  <a14:hiddenLine xmlns:a14="http://schemas.microsoft.com/office/drawing/2010/main" xmlns="" w="9525">
+                  <a14:hiddenLine xmlns="" xmlns:a14="http://schemas.microsoft.com/office/drawing/2010/main" w="9525">
                     <a:solidFill>
                       <a:srgbClr val="000000"/>
                     </a:solidFill>
@@ -9711,7 +9712,7 @@
               </a:ln>
               <a:extLst>
                 <a:ext uri="{91240B29-F687-4f45-9708-019B960494DF}">
-                  <a14:hiddenLine xmlns:a14="http://schemas.microsoft.com/office/drawing/2010/main" xmlns="" w="9525">
+                  <a14:hiddenLine xmlns="" xmlns:a14="http://schemas.microsoft.com/office/drawing/2010/main" w="9525">
                     <a:solidFill>
                       <a:srgbClr val="000000"/>
                     </a:solidFill>
@@ -9801,7 +9802,7 @@
               </a:ln>
               <a:extLst>
                 <a:ext uri="{91240B29-F687-4f45-9708-019B960494DF}">
-                  <a14:hiddenLine xmlns:a14="http://schemas.microsoft.com/office/drawing/2010/main" xmlns="" w="9525">
+                  <a14:hiddenLine xmlns="" xmlns:a14="http://schemas.microsoft.com/office/drawing/2010/main" w="9525">
                     <a:solidFill>
                       <a:srgbClr val="000000"/>
                     </a:solidFill>
@@ -9863,7 +9864,7 @@
               </a:ln>
               <a:extLst>
                 <a:ext uri="{91240B29-F687-4f45-9708-019B960494DF}">
-                  <a14:hiddenLine xmlns:a14="http://schemas.microsoft.com/office/drawing/2010/main" xmlns="" w="9525">
+                  <a14:hiddenLine xmlns="" xmlns:a14="http://schemas.microsoft.com/office/drawing/2010/main" w="9525">
                     <a:solidFill>
                       <a:srgbClr val="000000"/>
                     </a:solidFill>
@@ -9973,7 +9974,7 @@
               </a:ln>
               <a:extLst>
                 <a:ext uri="{91240B29-F687-4f45-9708-019B960494DF}">
-                  <a14:hiddenLine xmlns:a14="http://schemas.microsoft.com/office/drawing/2010/main" xmlns="" w="9525">
+                  <a14:hiddenLine xmlns="" xmlns:a14="http://schemas.microsoft.com/office/drawing/2010/main" w="9525">
                     <a:solidFill>
                       <a:srgbClr val="000000"/>
                     </a:solidFill>
@@ -10057,7 +10058,7 @@
               </a:ln>
               <a:extLst>
                 <a:ext uri="{91240B29-F687-4f45-9708-019B960494DF}">
-                  <a14:hiddenLine xmlns:a14="http://schemas.microsoft.com/office/drawing/2010/main" xmlns="" w="9525">
+                  <a14:hiddenLine xmlns="" xmlns:a14="http://schemas.microsoft.com/office/drawing/2010/main" w="9525">
                     <a:solidFill>
                       <a:srgbClr val="000000"/>
                     </a:solidFill>
@@ -10119,7 +10120,7 @@
               </a:ln>
               <a:extLst>
                 <a:ext uri="{91240B29-F687-4f45-9708-019B960494DF}">
-                  <a14:hiddenLine xmlns:a14="http://schemas.microsoft.com/office/drawing/2010/main" xmlns="" w="9525">
+                  <a14:hiddenLine xmlns="" xmlns:a14="http://schemas.microsoft.com/office/drawing/2010/main" w="9525">
                     <a:solidFill>
                       <a:srgbClr val="000000"/>
                     </a:solidFill>
@@ -10181,7 +10182,7 @@
               </a:ln>
               <a:extLst>
                 <a:ext uri="{91240B29-F687-4f45-9708-019B960494DF}">
-                  <a14:hiddenLine xmlns:a14="http://schemas.microsoft.com/office/drawing/2010/main" xmlns="" w="9525">
+                  <a14:hiddenLine xmlns="" xmlns:a14="http://schemas.microsoft.com/office/drawing/2010/main" w="9525">
                     <a:solidFill>
                       <a:srgbClr val="000000"/>
                     </a:solidFill>
@@ -10271,7 +10272,7 @@
               </a:ln>
               <a:extLst>
                 <a:ext uri="{91240B29-F687-4f45-9708-019B960494DF}">
-                  <a14:hiddenLine xmlns:a14="http://schemas.microsoft.com/office/drawing/2010/main" xmlns="" w="9525">
+                  <a14:hiddenLine xmlns="" xmlns:a14="http://schemas.microsoft.com/office/drawing/2010/main" w="9525">
                     <a:solidFill>
                       <a:srgbClr val="000000"/>
                     </a:solidFill>
@@ -10305,7 +10306,7 @@
               </a:ln>
               <a:extLst>
                 <a:ext uri="{91240B29-F687-4f45-9708-019B960494DF}">
-                  <a14:hiddenLine xmlns:a14="http://schemas.microsoft.com/office/drawing/2010/main" xmlns="" w="9525">
+                  <a14:hiddenLine xmlns="" xmlns:a14="http://schemas.microsoft.com/office/drawing/2010/main" w="9525">
                     <a:solidFill>
                       <a:srgbClr val="000000"/>
                     </a:solidFill>
@@ -10370,7 +10371,7 @@
               </a:ln>
               <a:extLst>
                 <a:ext uri="{91240B29-F687-4f45-9708-019B960494DF}">
-                  <a14:hiddenLine xmlns:a14="http://schemas.microsoft.com/office/drawing/2010/main" xmlns="" w="9525">
+                  <a14:hiddenLine xmlns="" xmlns:a14="http://schemas.microsoft.com/office/drawing/2010/main" w="9525">
                     <a:solidFill>
                       <a:srgbClr val="000000"/>
                     </a:solidFill>
@@ -10460,7 +10461,7 @@
               </a:ln>
               <a:extLst>
                 <a:ext uri="{91240B29-F687-4f45-9708-019B960494DF}">
-                  <a14:hiddenLine xmlns:a14="http://schemas.microsoft.com/office/drawing/2010/main" xmlns="" w="9525">
+                  <a14:hiddenLine xmlns="" xmlns:a14="http://schemas.microsoft.com/office/drawing/2010/main" w="9525">
                     <a:solidFill>
                       <a:srgbClr val="000000"/>
                     </a:solidFill>
@@ -10522,7 +10523,7 @@
               </a:ln>
               <a:extLst>
                 <a:ext uri="{91240B29-F687-4f45-9708-019B960494DF}">
-                  <a14:hiddenLine xmlns:a14="http://schemas.microsoft.com/office/drawing/2010/main" xmlns="" w="9525">
+                  <a14:hiddenLine xmlns="" xmlns:a14="http://schemas.microsoft.com/office/drawing/2010/main" w="9525">
                     <a:solidFill>
                       <a:srgbClr val="000000"/>
                     </a:solidFill>
@@ -10612,7 +10613,7 @@
               </a:ln>
               <a:extLst>
                 <a:ext uri="{91240B29-F687-4f45-9708-019B960494DF}">
-                  <a14:hiddenLine xmlns:a14="http://schemas.microsoft.com/office/drawing/2010/main" xmlns="" w="9525">
+                  <a14:hiddenLine xmlns="" xmlns:a14="http://schemas.microsoft.com/office/drawing/2010/main" w="9525">
                     <a:solidFill>
                       <a:srgbClr val="000000"/>
                     </a:solidFill>
@@ -10677,7 +10678,7 @@
               </a:ln>
               <a:extLst>
                 <a:ext uri="{91240B29-F687-4f45-9708-019B960494DF}">
-                  <a14:hiddenLine xmlns:a14="http://schemas.microsoft.com/office/drawing/2010/main" xmlns="" w="9525">
+                  <a14:hiddenLine xmlns="" xmlns:a14="http://schemas.microsoft.com/office/drawing/2010/main" w="9525">
                     <a:solidFill>
                       <a:srgbClr val="000000"/>
                     </a:solidFill>
@@ -10739,7 +10740,7 @@
               </a:ln>
               <a:extLst>
                 <a:ext uri="{91240B29-F687-4f45-9708-019B960494DF}">
-                  <a14:hiddenLine xmlns:a14="http://schemas.microsoft.com/office/drawing/2010/main" xmlns="" w="9525">
+                  <a14:hiddenLine xmlns="" xmlns:a14="http://schemas.microsoft.com/office/drawing/2010/main" w="9525">
                     <a:solidFill>
                       <a:srgbClr val="000000"/>
                     </a:solidFill>
@@ -10829,7 +10830,7 @@
               </a:ln>
               <a:extLst>
                 <a:ext uri="{91240B29-F687-4f45-9708-019B960494DF}">
-                  <a14:hiddenLine xmlns:a14="http://schemas.microsoft.com/office/drawing/2010/main" xmlns="" w="9525">
+                  <a14:hiddenLine xmlns="" xmlns:a14="http://schemas.microsoft.com/office/drawing/2010/main" w="9525">
                     <a:solidFill>
                       <a:srgbClr val="000000"/>
                     </a:solidFill>
@@ -10919,7 +10920,7 @@
               </a:ln>
               <a:extLst>
                 <a:ext uri="{91240B29-F687-4f45-9708-019B960494DF}">
-                  <a14:hiddenLine xmlns:a14="http://schemas.microsoft.com/office/drawing/2010/main" xmlns="" w="9525">
+                  <a14:hiddenLine xmlns="" xmlns:a14="http://schemas.microsoft.com/office/drawing/2010/main" w="9525">
                     <a:solidFill>
                       <a:srgbClr val="000000"/>
                     </a:solidFill>
@@ -10984,7 +10985,7 @@
               </a:ln>
               <a:extLst>
                 <a:ext uri="{91240B29-F687-4f45-9708-019B960494DF}">
-                  <a14:hiddenLine xmlns:a14="http://schemas.microsoft.com/office/drawing/2010/main" xmlns="" w="9525">
+                  <a14:hiddenLine xmlns="" xmlns:a14="http://schemas.microsoft.com/office/drawing/2010/main" w="9525">
                     <a:solidFill>
                       <a:srgbClr val="000000"/>
                     </a:solidFill>
@@ -11104,7 +11105,7 @@
               </a:ln>
               <a:extLst>
                 <a:ext uri="{91240B29-F687-4f45-9708-019B960494DF}">
-                  <a14:hiddenLine xmlns:a14="http://schemas.microsoft.com/office/drawing/2010/main" xmlns="" w="9525">
+                  <a14:hiddenLine xmlns="" xmlns:a14="http://schemas.microsoft.com/office/drawing/2010/main" w="9525">
                     <a:solidFill>
                       <a:srgbClr val="000000"/>
                     </a:solidFill>
@@ -11202,7 +11203,7 @@
               </a:ln>
               <a:extLst>
                 <a:ext uri="{91240B29-F687-4f45-9708-019B960494DF}">
-                  <a14:hiddenLine xmlns:a14="http://schemas.microsoft.com/office/drawing/2010/main" xmlns="" w="9525">
+                  <a14:hiddenLine xmlns="" xmlns:a14="http://schemas.microsoft.com/office/drawing/2010/main" w="9525">
                     <a:solidFill>
                       <a:srgbClr val="000000"/>
                     </a:solidFill>
@@ -11317,7 +11318,7 @@
               </a:ln>
               <a:extLst>
                 <a:ext uri="{91240B29-F687-4f45-9708-019B960494DF}">
-                  <a14:hiddenLine xmlns:a14="http://schemas.microsoft.com/office/drawing/2010/main" xmlns="" w="9525">
+                  <a14:hiddenLine xmlns="" xmlns:a14="http://schemas.microsoft.com/office/drawing/2010/main" w="9525">
                     <a:solidFill>
                       <a:srgbClr val="000000"/>
                     </a:solidFill>
@@ -11407,7 +11408,7 @@
               </a:ln>
               <a:extLst>
                 <a:ext uri="{91240B29-F687-4f45-9708-019B960494DF}">
-                  <a14:hiddenLine xmlns:a14="http://schemas.microsoft.com/office/drawing/2010/main" xmlns="" w="9525">
+                  <a14:hiddenLine xmlns="" xmlns:a14="http://schemas.microsoft.com/office/drawing/2010/main" w="9525">
                     <a:solidFill>
                       <a:srgbClr val="000000"/>
                     </a:solidFill>
@@ -11472,7 +11473,7 @@
               </a:ln>
               <a:extLst>
                 <a:ext uri="{91240B29-F687-4f45-9708-019B960494DF}">
-                  <a14:hiddenLine xmlns:a14="http://schemas.microsoft.com/office/drawing/2010/main" xmlns="" w="9525">
+                  <a14:hiddenLine xmlns="" xmlns:a14="http://schemas.microsoft.com/office/drawing/2010/main" w="9525">
                     <a:solidFill>
                       <a:srgbClr val="000000"/>
                     </a:solidFill>
@@ -11562,7 +11563,7 @@
               </a:ln>
               <a:extLst>
                 <a:ext uri="{91240B29-F687-4f45-9708-019B960494DF}">
-                  <a14:hiddenLine xmlns:a14="http://schemas.microsoft.com/office/drawing/2010/main" xmlns="" w="9525">
+                  <a14:hiddenLine xmlns="" xmlns:a14="http://schemas.microsoft.com/office/drawing/2010/main" w="9525">
                     <a:solidFill>
                       <a:srgbClr val="000000"/>
                     </a:solidFill>
@@ -11630,7 +11631,7 @@
               </a:ln>
               <a:extLst>
                 <a:ext uri="{91240B29-F687-4f45-9708-019B960494DF}">
-                  <a14:hiddenLine xmlns:a14="http://schemas.microsoft.com/office/drawing/2010/main" xmlns="" w="9525">
+                  <a14:hiddenLine xmlns="" xmlns:a14="http://schemas.microsoft.com/office/drawing/2010/main" w="9525">
                     <a:solidFill>
                       <a:srgbClr val="000000"/>
                     </a:solidFill>
@@ -11720,7 +11721,7 @@
               </a:ln>
               <a:extLst>
                 <a:ext uri="{91240B29-F687-4f45-9708-019B960494DF}">
-                  <a14:hiddenLine xmlns:a14="http://schemas.microsoft.com/office/drawing/2010/main" xmlns="" w="9525">
+                  <a14:hiddenLine xmlns="" xmlns:a14="http://schemas.microsoft.com/office/drawing/2010/main" w="9525">
                     <a:solidFill>
                       <a:srgbClr val="000000"/>
                     </a:solidFill>
@@ -11788,7 +11789,7 @@
               </a:ln>
               <a:extLst>
                 <a:ext uri="{91240B29-F687-4f45-9708-019B960494DF}">
-                  <a14:hiddenLine xmlns:a14="http://schemas.microsoft.com/office/drawing/2010/main" xmlns="" w="9525">
+                  <a14:hiddenLine xmlns="" xmlns:a14="http://schemas.microsoft.com/office/drawing/2010/main" w="9525">
                     <a:solidFill>
                       <a:srgbClr val="000000"/>
                     </a:solidFill>
@@ -11878,7 +11879,7 @@
               </a:ln>
               <a:extLst>
                 <a:ext uri="{91240B29-F687-4f45-9708-019B960494DF}">
-                  <a14:hiddenLine xmlns:a14="http://schemas.microsoft.com/office/drawing/2010/main" xmlns="" w="9525">
+                  <a14:hiddenLine xmlns="" xmlns:a14="http://schemas.microsoft.com/office/drawing/2010/main" w="9525">
                     <a:solidFill>
                       <a:srgbClr val="000000"/>
                     </a:solidFill>
@@ -11912,7 +11913,7 @@
               </a:ln>
               <a:extLst>
                 <a:ext uri="{91240B29-F687-4f45-9708-019B960494DF}">
-                  <a14:hiddenLine xmlns:a14="http://schemas.microsoft.com/office/drawing/2010/main" xmlns="" w="9525">
+                  <a14:hiddenLine xmlns="" xmlns:a14="http://schemas.microsoft.com/office/drawing/2010/main" w="9525">
                     <a:solidFill>
                       <a:srgbClr val="000000"/>
                     </a:solidFill>
@@ -12052,7 +12053,7 @@
           <a:p>
             <a:fld id="{367C922C-BE67-41A2-B295-B77D3DE255F6}" type="datetimeFigureOut">
               <a:rPr lang="en-US" smtClean="0"/>
-              <a:t>20-Jul-17</a:t>
+              <a:t>7/22/2017</a:t>
             </a:fld>
             <a:endParaRPr lang="en-US"/>
           </a:p>
@@ -13618,6 +13619,548 @@
 </p:sld>
 </file>
 
+<file path=ppt/slides/slide7.xml><?xml version="1.0" encoding="utf-8"?>
+<p:sld xmlns:a="http://schemas.openxmlformats.org/drawingml/2006/main" xmlns:r="http://schemas.openxmlformats.org/officeDocument/2006/relationships" xmlns:p="http://schemas.openxmlformats.org/presentationml/2006/main">
+  <p:cSld>
+    <p:spTree>
+      <p:nvGrpSpPr>
+        <p:cNvPr id="1" name=""/>
+        <p:cNvGrpSpPr/>
+        <p:nvPr/>
+      </p:nvGrpSpPr>
+      <p:grpSpPr>
+        <a:xfrm>
+          <a:off x="0" y="0"/>
+          <a:ext cx="0" cy="0"/>
+          <a:chOff x="0" y="0"/>
+          <a:chExt cx="0" cy="0"/>
+        </a:xfrm>
+      </p:grpSpPr>
+      <p:sp>
+        <p:nvSpPr>
+          <p:cNvPr id="17" name="Cylinder 16">
+            <a:extLst>
+              <a:ext uri="{FF2B5EF4-FFF2-40B4-BE49-F238E27FC236}">
+                <a16:creationId xmlns:a16="http://schemas.microsoft.com/office/drawing/2014/main" id="{8A23CE43-7595-47C2-AE58-0F2DC0624A63}"/>
+              </a:ext>
+            </a:extLst>
+          </p:cNvPr>
+          <p:cNvSpPr/>
+          <p:nvPr/>
+        </p:nvSpPr>
+        <p:spPr>
+          <a:xfrm>
+            <a:off x="8734568" y="120727"/>
+            <a:ext cx="1201003" cy="1654575"/>
+          </a:xfrm>
+          <a:prstGeom prst="can">
+            <a:avLst/>
+          </a:prstGeom>
+        </p:spPr>
+        <p:style>
+          <a:lnRef idx="2">
+            <a:schemeClr val="accent1">
+              <a:shade val="50000"/>
+            </a:schemeClr>
+          </a:lnRef>
+          <a:fillRef idx="1">
+            <a:schemeClr val="accent1"/>
+          </a:fillRef>
+          <a:effectRef idx="0">
+            <a:schemeClr val="accent1"/>
+          </a:effectRef>
+          <a:fontRef idx="minor">
+            <a:schemeClr val="lt1"/>
+          </a:fontRef>
+        </p:style>
+        <p:txBody>
+          <a:bodyPr rtlCol="0" anchor="ctr"/>
+          <a:lstStyle/>
+          <a:p>
+            <a:pPr algn="ctr"/>
+            <a:r>
+              <a:rPr lang="en-US" sz="4400" b="1" dirty="0">
+                <a:solidFill>
+                  <a:schemeClr val="bg2">
+                    <a:lumMod val="75000"/>
+                  </a:schemeClr>
+                </a:solidFill>
+                <a:latin typeface="Arial" panose="020B0604020202020204" pitchFamily="34" charset="0"/>
+                <a:cs typeface="Arial" panose="020B0604020202020204" pitchFamily="34" charset="0"/>
+              </a:rPr>
+              <a:t>DB</a:t>
+            </a:r>
+          </a:p>
+        </p:txBody>
+      </p:sp>
+      <p:sp>
+        <p:nvSpPr>
+          <p:cNvPr id="18" name="Rectangle: Rounded Corners 17">
+            <a:extLst>
+              <a:ext uri="{FF2B5EF4-FFF2-40B4-BE49-F238E27FC236}">
+                <a16:creationId xmlns:a16="http://schemas.microsoft.com/office/drawing/2014/main" id="{E01D59C1-C80E-4DF4-A21F-4F62F7C59D0A}"/>
+              </a:ext>
+            </a:extLst>
+          </p:cNvPr>
+          <p:cNvSpPr/>
+          <p:nvPr/>
+        </p:nvSpPr>
+        <p:spPr>
+          <a:xfrm>
+            <a:off x="3129366" y="264871"/>
+            <a:ext cx="2483893" cy="1078173"/>
+          </a:xfrm>
+          <a:prstGeom prst="roundRect">
+            <a:avLst/>
+          </a:prstGeom>
+          <a:solidFill>
+            <a:schemeClr val="bg2">
+              <a:lumMod val="75000"/>
+            </a:schemeClr>
+          </a:solidFill>
+        </p:spPr>
+        <p:style>
+          <a:lnRef idx="2">
+            <a:schemeClr val="accent1">
+              <a:shade val="50000"/>
+            </a:schemeClr>
+          </a:lnRef>
+          <a:fillRef idx="1">
+            <a:schemeClr val="accent1"/>
+          </a:fillRef>
+          <a:effectRef idx="0">
+            <a:schemeClr val="accent1"/>
+          </a:effectRef>
+          <a:fontRef idx="minor">
+            <a:schemeClr val="lt1"/>
+          </a:fontRef>
+        </p:style>
+        <p:txBody>
+          <a:bodyPr rtlCol="0" anchor="ctr"/>
+          <a:lstStyle/>
+          <a:p>
+            <a:pPr algn="ctr"/>
+            <a:r>
+              <a:rPr lang="en-US" sz="2400" b="1" dirty="0"/>
+              <a:t>MODEL</a:t>
+            </a:r>
+          </a:p>
+        </p:txBody>
+      </p:sp>
+      <p:sp>
+        <p:nvSpPr>
+          <p:cNvPr id="19" name="Rectangle: Rounded Corners 18">
+            <a:extLst>
+              <a:ext uri="{FF2B5EF4-FFF2-40B4-BE49-F238E27FC236}">
+                <a16:creationId xmlns:a16="http://schemas.microsoft.com/office/drawing/2014/main" id="{858C50A9-5793-4412-AE02-6FC05E774E83}"/>
+              </a:ext>
+            </a:extLst>
+          </p:cNvPr>
+          <p:cNvSpPr/>
+          <p:nvPr/>
+        </p:nvSpPr>
+        <p:spPr>
+          <a:xfrm>
+            <a:off x="914400" y="3220871"/>
+            <a:ext cx="2265529" cy="1146412"/>
+          </a:xfrm>
+          <a:prstGeom prst="roundRect">
+            <a:avLst/>
+          </a:prstGeom>
+          <a:solidFill>
+            <a:schemeClr val="bg2">
+              <a:lumMod val="75000"/>
+            </a:schemeClr>
+          </a:solidFill>
+        </p:spPr>
+        <p:style>
+          <a:lnRef idx="2">
+            <a:schemeClr val="accent1">
+              <a:shade val="50000"/>
+            </a:schemeClr>
+          </a:lnRef>
+          <a:fillRef idx="1">
+            <a:schemeClr val="accent1"/>
+          </a:fillRef>
+          <a:effectRef idx="0">
+            <a:schemeClr val="accent1"/>
+          </a:effectRef>
+          <a:fontRef idx="minor">
+            <a:schemeClr val="lt1"/>
+          </a:fontRef>
+        </p:style>
+        <p:txBody>
+          <a:bodyPr rtlCol="0" anchor="ctr"/>
+          <a:lstStyle/>
+          <a:p>
+            <a:pPr algn="ctr"/>
+            <a:r>
+              <a:rPr lang="en-US" sz="2400" b="1" dirty="0"/>
+              <a:t>VIEW</a:t>
+            </a:r>
+          </a:p>
+        </p:txBody>
+      </p:sp>
+      <p:sp>
+        <p:nvSpPr>
+          <p:cNvPr id="20" name="Rectangle: Rounded Corners 19">
+            <a:extLst>
+              <a:ext uri="{FF2B5EF4-FFF2-40B4-BE49-F238E27FC236}">
+                <a16:creationId xmlns:a16="http://schemas.microsoft.com/office/drawing/2014/main" id="{18B8D5A9-DFF8-4785-9E0E-11E889B62443}"/>
+              </a:ext>
+            </a:extLst>
+          </p:cNvPr>
+          <p:cNvSpPr/>
+          <p:nvPr/>
+        </p:nvSpPr>
+        <p:spPr>
+          <a:xfrm>
+            <a:off x="5541247" y="2396650"/>
+            <a:ext cx="2187416" cy="1132765"/>
+          </a:xfrm>
+          <a:prstGeom prst="roundRect">
+            <a:avLst/>
+          </a:prstGeom>
+          <a:solidFill>
+            <a:schemeClr val="bg2">
+              <a:lumMod val="75000"/>
+            </a:schemeClr>
+          </a:solidFill>
+        </p:spPr>
+        <p:style>
+          <a:lnRef idx="2">
+            <a:schemeClr val="accent1">
+              <a:shade val="50000"/>
+            </a:schemeClr>
+          </a:lnRef>
+          <a:fillRef idx="1">
+            <a:schemeClr val="accent1"/>
+          </a:fillRef>
+          <a:effectRef idx="0">
+            <a:schemeClr val="accent1"/>
+          </a:effectRef>
+          <a:fontRef idx="minor">
+            <a:schemeClr val="lt1"/>
+          </a:fontRef>
+        </p:style>
+        <p:txBody>
+          <a:bodyPr rtlCol="0" anchor="ctr"/>
+          <a:lstStyle/>
+          <a:p>
+            <a:pPr algn="ctr"/>
+            <a:r>
+              <a:rPr lang="en-US" sz="2400" b="1" dirty="0"/>
+              <a:t>CONTROLLER</a:t>
+            </a:r>
+            <a:r>
+              <a:rPr lang="en-US" dirty="0"/>
+              <a:t> </a:t>
+            </a:r>
+          </a:p>
+        </p:txBody>
+      </p:sp>
+      <p:sp>
+        <p:nvSpPr>
+          <p:cNvPr id="25" name="Oval 24">
+            <a:extLst>
+              <a:ext uri="{FF2B5EF4-FFF2-40B4-BE49-F238E27FC236}">
+                <a16:creationId xmlns:a16="http://schemas.microsoft.com/office/drawing/2014/main" id="{134DF64E-5717-446A-9EE8-E73964052FA5}"/>
+              </a:ext>
+            </a:extLst>
+          </p:cNvPr>
+          <p:cNvSpPr/>
+          <p:nvPr/>
+        </p:nvSpPr>
+        <p:spPr>
+          <a:xfrm>
+            <a:off x="4258103" y="5279119"/>
+            <a:ext cx="1945014" cy="1012873"/>
+          </a:xfrm>
+          <a:prstGeom prst="ellipse">
+            <a:avLst/>
+          </a:prstGeom>
+          <a:solidFill>
+            <a:schemeClr val="bg1">
+              <a:lumMod val="95000"/>
+              <a:lumOff val="5000"/>
+            </a:schemeClr>
+          </a:solidFill>
+        </p:spPr>
+        <p:style>
+          <a:lnRef idx="2">
+            <a:schemeClr val="accent1">
+              <a:shade val="50000"/>
+            </a:schemeClr>
+          </a:lnRef>
+          <a:fillRef idx="1">
+            <a:schemeClr val="accent1"/>
+          </a:fillRef>
+          <a:effectRef idx="0">
+            <a:schemeClr val="accent1"/>
+          </a:effectRef>
+          <a:fontRef idx="minor">
+            <a:schemeClr val="lt1"/>
+          </a:fontRef>
+        </p:style>
+        <p:txBody>
+          <a:bodyPr rtlCol="0" anchor="ctr"/>
+          <a:lstStyle/>
+          <a:p>
+            <a:pPr algn="ctr"/>
+            <a:r>
+              <a:rPr lang="en-US" sz="2800" b="1" dirty="0"/>
+              <a:t>USER</a:t>
+            </a:r>
+          </a:p>
+        </p:txBody>
+      </p:sp>
+      <p:cxnSp>
+        <p:nvCxnSpPr>
+          <p:cNvPr id="26" name="Straight Arrow Connector 25">
+            <a:extLst>
+              <a:ext uri="{FF2B5EF4-FFF2-40B4-BE49-F238E27FC236}">
+                <a16:creationId xmlns:a16="http://schemas.microsoft.com/office/drawing/2014/main" id="{0AEBA6AA-B475-4C93-927A-2695ADFF9B52}"/>
+              </a:ext>
+            </a:extLst>
+          </p:cNvPr>
+          <p:cNvCxnSpPr>
+            <a:cxnSpLocks/>
+          </p:cNvCxnSpPr>
+          <p:nvPr/>
+        </p:nvCxnSpPr>
+        <p:spPr>
+          <a:xfrm flipH="1">
+            <a:off x="5837502" y="684078"/>
+            <a:ext cx="2173735" cy="0"/>
+          </a:xfrm>
+          <a:prstGeom prst="straightConnector1">
+            <a:avLst/>
+          </a:prstGeom>
+          <a:ln w="38100">
+            <a:solidFill>
+              <a:srgbClr val="FFFF00"/>
+            </a:solidFill>
+            <a:tailEnd type="triangle"/>
+          </a:ln>
+        </p:spPr>
+        <p:style>
+          <a:lnRef idx="1">
+            <a:schemeClr val="accent1"/>
+          </a:lnRef>
+          <a:fillRef idx="0">
+            <a:schemeClr val="accent1"/>
+          </a:fillRef>
+          <a:effectRef idx="0">
+            <a:schemeClr val="accent1"/>
+          </a:effectRef>
+          <a:fontRef idx="minor">
+            <a:schemeClr val="tx1"/>
+          </a:fontRef>
+        </p:style>
+      </p:cxnSp>
+      <p:cxnSp>
+        <p:nvCxnSpPr>
+          <p:cNvPr id="27" name="Straight Arrow Connector 26">
+            <a:extLst>
+              <a:ext uri="{FF2B5EF4-FFF2-40B4-BE49-F238E27FC236}">
+                <a16:creationId xmlns:a16="http://schemas.microsoft.com/office/drawing/2014/main" id="{786BA037-A20E-4FC8-9536-C5559BF27893}"/>
+              </a:ext>
+            </a:extLst>
+          </p:cNvPr>
+          <p:cNvCxnSpPr>
+            <a:cxnSpLocks/>
+          </p:cNvCxnSpPr>
+          <p:nvPr/>
+        </p:nvCxnSpPr>
+        <p:spPr>
+          <a:xfrm flipH="1">
+            <a:off x="3339929" y="3604709"/>
+            <a:ext cx="2760620" cy="233251"/>
+          </a:xfrm>
+          <a:prstGeom prst="straightConnector1">
+            <a:avLst/>
+          </a:prstGeom>
+          <a:ln w="38100">
+            <a:solidFill>
+              <a:srgbClr val="FFFF00"/>
+            </a:solidFill>
+            <a:tailEnd type="triangle"/>
+          </a:ln>
+        </p:spPr>
+        <p:style>
+          <a:lnRef idx="1">
+            <a:schemeClr val="accent1"/>
+          </a:lnRef>
+          <a:fillRef idx="0">
+            <a:schemeClr val="accent1"/>
+          </a:fillRef>
+          <a:effectRef idx="0">
+            <a:schemeClr val="accent1"/>
+          </a:effectRef>
+          <a:fontRef idx="minor">
+            <a:schemeClr val="tx1"/>
+          </a:fontRef>
+        </p:style>
+      </p:cxnSp>
+      <p:cxnSp>
+        <p:nvCxnSpPr>
+          <p:cNvPr id="35" name="Straight Arrow Connector 34">
+            <a:extLst>
+              <a:ext uri="{FF2B5EF4-FFF2-40B4-BE49-F238E27FC236}">
+                <a16:creationId xmlns:a16="http://schemas.microsoft.com/office/drawing/2014/main" id="{1D6B8BD9-B840-4604-A025-B61D6EE3463E}"/>
+              </a:ext>
+            </a:extLst>
+          </p:cNvPr>
+          <p:cNvCxnSpPr>
+            <a:cxnSpLocks/>
+          </p:cNvCxnSpPr>
+          <p:nvPr/>
+        </p:nvCxnSpPr>
+        <p:spPr>
+          <a:xfrm>
+            <a:off x="4421874" y="1502198"/>
+            <a:ext cx="2074460" cy="819158"/>
+          </a:xfrm>
+          <a:prstGeom prst="straightConnector1">
+            <a:avLst/>
+          </a:prstGeom>
+          <a:ln w="38100">
+            <a:solidFill>
+              <a:srgbClr val="FFFF00"/>
+            </a:solidFill>
+            <a:tailEnd type="triangle"/>
+          </a:ln>
+        </p:spPr>
+        <p:style>
+          <a:lnRef idx="1">
+            <a:schemeClr val="accent1"/>
+          </a:lnRef>
+          <a:fillRef idx="0">
+            <a:schemeClr val="accent1"/>
+          </a:fillRef>
+          <a:effectRef idx="0">
+            <a:schemeClr val="accent1"/>
+          </a:effectRef>
+          <a:fontRef idx="minor">
+            <a:schemeClr val="tx1"/>
+          </a:fontRef>
+        </p:style>
+      </p:cxnSp>
+      <p:sp>
+        <p:nvSpPr>
+          <p:cNvPr id="42" name="Double Wave 41">
+            <a:extLst>
+              <a:ext uri="{FF2B5EF4-FFF2-40B4-BE49-F238E27FC236}">
+                <a16:creationId xmlns:a16="http://schemas.microsoft.com/office/drawing/2014/main" id="{96CF0FE5-9346-441D-B5DE-A8B7F50136B0}"/>
+              </a:ext>
+            </a:extLst>
+          </p:cNvPr>
+          <p:cNvSpPr/>
+          <p:nvPr/>
+        </p:nvSpPr>
+        <p:spPr>
+          <a:xfrm>
+            <a:off x="9171296" y="3392318"/>
+            <a:ext cx="1323833" cy="658032"/>
+          </a:xfrm>
+          <a:prstGeom prst="doubleWave">
+            <a:avLst/>
+          </a:prstGeom>
+          <a:solidFill>
+            <a:schemeClr val="tx1"/>
+          </a:solidFill>
+        </p:spPr>
+        <p:style>
+          <a:lnRef idx="2">
+            <a:schemeClr val="accent1">
+              <a:shade val="50000"/>
+            </a:schemeClr>
+          </a:lnRef>
+          <a:fillRef idx="1">
+            <a:schemeClr val="accent1"/>
+          </a:fillRef>
+          <a:effectRef idx="0">
+            <a:schemeClr val="accent1"/>
+          </a:effectRef>
+          <a:fontRef idx="minor">
+            <a:schemeClr val="lt1"/>
+          </a:fontRef>
+        </p:style>
+        <p:txBody>
+          <a:bodyPr rtlCol="0" anchor="ctr"/>
+          <a:lstStyle/>
+          <a:p>
+            <a:pPr algn="ctr"/>
+            <a:r>
+              <a:rPr lang="en-US" sz="2800" b="1" dirty="0">
+                <a:solidFill>
+                  <a:schemeClr val="bg1"/>
+                </a:solidFill>
+                <a:latin typeface="Arial" panose="020B0604020202020204" pitchFamily="34" charset="0"/>
+                <a:cs typeface="Arial" panose="020B0604020202020204" pitchFamily="34" charset="0"/>
+              </a:rPr>
+              <a:t>Data</a:t>
+            </a:r>
+          </a:p>
+        </p:txBody>
+      </p:sp>
+      <p:cxnSp>
+        <p:nvCxnSpPr>
+          <p:cNvPr id="43" name="Straight Arrow Connector 42">
+            <a:extLst>
+              <a:ext uri="{FF2B5EF4-FFF2-40B4-BE49-F238E27FC236}">
+                <a16:creationId xmlns:a16="http://schemas.microsoft.com/office/drawing/2014/main" id="{7ECA86DF-75D6-44BD-81B4-7F14053C8EF7}"/>
+              </a:ext>
+            </a:extLst>
+          </p:cNvPr>
+          <p:cNvCxnSpPr>
+            <a:cxnSpLocks/>
+          </p:cNvCxnSpPr>
+          <p:nvPr/>
+        </p:nvCxnSpPr>
+        <p:spPr>
+          <a:xfrm>
+            <a:off x="2112608" y="4502665"/>
+            <a:ext cx="2033516" cy="1282890"/>
+          </a:xfrm>
+          <a:prstGeom prst="straightConnector1">
+            <a:avLst/>
+          </a:prstGeom>
+          <a:ln w="38100">
+            <a:solidFill>
+              <a:srgbClr val="FFFF00"/>
+            </a:solidFill>
+            <a:tailEnd type="triangle"/>
+          </a:ln>
+        </p:spPr>
+        <p:style>
+          <a:lnRef idx="1">
+            <a:schemeClr val="accent1"/>
+          </a:lnRef>
+          <a:fillRef idx="0">
+            <a:schemeClr val="accent1"/>
+          </a:fillRef>
+          <a:effectRef idx="0">
+            <a:schemeClr val="accent1"/>
+          </a:effectRef>
+          <a:fontRef idx="minor">
+            <a:schemeClr val="tx1"/>
+          </a:fontRef>
+        </p:style>
+      </p:cxnSp>
+    </p:spTree>
+    <p:extLst>
+      <p:ext uri="{BB962C8B-B14F-4D97-AF65-F5344CB8AC3E}">
+        <p14:creationId xmlns:p14="http://schemas.microsoft.com/office/powerpoint/2010/main" val="1043817237"/>
+      </p:ext>
+    </p:extLst>
+  </p:cSld>
+  <p:clrMapOvr>
+    <a:masterClrMapping/>
+  </p:clrMapOvr>
+</p:sld>
+</file>
+
 <file path=ppt/theme/theme1.xml><?xml version="1.0" encoding="utf-8"?>
 <a:theme xmlns:a="http://schemas.openxmlformats.org/drawingml/2006/main" name="Circuit">
   <a:themeElements>

--- a/MVC_video.pptx
+++ b/MVC_video.pptx
@@ -8,10 +8,9 @@
     <p:sldId id="261" r:id="rId2"/>
     <p:sldId id="256" r:id="rId3"/>
     <p:sldId id="258" r:id="rId4"/>
-    <p:sldId id="259" r:id="rId5"/>
-    <p:sldId id="260" r:id="rId6"/>
-    <p:sldId id="257" r:id="rId7"/>
-    <p:sldId id="262" r:id="rId8"/>
+    <p:sldId id="263" r:id="rId5"/>
+    <p:sldId id="257" r:id="rId6"/>
+    <p:sldId id="262" r:id="rId7"/>
   </p:sldIdLst>
   <p:sldSz cx="12192000" cy="6858000"/>
   <p:notesSz cx="6858000" cy="9144000"/>
@@ -4410,7 +4409,7 @@
           <a:p>
             <a:fld id="{367C922C-BE67-41A2-B295-B77D3DE255F6}" type="datetimeFigureOut">
               <a:rPr lang="en-US" smtClean="0"/>
-              <a:t>7/22/2017</a:t>
+              <a:t>7/23/2017</a:t>
             </a:fld>
             <a:endParaRPr lang="en-US"/>
           </a:p>
@@ -4677,7 +4676,7 @@
           <a:p>
             <a:fld id="{367C922C-BE67-41A2-B295-B77D3DE255F6}" type="datetimeFigureOut">
               <a:rPr lang="en-US" smtClean="0"/>
-              <a:t>7/22/2017</a:t>
+              <a:t>7/23/2017</a:t>
             </a:fld>
             <a:endParaRPr lang="en-US"/>
           </a:p>
@@ -4873,7 +4872,7 @@
           <a:p>
             <a:fld id="{367C922C-BE67-41A2-B295-B77D3DE255F6}" type="datetimeFigureOut">
               <a:rPr lang="en-US" smtClean="0"/>
-              <a:t>7/22/2017</a:t>
+              <a:t>7/23/2017</a:t>
             </a:fld>
             <a:endParaRPr lang="en-US"/>
           </a:p>
@@ -5136,7 +5135,7 @@
           <a:p>
             <a:fld id="{367C922C-BE67-41A2-B295-B77D3DE255F6}" type="datetimeFigureOut">
               <a:rPr lang="en-US" smtClean="0"/>
-              <a:t>7/22/2017</a:t>
+              <a:t>7/23/2017</a:t>
             </a:fld>
             <a:endParaRPr lang="en-US"/>
           </a:p>
@@ -5570,7 +5569,7 @@
           <a:p>
             <a:fld id="{367C922C-BE67-41A2-B295-B77D3DE255F6}" type="datetimeFigureOut">
               <a:rPr lang="en-US" smtClean="0"/>
-              <a:t>7/22/2017</a:t>
+              <a:t>7/23/2017</a:t>
             </a:fld>
             <a:endParaRPr lang="en-US"/>
           </a:p>
@@ -6116,7 +6115,7 @@
           <a:p>
             <a:fld id="{367C922C-BE67-41A2-B295-B77D3DE255F6}" type="datetimeFigureOut">
               <a:rPr lang="en-US" smtClean="0"/>
-              <a:t>7/22/2017</a:t>
+              <a:t>7/23/2017</a:t>
             </a:fld>
             <a:endParaRPr lang="en-US"/>
           </a:p>
@@ -6836,7 +6835,7 @@
           <a:p>
             <a:fld id="{367C922C-BE67-41A2-B295-B77D3DE255F6}" type="datetimeFigureOut">
               <a:rPr lang="en-US" smtClean="0"/>
-              <a:t>7/22/2017</a:t>
+              <a:t>7/23/2017</a:t>
             </a:fld>
             <a:endParaRPr lang="en-US"/>
           </a:p>
@@ -7006,7 +7005,7 @@
           <a:p>
             <a:fld id="{367C922C-BE67-41A2-B295-B77D3DE255F6}" type="datetimeFigureOut">
               <a:rPr lang="en-US" smtClean="0"/>
-              <a:t>7/22/2017</a:t>
+              <a:t>7/23/2017</a:t>
             </a:fld>
             <a:endParaRPr lang="en-US"/>
           </a:p>
@@ -7186,7 +7185,7 @@
           <a:p>
             <a:fld id="{367C922C-BE67-41A2-B295-B77D3DE255F6}" type="datetimeFigureOut">
               <a:rPr lang="en-US" smtClean="0"/>
-              <a:t>7/22/2017</a:t>
+              <a:t>7/23/2017</a:t>
             </a:fld>
             <a:endParaRPr lang="en-US"/>
           </a:p>
@@ -7356,7 +7355,7 @@
           <a:p>
             <a:fld id="{367C922C-BE67-41A2-B295-B77D3DE255F6}" type="datetimeFigureOut">
               <a:rPr lang="en-US" smtClean="0"/>
-              <a:t>7/22/2017</a:t>
+              <a:t>7/23/2017</a:t>
             </a:fld>
             <a:endParaRPr lang="en-US"/>
           </a:p>
@@ -7606,7 +7605,7 @@
           <a:p>
             <a:fld id="{367C922C-BE67-41A2-B295-B77D3DE255F6}" type="datetimeFigureOut">
               <a:rPr lang="en-US" smtClean="0"/>
-              <a:t>7/22/2017</a:t>
+              <a:t>7/23/2017</a:t>
             </a:fld>
             <a:endParaRPr lang="en-US"/>
           </a:p>
@@ -7838,7 +7837,7 @@
           <a:p>
             <a:fld id="{367C922C-BE67-41A2-B295-B77D3DE255F6}" type="datetimeFigureOut">
               <a:rPr lang="en-US" smtClean="0"/>
-              <a:t>7/22/2017</a:t>
+              <a:t>7/23/2017</a:t>
             </a:fld>
             <a:endParaRPr lang="en-US"/>
           </a:p>
@@ -8224,7 +8223,7 @@
           <a:p>
             <a:fld id="{367C922C-BE67-41A2-B295-B77D3DE255F6}" type="datetimeFigureOut">
               <a:rPr lang="en-US" smtClean="0"/>
-              <a:t>7/22/2017</a:t>
+              <a:t>7/23/2017</a:t>
             </a:fld>
             <a:endParaRPr lang="en-US"/>
           </a:p>
@@ -8347,7 +8346,7 @@
           <a:p>
             <a:fld id="{367C922C-BE67-41A2-B295-B77D3DE255F6}" type="datetimeFigureOut">
               <a:rPr lang="en-US" smtClean="0"/>
-              <a:t>7/22/2017</a:t>
+              <a:t>7/23/2017</a:t>
             </a:fld>
             <a:endParaRPr lang="en-US"/>
           </a:p>
@@ -8442,7 +8441,7 @@
           <a:p>
             <a:fld id="{367C922C-BE67-41A2-B295-B77D3DE255F6}" type="datetimeFigureOut">
               <a:rPr lang="en-US" smtClean="0"/>
-              <a:t>7/22/2017</a:t>
+              <a:t>7/23/2017</a:t>
             </a:fld>
             <a:endParaRPr lang="en-US"/>
           </a:p>
@@ -8691,7 +8690,7 @@
           <a:p>
             <a:fld id="{367C922C-BE67-41A2-B295-B77D3DE255F6}" type="datetimeFigureOut">
               <a:rPr lang="en-US" smtClean="0"/>
-              <a:t>7/22/2017</a:t>
+              <a:t>7/23/2017</a:t>
             </a:fld>
             <a:endParaRPr lang="en-US"/>
           </a:p>
@@ -8976,7 +8975,7 @@
           <a:p>
             <a:fld id="{367C922C-BE67-41A2-B295-B77D3DE255F6}" type="datetimeFigureOut">
               <a:rPr lang="en-US" smtClean="0"/>
-              <a:t>7/22/2017</a:t>
+              <a:t>7/23/2017</a:t>
             </a:fld>
             <a:endParaRPr lang="en-US"/>
           </a:p>
@@ -12053,7 +12052,7 @@
           <a:p>
             <a:fld id="{367C922C-BE67-41A2-B295-B77D3DE255F6}" type="datetimeFigureOut">
               <a:rPr lang="en-US" smtClean="0"/>
-              <a:t>7/22/2017</a:t>
+              <a:t>7/23/2017</a:t>
             </a:fld>
             <a:endParaRPr lang="en-US"/>
           </a:p>
@@ -12496,7 +12495,7 @@
         </p:nvSpPr>
         <p:spPr>
           <a:xfrm>
-            <a:off x="2632588" y="2405115"/>
+            <a:off x="1477556" y="2565536"/>
             <a:ext cx="9905998" cy="1478570"/>
           </a:xfrm>
         </p:spPr>
@@ -12508,7 +12507,7 @@
           <a:p>
             <a:r>
               <a:rPr lang="en-US" sz="6600" dirty="0"/>
-              <a:t>MVC WITH Laravel</a:t>
+              <a:t>Model-View-controller</a:t>
             </a:r>
           </a:p>
         </p:txBody>
@@ -12673,8 +12672,8 @@
         </p:nvSpPr>
         <p:spPr>
           <a:xfrm>
-            <a:off x="3841529" y="1431335"/>
-            <a:ext cx="4408226" cy="707886"/>
+            <a:off x="3748761" y="306654"/>
+            <a:ext cx="4408226" cy="523220"/>
           </a:xfrm>
           <a:prstGeom prst="rect">
             <a:avLst/>
@@ -12688,7 +12687,7 @@
           <a:lstStyle/>
           <a:p>
             <a:r>
-              <a:rPr lang="en-US" sz="4000" b="1" dirty="0">
+              <a:rPr lang="en-US" sz="2800" b="1" dirty="0">
                 <a:solidFill>
                   <a:srgbClr val="002060"/>
                 </a:solidFill>
@@ -12714,8 +12713,8 @@
         </p:nvSpPr>
         <p:spPr>
           <a:xfrm>
-            <a:off x="496461" y="2400297"/>
-            <a:ext cx="11098361" cy="2246769"/>
+            <a:off x="1033670" y="942273"/>
+            <a:ext cx="10362729" cy="646331"/>
           </a:xfrm>
           <a:prstGeom prst="rect">
             <a:avLst/>
@@ -12734,11 +12733,207 @@
           <a:lstStyle/>
           <a:p>
             <a:r>
-              <a:rPr lang="en-US" sz="2800" b="1" dirty="0">
+              <a:rPr lang="en-US" b="1" dirty="0">
                 <a:latin typeface="Arial" panose="020B0604020202020204" pitchFamily="34" charset="0"/>
                 <a:cs typeface="Arial" panose="020B0604020202020204" pitchFamily="34" charset="0"/>
               </a:rPr>
-              <a:t>The model is the central component of the pattern; which represents the underlying, logical structure of data in a software application and the high-level class associated with it. This object model does not contain any information about the user interface.</a:t>
+              <a:t>The model is the central component of the pattern; which represents the underlying, logical structure of data in a software application and the high-level class associated with it.</a:t>
+            </a:r>
+          </a:p>
+        </p:txBody>
+      </p:sp>
+      <p:sp>
+        <p:nvSpPr>
+          <p:cNvPr id="4" name="TextBox 3">
+            <a:extLst>
+              <a:ext uri="{FF2B5EF4-FFF2-40B4-BE49-F238E27FC236}">
+                <a16:creationId xmlns:a16="http://schemas.microsoft.com/office/drawing/2014/main" id="{93C0629A-31A2-4371-BAC4-CAC559C7148D}"/>
+              </a:ext>
+            </a:extLst>
+          </p:cNvPr>
+          <p:cNvSpPr txBox="1"/>
+          <p:nvPr/>
+        </p:nvSpPr>
+        <p:spPr>
+          <a:xfrm>
+            <a:off x="3665591" y="2102471"/>
+            <a:ext cx="5214937" cy="523220"/>
+          </a:xfrm>
+          <a:prstGeom prst="rect">
+            <a:avLst/>
+          </a:prstGeom>
+          <a:noFill/>
+        </p:spPr>
+        <p:txBody>
+          <a:bodyPr wrap="square" rtlCol="0">
+            <a:spAutoFit/>
+          </a:bodyPr>
+          <a:lstStyle/>
+          <a:p>
+            <a:r>
+              <a:rPr lang="en-US" sz="2800" b="1" dirty="0">
+                <a:solidFill>
+                  <a:srgbClr val="002060"/>
+                </a:solidFill>
+                <a:latin typeface="Arial" panose="020B0604020202020204" pitchFamily="34" charset="0"/>
+                <a:cs typeface="Arial" panose="020B0604020202020204" pitchFamily="34" charset="0"/>
+              </a:rPr>
+              <a:t>What is View ?</a:t>
+            </a:r>
+          </a:p>
+        </p:txBody>
+      </p:sp>
+      <p:sp>
+        <p:nvSpPr>
+          <p:cNvPr id="8" name="TextBox 7">
+            <a:extLst>
+              <a:ext uri="{FF2B5EF4-FFF2-40B4-BE49-F238E27FC236}">
+                <a16:creationId xmlns:a16="http://schemas.microsoft.com/office/drawing/2014/main" id="{D0468802-2C0B-4F3C-8994-75C98D3BC406}"/>
+              </a:ext>
+            </a:extLst>
+          </p:cNvPr>
+          <p:cNvSpPr txBox="1"/>
+          <p:nvPr/>
+        </p:nvSpPr>
+        <p:spPr>
+          <a:xfrm>
+            <a:off x="1033670" y="2766388"/>
+            <a:ext cx="10362729" cy="646331"/>
+          </a:xfrm>
+          <a:prstGeom prst="rect">
+            <a:avLst/>
+          </a:prstGeom>
+          <a:solidFill>
+            <a:schemeClr val="accent5">
+              <a:lumMod val="50000"/>
+              <a:alpha val="50000"/>
+            </a:schemeClr>
+          </a:solidFill>
+        </p:spPr>
+        <p:txBody>
+          <a:bodyPr wrap="square" rtlCol="0">
+            <a:spAutoFit/>
+          </a:bodyPr>
+          <a:lstStyle/>
+          <a:p>
+            <a:r>
+              <a:rPr lang="en-US" b="1" dirty="0">
+                <a:latin typeface="Arial" panose="020B0604020202020204" pitchFamily="34" charset="0"/>
+                <a:cs typeface="Arial" panose="020B0604020202020204" pitchFamily="34" charset="0"/>
+              </a:rPr>
+              <a:t>A </a:t>
+            </a:r>
+            <a:r>
+              <a:rPr lang="en-US" b="1" i="1" dirty="0">
+                <a:latin typeface="Arial" panose="020B0604020202020204" pitchFamily="34" charset="0"/>
+                <a:cs typeface="Arial" panose="020B0604020202020204" pitchFamily="34" charset="0"/>
+              </a:rPr>
+              <a:t>view</a:t>
+            </a:r>
+            <a:r>
+              <a:rPr lang="en-US" b="1" dirty="0">
+                <a:latin typeface="Arial" panose="020B0604020202020204" pitchFamily="34" charset="0"/>
+                <a:cs typeface="Arial" panose="020B0604020202020204" pitchFamily="34" charset="0"/>
+              </a:rPr>
+              <a:t> can be any output representation of information. Multiple views of the same information are possible.</a:t>
+            </a:r>
+          </a:p>
+        </p:txBody>
+      </p:sp>
+      <p:sp>
+        <p:nvSpPr>
+          <p:cNvPr id="9" name="TextBox 8">
+            <a:extLst>
+              <a:ext uri="{FF2B5EF4-FFF2-40B4-BE49-F238E27FC236}">
+                <a16:creationId xmlns:a16="http://schemas.microsoft.com/office/drawing/2014/main" id="{A2EAEBD2-F1E9-47B2-B78C-A27BF7E8D27E}"/>
+              </a:ext>
+            </a:extLst>
+          </p:cNvPr>
+          <p:cNvSpPr txBox="1"/>
+          <p:nvPr/>
+        </p:nvSpPr>
+        <p:spPr>
+          <a:xfrm>
+            <a:off x="3642401" y="3898288"/>
+            <a:ext cx="5261318" cy="523220"/>
+          </a:xfrm>
+          <a:prstGeom prst="rect">
+            <a:avLst/>
+          </a:prstGeom>
+          <a:noFill/>
+        </p:spPr>
+        <p:txBody>
+          <a:bodyPr wrap="square" rtlCol="0">
+            <a:spAutoFit/>
+          </a:bodyPr>
+          <a:lstStyle/>
+          <a:p>
+            <a:r>
+              <a:rPr lang="en-US" sz="2800" b="1" dirty="0">
+                <a:solidFill>
+                  <a:srgbClr val="002060"/>
+                </a:solidFill>
+                <a:latin typeface="Arial" panose="020B0604020202020204" pitchFamily="34" charset="0"/>
+                <a:cs typeface="Arial" panose="020B0604020202020204" pitchFamily="34" charset="0"/>
+              </a:rPr>
+              <a:t>What is Controller ? </a:t>
+            </a:r>
+          </a:p>
+        </p:txBody>
+      </p:sp>
+      <p:sp>
+        <p:nvSpPr>
+          <p:cNvPr id="10" name="TextBox 9">
+            <a:extLst>
+              <a:ext uri="{FF2B5EF4-FFF2-40B4-BE49-F238E27FC236}">
+                <a16:creationId xmlns:a16="http://schemas.microsoft.com/office/drawing/2014/main" id="{309C1C06-9D43-4F8F-8941-456F1131531C}"/>
+              </a:ext>
+            </a:extLst>
+          </p:cNvPr>
+          <p:cNvSpPr txBox="1"/>
+          <p:nvPr/>
+        </p:nvSpPr>
+        <p:spPr>
+          <a:xfrm>
+            <a:off x="1033670" y="4739997"/>
+            <a:ext cx="10362729" cy="646331"/>
+          </a:xfrm>
+          <a:prstGeom prst="rect">
+            <a:avLst/>
+          </a:prstGeom>
+          <a:solidFill>
+            <a:schemeClr val="accent5">
+              <a:lumMod val="50000"/>
+              <a:alpha val="50000"/>
+            </a:schemeClr>
+          </a:solidFill>
+        </p:spPr>
+        <p:txBody>
+          <a:bodyPr wrap="square" rtlCol="0">
+            <a:spAutoFit/>
+          </a:bodyPr>
+          <a:lstStyle/>
+          <a:p>
+            <a:r>
+              <a:rPr lang="en-US" dirty="0">
+                <a:latin typeface="Arial" panose="020B0604020202020204" pitchFamily="34" charset="0"/>
+                <a:cs typeface="Arial" panose="020B0604020202020204" pitchFamily="34" charset="0"/>
+              </a:rPr>
+              <a:t>A </a:t>
+            </a:r>
+            <a:r>
+              <a:rPr lang="en-US" i="1" dirty="0">
+                <a:latin typeface="Arial" panose="020B0604020202020204" pitchFamily="34" charset="0"/>
+                <a:cs typeface="Arial" panose="020B0604020202020204" pitchFamily="34" charset="0"/>
+              </a:rPr>
+              <a:t>Controller</a:t>
+            </a:r>
+            <a:r>
+              <a:rPr lang="en-US" dirty="0">
+                <a:latin typeface="Arial" panose="020B0604020202020204" pitchFamily="34" charset="0"/>
+                <a:cs typeface="Arial" panose="020B0604020202020204" pitchFamily="34" charset="0"/>
+              </a:rPr>
+              <a:t> , which represents the classes connecting the model and the view, and is used to communicate between classes in the model and view.</a:t>
             </a:r>
           </a:p>
         </p:txBody>
@@ -12753,6 +12948,400 @@
   <p:clrMapOvr>
     <a:masterClrMapping/>
   </p:clrMapOvr>
+  <p:timing>
+    <p:tnLst>
+      <p:par>
+        <p:cTn id="1" dur="indefinite" restart="never" nodeType="tmRoot">
+          <p:childTnLst>
+            <p:seq concurrent="1" nextAc="seek">
+              <p:cTn id="2" dur="indefinite" nodeType="mainSeq">
+                <p:childTnLst>
+                  <p:par>
+                    <p:cTn id="3" fill="hold">
+                      <p:stCondLst>
+                        <p:cond delay="indefinite"/>
+                      </p:stCondLst>
+                      <p:childTnLst>
+                        <p:par>
+                          <p:cTn id="4" fill="hold">
+                            <p:stCondLst>
+                              <p:cond delay="0"/>
+                            </p:stCondLst>
+                            <p:childTnLst>
+                              <p:par>
+                                <p:cTn id="5" presetID="10" presetClass="entr" presetSubtype="0" fill="hold" grpId="0" nodeType="clickEffect">
+                                  <p:stCondLst>
+                                    <p:cond delay="0"/>
+                                  </p:stCondLst>
+                                  <p:childTnLst>
+                                    <p:set>
+                                      <p:cBhvr>
+                                        <p:cTn id="6" dur="1" fill="hold">
+                                          <p:stCondLst>
+                                            <p:cond delay="0"/>
+                                          </p:stCondLst>
+                                        </p:cTn>
+                                        <p:tgtEl>
+                                          <p:spTgt spid="6"/>
+                                        </p:tgtEl>
+                                        <p:attrNameLst>
+                                          <p:attrName>style.visibility</p:attrName>
+                                        </p:attrNameLst>
+                                      </p:cBhvr>
+                                      <p:to>
+                                        <p:strVal val="visible"/>
+                                      </p:to>
+                                    </p:set>
+                                    <p:animEffect transition="in" filter="fade">
+                                      <p:cBhvr>
+                                        <p:cTn id="7" dur="500"/>
+                                        <p:tgtEl>
+                                          <p:spTgt spid="6"/>
+                                        </p:tgtEl>
+                                      </p:cBhvr>
+                                    </p:animEffect>
+                                  </p:childTnLst>
+                                </p:cTn>
+                              </p:par>
+                            </p:childTnLst>
+                          </p:cTn>
+                        </p:par>
+                      </p:childTnLst>
+                    </p:cTn>
+                  </p:par>
+                  <p:par>
+                    <p:cTn id="8" fill="hold">
+                      <p:stCondLst>
+                        <p:cond delay="indefinite"/>
+                      </p:stCondLst>
+                      <p:childTnLst>
+                        <p:par>
+                          <p:cTn id="9" fill="hold">
+                            <p:stCondLst>
+                              <p:cond delay="0"/>
+                            </p:stCondLst>
+                            <p:childTnLst>
+                              <p:par>
+                                <p:cTn id="10" presetID="42" presetClass="entr" presetSubtype="0" fill="hold" grpId="0" nodeType="clickEffect">
+                                  <p:stCondLst>
+                                    <p:cond delay="0"/>
+                                  </p:stCondLst>
+                                  <p:childTnLst>
+                                    <p:set>
+                                      <p:cBhvr>
+                                        <p:cTn id="11" dur="1" fill="hold">
+                                          <p:stCondLst>
+                                            <p:cond delay="0"/>
+                                          </p:stCondLst>
+                                        </p:cTn>
+                                        <p:tgtEl>
+                                          <p:spTgt spid="4"/>
+                                        </p:tgtEl>
+                                        <p:attrNameLst>
+                                          <p:attrName>style.visibility</p:attrName>
+                                        </p:attrNameLst>
+                                      </p:cBhvr>
+                                      <p:to>
+                                        <p:strVal val="visible"/>
+                                      </p:to>
+                                    </p:set>
+                                    <p:animEffect transition="in" filter="fade">
+                                      <p:cBhvr>
+                                        <p:cTn id="12" dur="1000"/>
+                                        <p:tgtEl>
+                                          <p:spTgt spid="4"/>
+                                        </p:tgtEl>
+                                      </p:cBhvr>
+                                    </p:animEffect>
+                                    <p:anim calcmode="lin" valueType="num">
+                                      <p:cBhvr>
+                                        <p:cTn id="13" dur="1000" fill="hold"/>
+                                        <p:tgtEl>
+                                          <p:spTgt spid="4"/>
+                                        </p:tgtEl>
+                                        <p:attrNameLst>
+                                          <p:attrName>ppt_x</p:attrName>
+                                        </p:attrNameLst>
+                                      </p:cBhvr>
+                                      <p:tavLst>
+                                        <p:tav tm="0">
+                                          <p:val>
+                                            <p:strVal val="#ppt_x"/>
+                                          </p:val>
+                                        </p:tav>
+                                        <p:tav tm="100000">
+                                          <p:val>
+                                            <p:strVal val="#ppt_x"/>
+                                          </p:val>
+                                        </p:tav>
+                                      </p:tavLst>
+                                    </p:anim>
+                                    <p:anim calcmode="lin" valueType="num">
+                                      <p:cBhvr>
+                                        <p:cTn id="14" dur="1000" fill="hold"/>
+                                        <p:tgtEl>
+                                          <p:spTgt spid="4"/>
+                                        </p:tgtEl>
+                                        <p:attrNameLst>
+                                          <p:attrName>ppt_y</p:attrName>
+                                        </p:attrNameLst>
+                                      </p:cBhvr>
+                                      <p:tavLst>
+                                        <p:tav tm="0">
+                                          <p:val>
+                                            <p:strVal val="#ppt_y+.1"/>
+                                          </p:val>
+                                        </p:tav>
+                                        <p:tav tm="100000">
+                                          <p:val>
+                                            <p:strVal val="#ppt_y"/>
+                                          </p:val>
+                                        </p:tav>
+                                      </p:tavLst>
+                                    </p:anim>
+                                  </p:childTnLst>
+                                </p:cTn>
+                              </p:par>
+                            </p:childTnLst>
+                          </p:cTn>
+                        </p:par>
+                      </p:childTnLst>
+                    </p:cTn>
+                  </p:par>
+                  <p:par>
+                    <p:cTn id="15" fill="hold">
+                      <p:stCondLst>
+                        <p:cond delay="indefinite"/>
+                      </p:stCondLst>
+                      <p:childTnLst>
+                        <p:par>
+                          <p:cTn id="16" fill="hold">
+                            <p:stCondLst>
+                              <p:cond delay="0"/>
+                            </p:stCondLst>
+                            <p:childTnLst>
+                              <p:par>
+                                <p:cTn id="17" presetID="10" presetClass="entr" presetSubtype="0" fill="hold" grpId="0" nodeType="clickEffect">
+                                  <p:stCondLst>
+                                    <p:cond delay="0"/>
+                                  </p:stCondLst>
+                                  <p:childTnLst>
+                                    <p:set>
+                                      <p:cBhvr>
+                                        <p:cTn id="18" dur="1" fill="hold">
+                                          <p:stCondLst>
+                                            <p:cond delay="0"/>
+                                          </p:stCondLst>
+                                        </p:cTn>
+                                        <p:tgtEl>
+                                          <p:spTgt spid="8"/>
+                                        </p:tgtEl>
+                                        <p:attrNameLst>
+                                          <p:attrName>style.visibility</p:attrName>
+                                        </p:attrNameLst>
+                                      </p:cBhvr>
+                                      <p:to>
+                                        <p:strVal val="visible"/>
+                                      </p:to>
+                                    </p:set>
+                                    <p:animEffect transition="in" filter="fade">
+                                      <p:cBhvr>
+                                        <p:cTn id="19" dur="500"/>
+                                        <p:tgtEl>
+                                          <p:spTgt spid="8"/>
+                                        </p:tgtEl>
+                                      </p:cBhvr>
+                                    </p:animEffect>
+                                  </p:childTnLst>
+                                </p:cTn>
+                              </p:par>
+                            </p:childTnLst>
+                          </p:cTn>
+                        </p:par>
+                      </p:childTnLst>
+                    </p:cTn>
+                  </p:par>
+                  <p:par>
+                    <p:cTn id="20" fill="hold">
+                      <p:stCondLst>
+                        <p:cond delay="indefinite"/>
+                      </p:stCondLst>
+                      <p:childTnLst>
+                        <p:par>
+                          <p:cTn id="21" fill="hold">
+                            <p:stCondLst>
+                              <p:cond delay="0"/>
+                            </p:stCondLst>
+                            <p:childTnLst>
+                              <p:par>
+                                <p:cTn id="22" presetID="42" presetClass="entr" presetSubtype="0" fill="hold" grpId="0" nodeType="clickEffect">
+                                  <p:stCondLst>
+                                    <p:cond delay="0"/>
+                                  </p:stCondLst>
+                                  <p:childTnLst>
+                                    <p:set>
+                                      <p:cBhvr>
+                                        <p:cTn id="23" dur="1" fill="hold">
+                                          <p:stCondLst>
+                                            <p:cond delay="0"/>
+                                          </p:stCondLst>
+                                        </p:cTn>
+                                        <p:tgtEl>
+                                          <p:spTgt spid="9"/>
+                                        </p:tgtEl>
+                                        <p:attrNameLst>
+                                          <p:attrName>style.visibility</p:attrName>
+                                        </p:attrNameLst>
+                                      </p:cBhvr>
+                                      <p:to>
+                                        <p:strVal val="visible"/>
+                                      </p:to>
+                                    </p:set>
+                                    <p:animEffect transition="in" filter="fade">
+                                      <p:cBhvr>
+                                        <p:cTn id="24" dur="1000"/>
+                                        <p:tgtEl>
+                                          <p:spTgt spid="9"/>
+                                        </p:tgtEl>
+                                      </p:cBhvr>
+                                    </p:animEffect>
+                                    <p:anim calcmode="lin" valueType="num">
+                                      <p:cBhvr>
+                                        <p:cTn id="25" dur="1000" fill="hold"/>
+                                        <p:tgtEl>
+                                          <p:spTgt spid="9"/>
+                                        </p:tgtEl>
+                                        <p:attrNameLst>
+                                          <p:attrName>ppt_x</p:attrName>
+                                        </p:attrNameLst>
+                                      </p:cBhvr>
+                                      <p:tavLst>
+                                        <p:tav tm="0">
+                                          <p:val>
+                                            <p:strVal val="#ppt_x"/>
+                                          </p:val>
+                                        </p:tav>
+                                        <p:tav tm="100000">
+                                          <p:val>
+                                            <p:strVal val="#ppt_x"/>
+                                          </p:val>
+                                        </p:tav>
+                                      </p:tavLst>
+                                    </p:anim>
+                                    <p:anim calcmode="lin" valueType="num">
+                                      <p:cBhvr>
+                                        <p:cTn id="26" dur="1000" fill="hold"/>
+                                        <p:tgtEl>
+                                          <p:spTgt spid="9"/>
+                                        </p:tgtEl>
+                                        <p:attrNameLst>
+                                          <p:attrName>ppt_y</p:attrName>
+                                        </p:attrNameLst>
+                                      </p:cBhvr>
+                                      <p:tavLst>
+                                        <p:tav tm="0">
+                                          <p:val>
+                                            <p:strVal val="#ppt_y+.1"/>
+                                          </p:val>
+                                        </p:tav>
+                                        <p:tav tm="100000">
+                                          <p:val>
+                                            <p:strVal val="#ppt_y"/>
+                                          </p:val>
+                                        </p:tav>
+                                      </p:tavLst>
+                                    </p:anim>
+                                  </p:childTnLst>
+                                </p:cTn>
+                              </p:par>
+                            </p:childTnLst>
+                          </p:cTn>
+                        </p:par>
+                      </p:childTnLst>
+                    </p:cTn>
+                  </p:par>
+                  <p:par>
+                    <p:cTn id="27" fill="hold">
+                      <p:stCondLst>
+                        <p:cond delay="indefinite"/>
+                      </p:stCondLst>
+                      <p:childTnLst>
+                        <p:par>
+                          <p:cTn id="28" fill="hold">
+                            <p:stCondLst>
+                              <p:cond delay="0"/>
+                            </p:stCondLst>
+                            <p:childTnLst>
+                              <p:par>
+                                <p:cTn id="29" presetID="10" presetClass="entr" presetSubtype="0" fill="hold" grpId="0" nodeType="clickEffect">
+                                  <p:stCondLst>
+                                    <p:cond delay="0"/>
+                                  </p:stCondLst>
+                                  <p:childTnLst>
+                                    <p:set>
+                                      <p:cBhvr>
+                                        <p:cTn id="30" dur="1" fill="hold">
+                                          <p:stCondLst>
+                                            <p:cond delay="0"/>
+                                          </p:stCondLst>
+                                        </p:cTn>
+                                        <p:tgtEl>
+                                          <p:spTgt spid="10"/>
+                                        </p:tgtEl>
+                                        <p:attrNameLst>
+                                          <p:attrName>style.visibility</p:attrName>
+                                        </p:attrNameLst>
+                                      </p:cBhvr>
+                                      <p:to>
+                                        <p:strVal val="visible"/>
+                                      </p:to>
+                                    </p:set>
+                                    <p:animEffect transition="in" filter="fade">
+                                      <p:cBhvr>
+                                        <p:cTn id="31" dur="500"/>
+                                        <p:tgtEl>
+                                          <p:spTgt spid="10"/>
+                                        </p:tgtEl>
+                                      </p:cBhvr>
+                                    </p:animEffect>
+                                  </p:childTnLst>
+                                </p:cTn>
+                              </p:par>
+                            </p:childTnLst>
+                          </p:cTn>
+                        </p:par>
+                      </p:childTnLst>
+                    </p:cTn>
+                  </p:par>
+                </p:childTnLst>
+              </p:cTn>
+              <p:prevCondLst>
+                <p:cond evt="onPrev" delay="0">
+                  <p:tgtEl>
+                    <p:sldTgt/>
+                  </p:tgtEl>
+                </p:cond>
+              </p:prevCondLst>
+              <p:nextCondLst>
+                <p:cond evt="onNext" delay="0">
+                  <p:tgtEl>
+                    <p:sldTgt/>
+                  </p:tgtEl>
+                </p:cond>
+              </p:nextCondLst>
+            </p:seq>
+          </p:childTnLst>
+        </p:cTn>
+      </p:par>
+    </p:tnLst>
+    <p:bldLst>
+      <p:bldP spid="6" grpId="0" animBg="1"/>
+      <p:bldP spid="4" grpId="0"/>
+      <p:bldP spid="8" grpId="0" animBg="1"/>
+      <p:bldP spid="9" grpId="0"/>
+      <p:bldP spid="10" grpId="0" animBg="1"/>
+    </p:bldLst>
+  </p:timing>
 </p:sld>
 </file>
 
@@ -12775,97 +13364,68 @@
       </p:grpSpPr>
       <p:sp>
         <p:nvSpPr>
-          <p:cNvPr id="4" name="TextBox 3">
+          <p:cNvPr id="2" name="Title 1">
             <a:extLst>
               <a:ext uri="{FF2B5EF4-FFF2-40B4-BE49-F238E27FC236}">
-                <a16:creationId xmlns:a16="http://schemas.microsoft.com/office/drawing/2014/main" id="{071BC112-3880-4A3A-8493-AB124F52F52A}"/>
+                <a16:creationId xmlns:a16="http://schemas.microsoft.com/office/drawing/2014/main" id="{87CA680A-3E2A-41AA-B4E4-F9F6AAAD912D}"/>
               </a:ext>
             </a:extLst>
           </p:cNvPr>
-          <p:cNvSpPr txBox="1"/>
-          <p:nvPr/>
+          <p:cNvSpPr>
+            <a:spLocks noGrp="1"/>
+          </p:cNvSpPr>
+          <p:nvPr>
+            <p:ph type="title"/>
+          </p:nvPr>
         </p:nvSpPr>
-        <p:spPr>
-          <a:xfrm>
-            <a:off x="4100513" y="1471612"/>
-            <a:ext cx="5214937" cy="707886"/>
-          </a:xfrm>
-          <a:prstGeom prst="rect">
-            <a:avLst/>
-          </a:prstGeom>
-          <a:noFill/>
-        </p:spPr>
+        <p:spPr/>
         <p:txBody>
-          <a:bodyPr wrap="square" rtlCol="0">
-            <a:spAutoFit/>
-          </a:bodyPr>
+          <a:bodyPr/>
           <a:lstStyle/>
           <a:p>
-            <a:r>
-              <a:rPr lang="en-US" sz="4000" b="1" dirty="0">
-                <a:solidFill>
-                  <a:srgbClr val="002060"/>
-                </a:solidFill>
-                <a:latin typeface="Arial" panose="020B0604020202020204" pitchFamily="34" charset="0"/>
-                <a:cs typeface="Arial" panose="020B0604020202020204" pitchFamily="34" charset="0"/>
-              </a:rPr>
-              <a:t>What is View ?</a:t>
-            </a:r>
+            <a:endParaRPr lang="en-AU"/>
           </a:p>
         </p:txBody>
       </p:sp>
-      <p:sp>
-        <p:nvSpPr>
-          <p:cNvPr id="5" name="TextBox 4">
+      <p:pic>
+        <p:nvPicPr>
+          <p:cNvPr id="5" name="Content Placeholder 4">
             <a:extLst>
               <a:ext uri="{FF2B5EF4-FFF2-40B4-BE49-F238E27FC236}">
-                <a16:creationId xmlns:a16="http://schemas.microsoft.com/office/drawing/2014/main" id="{C5682138-1EBA-43DE-8F03-FD52F97970A1}"/>
+                <a16:creationId xmlns:a16="http://schemas.microsoft.com/office/drawing/2014/main" id="{613D3C2E-7DC2-49BE-B942-268D4F49EC46}"/>
               </a:ext>
             </a:extLst>
           </p:cNvPr>
-          <p:cNvSpPr txBox="1"/>
-          <p:nvPr/>
-        </p:nvSpPr>
+          <p:cNvPicPr>
+            <a:picLocks noGrp="1" noChangeAspect="1"/>
+          </p:cNvPicPr>
+          <p:nvPr>
+            <p:ph idx="1"/>
+          </p:nvPr>
+        </p:nvPicPr>
+        <p:blipFill>
+          <a:blip r:embed="rId2">
+            <a:extLst>
+              <a:ext uri="{28A0092B-C50C-407E-A947-70E740481C1C}">
+                <a14:useLocalDpi xmlns:a14="http://schemas.microsoft.com/office/drawing/2010/main" val="0"/>
+              </a:ext>
+            </a:extLst>
+          </a:blip>
+          <a:stretch>
+            <a:fillRect/>
+          </a:stretch>
+        </p:blipFill>
         <p:spPr>
           <a:xfrm>
-            <a:off x="1274666" y="2583620"/>
-            <a:ext cx="9401174" cy="2554545"/>
+            <a:off x="2297830" y="618518"/>
+            <a:ext cx="8620438" cy="5372849"/>
           </a:xfrm>
-          <a:prstGeom prst="rect">
-            <a:avLst/>
-          </a:prstGeom>
-          <a:solidFill>
-            <a:schemeClr val="accent5">
-              <a:lumMod val="50000"/>
-              <a:alpha val="50000"/>
-            </a:schemeClr>
-          </a:solidFill>
         </p:spPr>
-        <p:txBody>
-          <a:bodyPr wrap="square" rtlCol="0">
-            <a:spAutoFit/>
-          </a:bodyPr>
-          <a:lstStyle/>
-          <a:p>
-            <a:r>
-              <a:rPr lang="en-US" sz="3200" b="1" dirty="0"/>
-              <a:t>A </a:t>
-            </a:r>
-            <a:r>
-              <a:rPr lang="en-US" sz="3200" b="1" i="1" dirty="0"/>
-              <a:t>view</a:t>
-            </a:r>
-            <a:r>
-              <a:rPr lang="en-US" sz="3200" b="1" dirty="0"/>
-              <a:t> can be any output representation of information, such as a chart or a diagram. Multiple views of the same information are possible, such as a bar chart for management and a tabular view for accountants.</a:t>
-            </a:r>
-          </a:p>
-        </p:txBody>
-      </p:sp>
+      </p:pic>
     </p:spTree>
     <p:extLst>
       <p:ext uri="{BB962C8B-B14F-4D97-AF65-F5344CB8AC3E}">
-        <p14:creationId xmlns:p14="http://schemas.microsoft.com/office/powerpoint/2010/main" val="3169926821"/>
+        <p14:creationId xmlns:p14="http://schemas.microsoft.com/office/powerpoint/2010/main" val="3507993071"/>
       </p:ext>
     </p:extLst>
   </p:cSld>
@@ -12876,134 +13436,6 @@
 </file>
 
 <file path=ppt/slides/slide5.xml><?xml version="1.0" encoding="utf-8"?>
-<p:sld xmlns:a="http://schemas.openxmlformats.org/drawingml/2006/main" xmlns:r="http://schemas.openxmlformats.org/officeDocument/2006/relationships" xmlns:p="http://schemas.openxmlformats.org/presentationml/2006/main">
-  <p:cSld>
-    <p:spTree>
-      <p:nvGrpSpPr>
-        <p:cNvPr id="1" name=""/>
-        <p:cNvGrpSpPr/>
-        <p:nvPr/>
-      </p:nvGrpSpPr>
-      <p:grpSpPr>
-        <a:xfrm>
-          <a:off x="0" y="0"/>
-          <a:ext cx="0" cy="0"/>
-          <a:chOff x="0" y="0"/>
-          <a:chExt cx="0" cy="0"/>
-        </a:xfrm>
-      </p:grpSpPr>
-      <p:sp>
-        <p:nvSpPr>
-          <p:cNvPr id="4" name="TextBox 3">
-            <a:extLst>
-              <a:ext uri="{FF2B5EF4-FFF2-40B4-BE49-F238E27FC236}">
-                <a16:creationId xmlns:a16="http://schemas.microsoft.com/office/drawing/2014/main" id="{E0E469A5-4BA5-474F-97C7-B3DFCEE329D0}"/>
-              </a:ext>
-            </a:extLst>
-          </p:cNvPr>
-          <p:cNvSpPr txBox="1"/>
-          <p:nvPr/>
-        </p:nvSpPr>
-        <p:spPr>
-          <a:xfrm>
-            <a:off x="3418448" y="1885069"/>
-            <a:ext cx="5261318" cy="707886"/>
-          </a:xfrm>
-          <a:prstGeom prst="rect">
-            <a:avLst/>
-          </a:prstGeom>
-          <a:noFill/>
-        </p:spPr>
-        <p:txBody>
-          <a:bodyPr wrap="square" rtlCol="0">
-            <a:spAutoFit/>
-          </a:bodyPr>
-          <a:lstStyle/>
-          <a:p>
-            <a:r>
-              <a:rPr lang="en-US" sz="4000" b="1" dirty="0">
-                <a:solidFill>
-                  <a:srgbClr val="002060"/>
-                </a:solidFill>
-                <a:latin typeface="Arial" panose="020B0604020202020204" pitchFamily="34" charset="0"/>
-                <a:cs typeface="Arial" panose="020B0604020202020204" pitchFamily="34" charset="0"/>
-              </a:rPr>
-              <a:t>What is Controller ? </a:t>
-            </a:r>
-          </a:p>
-        </p:txBody>
-      </p:sp>
-      <p:sp>
-        <p:nvSpPr>
-          <p:cNvPr id="5" name="TextBox 4">
-            <a:extLst>
-              <a:ext uri="{FF2B5EF4-FFF2-40B4-BE49-F238E27FC236}">
-                <a16:creationId xmlns:a16="http://schemas.microsoft.com/office/drawing/2014/main" id="{35633616-5CAB-4318-AEC5-200EF360C75E}"/>
-              </a:ext>
-            </a:extLst>
-          </p:cNvPr>
-          <p:cNvSpPr txBox="1"/>
-          <p:nvPr/>
-        </p:nvSpPr>
-        <p:spPr>
-          <a:xfrm>
-            <a:off x="1322362" y="2897944"/>
-            <a:ext cx="9453489" cy="2062103"/>
-          </a:xfrm>
-          <a:prstGeom prst="rect">
-            <a:avLst/>
-          </a:prstGeom>
-          <a:solidFill>
-            <a:schemeClr val="accent5">
-              <a:lumMod val="50000"/>
-              <a:alpha val="50000"/>
-            </a:schemeClr>
-          </a:solidFill>
-        </p:spPr>
-        <p:txBody>
-          <a:bodyPr wrap="square" rtlCol="0">
-            <a:spAutoFit/>
-          </a:bodyPr>
-          <a:lstStyle/>
-          <a:p>
-            <a:r>
-              <a:rPr lang="en-US" sz="3200" dirty="0">
-                <a:latin typeface="Arial" panose="020B0604020202020204" pitchFamily="34" charset="0"/>
-                <a:cs typeface="Arial" panose="020B0604020202020204" pitchFamily="34" charset="0"/>
-              </a:rPr>
-              <a:t>A </a:t>
-            </a:r>
-            <a:r>
-              <a:rPr lang="en-US" sz="3200" i="1" dirty="0">
-                <a:latin typeface="Arial" panose="020B0604020202020204" pitchFamily="34" charset="0"/>
-                <a:cs typeface="Arial" panose="020B0604020202020204" pitchFamily="34" charset="0"/>
-              </a:rPr>
-              <a:t>Controller</a:t>
-            </a:r>
-            <a:r>
-              <a:rPr lang="en-US" sz="3200" dirty="0">
-                <a:latin typeface="Arial" panose="020B0604020202020204" pitchFamily="34" charset="0"/>
-                <a:cs typeface="Arial" panose="020B0604020202020204" pitchFamily="34" charset="0"/>
-              </a:rPr>
-              <a:t> , which represents the classes connecting the model and the view, and is used to communicate between classes in the model and view.</a:t>
-            </a:r>
-          </a:p>
-        </p:txBody>
-      </p:sp>
-    </p:spTree>
-    <p:extLst>
-      <p:ext uri="{BB962C8B-B14F-4D97-AF65-F5344CB8AC3E}">
-        <p14:creationId xmlns:p14="http://schemas.microsoft.com/office/powerpoint/2010/main" val="1984640822"/>
-      </p:ext>
-    </p:extLst>
-  </p:cSld>
-  <p:clrMapOvr>
-    <a:masterClrMapping/>
-  </p:clrMapOvr>
-</p:sld>
-</file>
-
-<file path=ppt/slides/slide6.xml><?xml version="1.0" encoding="utf-8"?>
 <p:sld xmlns:a="http://schemas.openxmlformats.org/drawingml/2006/main" xmlns:r="http://schemas.openxmlformats.org/officeDocument/2006/relationships" xmlns:p="http://schemas.openxmlformats.org/presentationml/2006/main">
   <p:cSld>
     <p:bg>
@@ -13046,566 +13478,42 @@
           <a:chExt cx="0" cy="0"/>
         </a:xfrm>
       </p:grpSpPr>
-      <p:sp>
-        <p:nvSpPr>
-          <p:cNvPr id="4" name="Rectangle: Rounded Corners 3">
+      <p:pic>
+        <p:nvPicPr>
+          <p:cNvPr id="3" name="Picture 2">
             <a:extLst>
               <a:ext uri="{FF2B5EF4-FFF2-40B4-BE49-F238E27FC236}">
-                <a16:creationId xmlns:a16="http://schemas.microsoft.com/office/drawing/2014/main" id="{DB268493-A463-442F-8FCE-162C12B798BD}"/>
+                <a16:creationId xmlns:a16="http://schemas.microsoft.com/office/drawing/2014/main" id="{D597777B-96C1-45AA-924A-9BAE2F99FDFD}"/>
               </a:ext>
             </a:extLst>
           </p:cNvPr>
-          <p:cNvSpPr/>
+          <p:cNvPicPr>
+            <a:picLocks noChangeAspect="1"/>
+          </p:cNvPicPr>
           <p:nvPr/>
-        </p:nvSpPr>
+        </p:nvPicPr>
+        <p:blipFill>
+          <a:blip r:embed="rId2">
+            <a:extLst>
+              <a:ext uri="{28A0092B-C50C-407E-A947-70E740481C1C}">
+                <a14:useLocalDpi xmlns:a14="http://schemas.microsoft.com/office/drawing/2010/main" val="0"/>
+              </a:ext>
+            </a:extLst>
+          </a:blip>
+          <a:stretch>
+            <a:fillRect/>
+          </a:stretch>
+        </p:blipFill>
         <p:spPr>
           <a:xfrm>
-            <a:off x="4848199" y="334895"/>
-            <a:ext cx="2483893" cy="1078173"/>
-          </a:xfrm>
-          <a:prstGeom prst="roundRect">
-            <a:avLst/>
-          </a:prstGeom>
-          <a:solidFill>
-            <a:schemeClr val="bg2">
-              <a:lumMod val="75000"/>
-            </a:schemeClr>
-          </a:solidFill>
-        </p:spPr>
-        <p:style>
-          <a:lnRef idx="2">
-            <a:schemeClr val="accent1">
-              <a:shade val="50000"/>
-            </a:schemeClr>
-          </a:lnRef>
-          <a:fillRef idx="1">
-            <a:schemeClr val="accent1"/>
-          </a:fillRef>
-          <a:effectRef idx="0">
-            <a:schemeClr val="accent1"/>
-          </a:effectRef>
-          <a:fontRef idx="minor">
-            <a:schemeClr val="lt1"/>
-          </a:fontRef>
-        </p:style>
-        <p:txBody>
-          <a:bodyPr rtlCol="0" anchor="ctr"/>
-          <a:lstStyle/>
-          <a:p>
-            <a:pPr algn="ctr"/>
-            <a:r>
-              <a:rPr lang="en-US" sz="2400" b="1" dirty="0"/>
-              <a:t>MODEL</a:t>
-            </a:r>
-          </a:p>
-        </p:txBody>
-      </p:sp>
-      <p:sp>
-        <p:nvSpPr>
-          <p:cNvPr id="5" name="Rectangle: Rounded Corners 4">
-            <a:extLst>
-              <a:ext uri="{FF2B5EF4-FFF2-40B4-BE49-F238E27FC236}">
-                <a16:creationId xmlns:a16="http://schemas.microsoft.com/office/drawing/2014/main" id="{A809A69E-F8A8-4191-A847-E08444729AE9}"/>
-              </a:ext>
-            </a:extLst>
-          </p:cNvPr>
-          <p:cNvSpPr/>
-          <p:nvPr/>
-        </p:nvSpPr>
-        <p:spPr>
-          <a:xfrm>
-            <a:off x="2674961" y="3289110"/>
-            <a:ext cx="2265529" cy="1146412"/>
-          </a:xfrm>
-          <a:prstGeom prst="roundRect">
-            <a:avLst/>
-          </a:prstGeom>
-          <a:solidFill>
-            <a:schemeClr val="bg2">
-              <a:lumMod val="75000"/>
-            </a:schemeClr>
-          </a:solidFill>
-        </p:spPr>
-        <p:style>
-          <a:lnRef idx="2">
-            <a:schemeClr val="accent1">
-              <a:shade val="50000"/>
-            </a:schemeClr>
-          </a:lnRef>
-          <a:fillRef idx="1">
-            <a:schemeClr val="accent1"/>
-          </a:fillRef>
-          <a:effectRef idx="0">
-            <a:schemeClr val="accent1"/>
-          </a:effectRef>
-          <a:fontRef idx="minor">
-            <a:schemeClr val="lt1"/>
-          </a:fontRef>
-        </p:style>
-        <p:txBody>
-          <a:bodyPr rtlCol="0" anchor="ctr"/>
-          <a:lstStyle/>
-          <a:p>
-            <a:pPr algn="ctr"/>
-            <a:r>
-              <a:rPr lang="en-US" sz="2400" b="1" dirty="0"/>
-              <a:t>VIEW</a:t>
-            </a:r>
-          </a:p>
-        </p:txBody>
-      </p:sp>
-      <p:sp>
-        <p:nvSpPr>
-          <p:cNvPr id="6" name="Rectangle: Rounded Corners 5">
-            <a:extLst>
-              <a:ext uri="{FF2B5EF4-FFF2-40B4-BE49-F238E27FC236}">
-                <a16:creationId xmlns:a16="http://schemas.microsoft.com/office/drawing/2014/main" id="{57638BDC-ED2D-4E1B-95D1-1813F0AE713E}"/>
-              </a:ext>
-            </a:extLst>
-          </p:cNvPr>
-          <p:cNvSpPr/>
-          <p:nvPr/>
-        </p:nvSpPr>
-        <p:spPr>
-          <a:xfrm>
-            <a:off x="7424383" y="3289110"/>
-            <a:ext cx="2347415" cy="1146412"/>
-          </a:xfrm>
-          <a:prstGeom prst="roundRect">
-            <a:avLst/>
-          </a:prstGeom>
-          <a:solidFill>
-            <a:schemeClr val="bg2">
-              <a:lumMod val="75000"/>
-            </a:schemeClr>
-          </a:solidFill>
-        </p:spPr>
-        <p:style>
-          <a:lnRef idx="2">
-            <a:schemeClr val="accent1">
-              <a:shade val="50000"/>
-            </a:schemeClr>
-          </a:lnRef>
-          <a:fillRef idx="1">
-            <a:schemeClr val="accent1"/>
-          </a:fillRef>
-          <a:effectRef idx="0">
-            <a:schemeClr val="accent1"/>
-          </a:effectRef>
-          <a:fontRef idx="minor">
-            <a:schemeClr val="lt1"/>
-          </a:fontRef>
-        </p:style>
-        <p:txBody>
-          <a:bodyPr rtlCol="0" anchor="ctr"/>
-          <a:lstStyle/>
-          <a:p>
-            <a:pPr algn="ctr"/>
-            <a:r>
-              <a:rPr lang="en-US" sz="2400" b="1" dirty="0"/>
-              <a:t>CONTROLLER</a:t>
-            </a:r>
-            <a:r>
-              <a:rPr lang="en-US" dirty="0"/>
-              <a:t> </a:t>
-            </a:r>
-          </a:p>
-        </p:txBody>
-      </p:sp>
-      <p:sp>
-        <p:nvSpPr>
-          <p:cNvPr id="15" name="Arrow: Bent 14">
-            <a:extLst>
-              <a:ext uri="{FF2B5EF4-FFF2-40B4-BE49-F238E27FC236}">
-                <a16:creationId xmlns:a16="http://schemas.microsoft.com/office/drawing/2014/main" id="{E2D0FE51-41EA-42D1-8656-EC29938E1B16}"/>
-              </a:ext>
-            </a:extLst>
-          </p:cNvPr>
-          <p:cNvSpPr/>
-          <p:nvPr/>
-        </p:nvSpPr>
-        <p:spPr>
-          <a:xfrm flipH="1">
-            <a:off x="7765575" y="872197"/>
-            <a:ext cx="682388" cy="2224585"/>
-          </a:xfrm>
-          <a:prstGeom prst="bentArrow">
-            <a:avLst/>
-          </a:prstGeom>
-          <a:solidFill>
-            <a:srgbClr val="FFFF00"/>
-          </a:solidFill>
-        </p:spPr>
-        <p:style>
-          <a:lnRef idx="2">
-            <a:schemeClr val="accent1">
-              <a:shade val="50000"/>
-            </a:schemeClr>
-          </a:lnRef>
-          <a:fillRef idx="1">
-            <a:schemeClr val="accent1"/>
-          </a:fillRef>
-          <a:effectRef idx="0">
-            <a:schemeClr val="accent1"/>
-          </a:effectRef>
-          <a:fontRef idx="minor">
-            <a:schemeClr val="lt1"/>
-          </a:fontRef>
-        </p:style>
-        <p:txBody>
-          <a:bodyPr rtlCol="0" anchor="ctr"/>
-          <a:lstStyle/>
-          <a:p>
-            <a:pPr algn="ctr"/>
-            <a:endParaRPr lang="en-US">
-              <a:solidFill>
-                <a:schemeClr val="tx1"/>
-              </a:solidFill>
-            </a:endParaRPr>
-          </a:p>
-        </p:txBody>
-      </p:sp>
-      <p:sp>
-        <p:nvSpPr>
-          <p:cNvPr id="17" name="Arrow: Bent 16">
-            <a:extLst>
-              <a:ext uri="{FF2B5EF4-FFF2-40B4-BE49-F238E27FC236}">
-                <a16:creationId xmlns:a16="http://schemas.microsoft.com/office/drawing/2014/main" id="{4C126529-EECE-48CC-8D9F-5BE950F32CA0}"/>
-              </a:ext>
-            </a:extLst>
-          </p:cNvPr>
-          <p:cNvSpPr/>
-          <p:nvPr/>
-        </p:nvSpPr>
-        <p:spPr>
-          <a:xfrm rot="5400000" flipV="1">
-            <a:off x="2931161" y="1645397"/>
-            <a:ext cx="2256755" cy="710355"/>
-          </a:xfrm>
-          <a:prstGeom prst="bentArrow">
-            <a:avLst>
-              <a:gd name="adj1" fmla="val 25000"/>
-              <a:gd name="adj2" fmla="val 25961"/>
-              <a:gd name="adj3" fmla="val 25000"/>
-              <a:gd name="adj4" fmla="val 43750"/>
-            </a:avLst>
-          </a:prstGeom>
-          <a:solidFill>
-            <a:srgbClr val="FFFF00"/>
-          </a:solidFill>
-        </p:spPr>
-        <p:style>
-          <a:lnRef idx="2">
-            <a:schemeClr val="accent1">
-              <a:shade val="50000"/>
-            </a:schemeClr>
-          </a:lnRef>
-          <a:fillRef idx="1">
-            <a:schemeClr val="accent1"/>
-          </a:fillRef>
-          <a:effectRef idx="0">
-            <a:schemeClr val="accent1"/>
-          </a:effectRef>
-          <a:fontRef idx="minor">
-            <a:schemeClr val="lt1"/>
-          </a:fontRef>
-        </p:style>
-        <p:txBody>
-          <a:bodyPr rtlCol="0" anchor="ctr"/>
-          <a:lstStyle/>
-          <a:p>
-            <a:pPr algn="ctr"/>
-            <a:endParaRPr lang="en-US">
-              <a:solidFill>
-                <a:schemeClr val="tx1"/>
-              </a:solidFill>
-            </a:endParaRPr>
-          </a:p>
-        </p:txBody>
-      </p:sp>
-      <p:sp>
-        <p:nvSpPr>
-          <p:cNvPr id="18" name="TextBox 17">
-            <a:extLst>
-              <a:ext uri="{FF2B5EF4-FFF2-40B4-BE49-F238E27FC236}">
-                <a16:creationId xmlns:a16="http://schemas.microsoft.com/office/drawing/2014/main" id="{31A40ED3-8DB6-4BFA-9E39-0EB0C9CEB3FD}"/>
-              </a:ext>
-            </a:extLst>
-          </p:cNvPr>
-          <p:cNvSpPr txBox="1"/>
-          <p:nvPr/>
-        </p:nvSpPr>
-        <p:spPr>
-          <a:xfrm>
-            <a:off x="3377486" y="2181812"/>
-            <a:ext cx="1037230" cy="338554"/>
+            <a:off x="717406" y="563917"/>
+            <a:ext cx="10738122" cy="5638099"/>
           </a:xfrm>
           <a:prstGeom prst="rect">
             <a:avLst/>
           </a:prstGeom>
-          <a:solidFill>
-            <a:srgbClr val="7030A0"/>
-          </a:solidFill>
         </p:spPr>
-        <p:txBody>
-          <a:bodyPr wrap="square" rtlCol="0">
-            <a:spAutoFit/>
-          </a:bodyPr>
-          <a:lstStyle/>
-          <a:p>
-            <a:r>
-              <a:rPr lang="en-US" sz="1600" b="1" dirty="0"/>
-              <a:t>Updates</a:t>
-            </a:r>
-          </a:p>
-        </p:txBody>
-      </p:sp>
-      <p:sp>
-        <p:nvSpPr>
-          <p:cNvPr id="19" name="TextBox 18">
-            <a:extLst>
-              <a:ext uri="{FF2B5EF4-FFF2-40B4-BE49-F238E27FC236}">
-                <a16:creationId xmlns:a16="http://schemas.microsoft.com/office/drawing/2014/main" id="{486F36F0-5A03-42DB-8C71-4716751D38B7}"/>
-              </a:ext>
-            </a:extLst>
-          </p:cNvPr>
-          <p:cNvSpPr txBox="1"/>
-          <p:nvPr/>
-        </p:nvSpPr>
-        <p:spPr>
-          <a:xfrm>
-            <a:off x="7541333" y="1631242"/>
-            <a:ext cx="1617785" cy="369332"/>
-          </a:xfrm>
-          <a:prstGeom prst="rect">
-            <a:avLst/>
-          </a:prstGeom>
-          <a:solidFill>
-            <a:srgbClr val="7030A0"/>
-          </a:solidFill>
-        </p:spPr>
-        <p:txBody>
-          <a:bodyPr wrap="square" rtlCol="0">
-            <a:spAutoFit/>
-          </a:bodyPr>
-          <a:lstStyle/>
-          <a:p>
-            <a:r>
-              <a:rPr lang="en-US" b="1" dirty="0"/>
-              <a:t>Manipulates</a:t>
-            </a:r>
-          </a:p>
-        </p:txBody>
-      </p:sp>
-      <p:sp>
-        <p:nvSpPr>
-          <p:cNvPr id="20" name="Oval 19">
-            <a:extLst>
-              <a:ext uri="{FF2B5EF4-FFF2-40B4-BE49-F238E27FC236}">
-                <a16:creationId xmlns:a16="http://schemas.microsoft.com/office/drawing/2014/main" id="{6E0A901B-D752-446E-A3D7-E40F26D55125}"/>
-              </a:ext>
-            </a:extLst>
-          </p:cNvPr>
-          <p:cNvSpPr/>
-          <p:nvPr/>
-        </p:nvSpPr>
-        <p:spPr>
-          <a:xfrm>
-            <a:off x="5209929" y="5669280"/>
-            <a:ext cx="1945014" cy="1012873"/>
-          </a:xfrm>
-          <a:prstGeom prst="ellipse">
-            <a:avLst/>
-          </a:prstGeom>
-          <a:solidFill>
-            <a:schemeClr val="bg1">
-              <a:lumMod val="95000"/>
-              <a:lumOff val="5000"/>
-            </a:schemeClr>
-          </a:solidFill>
-        </p:spPr>
-        <p:style>
-          <a:lnRef idx="2">
-            <a:schemeClr val="accent1">
-              <a:shade val="50000"/>
-            </a:schemeClr>
-          </a:lnRef>
-          <a:fillRef idx="1">
-            <a:schemeClr val="accent1"/>
-          </a:fillRef>
-          <a:effectRef idx="0">
-            <a:schemeClr val="accent1"/>
-          </a:effectRef>
-          <a:fontRef idx="minor">
-            <a:schemeClr val="lt1"/>
-          </a:fontRef>
-        </p:style>
-        <p:txBody>
-          <a:bodyPr rtlCol="0" anchor="ctr"/>
-          <a:lstStyle/>
-          <a:p>
-            <a:pPr algn="ctr"/>
-            <a:r>
-              <a:rPr lang="en-US" sz="2800" b="1" dirty="0"/>
-              <a:t>USER</a:t>
-            </a:r>
-          </a:p>
-        </p:txBody>
-      </p:sp>
-      <p:cxnSp>
-        <p:nvCxnSpPr>
-          <p:cNvPr id="22" name="Straight Arrow Connector 21">
-            <a:extLst>
-              <a:ext uri="{FF2B5EF4-FFF2-40B4-BE49-F238E27FC236}">
-                <a16:creationId xmlns:a16="http://schemas.microsoft.com/office/drawing/2014/main" id="{5F06CA5E-7B73-4068-9DB4-D079E8FBE5DD}"/>
-              </a:ext>
-            </a:extLst>
-          </p:cNvPr>
-          <p:cNvCxnSpPr/>
-          <p:nvPr/>
-        </p:nvCxnSpPr>
-        <p:spPr>
-          <a:xfrm>
-            <a:off x="4059538" y="4670474"/>
-            <a:ext cx="1328388" cy="998806"/>
-          </a:xfrm>
-          <a:prstGeom prst="straightConnector1">
-            <a:avLst/>
-          </a:prstGeom>
-          <a:ln w="38100">
-            <a:solidFill>
-              <a:srgbClr val="FFFF00"/>
-            </a:solidFill>
-            <a:tailEnd type="triangle"/>
-          </a:ln>
-        </p:spPr>
-        <p:style>
-          <a:lnRef idx="1">
-            <a:schemeClr val="accent1"/>
-          </a:lnRef>
-          <a:fillRef idx="0">
-            <a:schemeClr val="accent1"/>
-          </a:fillRef>
-          <a:effectRef idx="0">
-            <a:schemeClr val="accent1"/>
-          </a:effectRef>
-          <a:fontRef idx="minor">
-            <a:schemeClr val="tx1"/>
-          </a:fontRef>
-        </p:style>
-      </p:cxnSp>
-      <p:cxnSp>
-        <p:nvCxnSpPr>
-          <p:cNvPr id="24" name="Straight Arrow Connector 23">
-            <a:extLst>
-              <a:ext uri="{FF2B5EF4-FFF2-40B4-BE49-F238E27FC236}">
-                <a16:creationId xmlns:a16="http://schemas.microsoft.com/office/drawing/2014/main" id="{62308A66-5292-4008-B3AA-619E8E2A0178}"/>
-              </a:ext>
-            </a:extLst>
-          </p:cNvPr>
-          <p:cNvCxnSpPr/>
-          <p:nvPr/>
-        </p:nvCxnSpPr>
-        <p:spPr>
-          <a:xfrm flipH="1">
-            <a:off x="7044001" y="4552998"/>
-            <a:ext cx="1443147" cy="1233758"/>
-          </a:xfrm>
-          <a:prstGeom prst="straightConnector1">
-            <a:avLst/>
-          </a:prstGeom>
-          <a:ln w="38100">
-            <a:solidFill>
-              <a:srgbClr val="FFFF00"/>
-            </a:solidFill>
-            <a:tailEnd type="triangle"/>
-          </a:ln>
-        </p:spPr>
-        <p:style>
-          <a:lnRef idx="1">
-            <a:schemeClr val="accent1"/>
-          </a:lnRef>
-          <a:fillRef idx="0">
-            <a:schemeClr val="accent1"/>
-          </a:fillRef>
-          <a:effectRef idx="0">
-            <a:schemeClr val="accent1"/>
-          </a:effectRef>
-          <a:fontRef idx="minor">
-            <a:schemeClr val="tx1"/>
-          </a:fontRef>
-        </p:style>
-      </p:cxnSp>
-      <p:sp>
-        <p:nvSpPr>
-          <p:cNvPr id="25" name="TextBox 24">
-            <a:extLst>
-              <a:ext uri="{FF2B5EF4-FFF2-40B4-BE49-F238E27FC236}">
-                <a16:creationId xmlns:a16="http://schemas.microsoft.com/office/drawing/2014/main" id="{6DB60AE7-F123-4D76-90DE-10C494898BD7}"/>
-              </a:ext>
-            </a:extLst>
-          </p:cNvPr>
-          <p:cNvSpPr txBox="1"/>
-          <p:nvPr/>
-        </p:nvSpPr>
-        <p:spPr>
-          <a:xfrm rot="2457389">
-            <a:off x="4086874" y="5078834"/>
-            <a:ext cx="765629" cy="400110"/>
-          </a:xfrm>
-          <a:prstGeom prst="rect">
-            <a:avLst/>
-          </a:prstGeom>
-          <a:noFill/>
-        </p:spPr>
-        <p:txBody>
-          <a:bodyPr wrap="square" rtlCol="0">
-            <a:spAutoFit/>
-          </a:bodyPr>
-          <a:lstStyle/>
-          <a:p>
-            <a:r>
-              <a:rPr lang="en-US" sz="2000" b="1" dirty="0"/>
-              <a:t>SEES</a:t>
-            </a:r>
-          </a:p>
-        </p:txBody>
-      </p:sp>
-      <p:sp>
-        <p:nvSpPr>
-          <p:cNvPr id="26" name="TextBox 25">
-            <a:extLst>
-              <a:ext uri="{FF2B5EF4-FFF2-40B4-BE49-F238E27FC236}">
-                <a16:creationId xmlns:a16="http://schemas.microsoft.com/office/drawing/2014/main" id="{A708B178-4AFC-463B-B836-4D85C4E30543}"/>
-              </a:ext>
-            </a:extLst>
-          </p:cNvPr>
-          <p:cNvSpPr txBox="1"/>
-          <p:nvPr/>
-        </p:nvSpPr>
-        <p:spPr>
-          <a:xfrm rot="19233861">
-            <a:off x="7566471" y="5147762"/>
-            <a:ext cx="895540" cy="400110"/>
-          </a:xfrm>
-          <a:prstGeom prst="rect">
-            <a:avLst/>
-          </a:prstGeom>
-          <a:noFill/>
-        </p:spPr>
-        <p:txBody>
-          <a:bodyPr wrap="square" rtlCol="0">
-            <a:spAutoFit/>
-          </a:bodyPr>
-          <a:lstStyle/>
-          <a:p>
-            <a:r>
-              <a:rPr lang="en-US" sz="2000" b="1" dirty="0"/>
-              <a:t>USES</a:t>
-            </a:r>
-          </a:p>
-        </p:txBody>
-      </p:sp>
+      </p:pic>
     </p:spTree>
     <p:extLst>
       <p:ext uri="{BB962C8B-B14F-4D97-AF65-F5344CB8AC3E}">
@@ -13619,7 +13527,7 @@
 </p:sld>
 </file>
 
-<file path=ppt/slides/slide7.xml><?xml version="1.0" encoding="utf-8"?>
+<file path=ppt/slides/slide6.xml><?xml version="1.0" encoding="utf-8"?>
 <p:sld xmlns:a="http://schemas.openxmlformats.org/drawingml/2006/main" xmlns:r="http://schemas.openxmlformats.org/officeDocument/2006/relationships" xmlns:p="http://schemas.openxmlformats.org/presentationml/2006/main">
   <p:cSld>
     <p:spTree>
@@ -13636,518 +13544,42 @@
           <a:chExt cx="0" cy="0"/>
         </a:xfrm>
       </p:grpSpPr>
-      <p:sp>
-        <p:nvSpPr>
-          <p:cNvPr id="17" name="Cylinder 16">
+      <p:pic>
+        <p:nvPicPr>
+          <p:cNvPr id="3" name="Picture 2">
             <a:extLst>
               <a:ext uri="{FF2B5EF4-FFF2-40B4-BE49-F238E27FC236}">
-                <a16:creationId xmlns:a16="http://schemas.microsoft.com/office/drawing/2014/main" id="{8A23CE43-7595-47C2-AE58-0F2DC0624A63}"/>
+                <a16:creationId xmlns:a16="http://schemas.microsoft.com/office/drawing/2014/main" id="{C3B2EFC6-190E-4555-AA81-5DD0D8D76E0E}"/>
               </a:ext>
             </a:extLst>
           </p:cNvPr>
-          <p:cNvSpPr/>
+          <p:cNvPicPr>
+            <a:picLocks noChangeAspect="1"/>
+          </p:cNvPicPr>
           <p:nvPr/>
-        </p:nvSpPr>
+        </p:nvPicPr>
+        <p:blipFill>
+          <a:blip r:embed="rId2">
+            <a:extLst>
+              <a:ext uri="{28A0092B-C50C-407E-A947-70E740481C1C}">
+                <a14:useLocalDpi xmlns:a14="http://schemas.microsoft.com/office/drawing/2010/main" val="0"/>
+              </a:ext>
+            </a:extLst>
+          </a:blip>
+          <a:stretch>
+            <a:fillRect/>
+          </a:stretch>
+        </p:blipFill>
         <p:spPr>
           <a:xfrm>
-            <a:off x="8734568" y="120727"/>
-            <a:ext cx="1201003" cy="1654575"/>
+            <a:off x="1548848" y="265043"/>
+            <a:ext cx="9225170" cy="6150113"/>
           </a:xfrm>
-          <a:prstGeom prst="can">
+          <a:prstGeom prst="rect">
             <a:avLst/>
           </a:prstGeom>
         </p:spPr>
-        <p:style>
-          <a:lnRef idx="2">
-            <a:schemeClr val="accent1">
-              <a:shade val="50000"/>
-            </a:schemeClr>
-          </a:lnRef>
-          <a:fillRef idx="1">
-            <a:schemeClr val="accent1"/>
-          </a:fillRef>
-          <a:effectRef idx="0">
-            <a:schemeClr val="accent1"/>
-          </a:effectRef>
-          <a:fontRef idx="minor">
-            <a:schemeClr val="lt1"/>
-          </a:fontRef>
-        </p:style>
-        <p:txBody>
-          <a:bodyPr rtlCol="0" anchor="ctr"/>
-          <a:lstStyle/>
-          <a:p>
-            <a:pPr algn="ctr"/>
-            <a:r>
-              <a:rPr lang="en-US" sz="4400" b="1" dirty="0">
-                <a:solidFill>
-                  <a:schemeClr val="bg2">
-                    <a:lumMod val="75000"/>
-                  </a:schemeClr>
-                </a:solidFill>
-                <a:latin typeface="Arial" panose="020B0604020202020204" pitchFamily="34" charset="0"/>
-                <a:cs typeface="Arial" panose="020B0604020202020204" pitchFamily="34" charset="0"/>
-              </a:rPr>
-              <a:t>DB</a:t>
-            </a:r>
-          </a:p>
-        </p:txBody>
-      </p:sp>
-      <p:sp>
-        <p:nvSpPr>
-          <p:cNvPr id="18" name="Rectangle: Rounded Corners 17">
-            <a:extLst>
-              <a:ext uri="{FF2B5EF4-FFF2-40B4-BE49-F238E27FC236}">
-                <a16:creationId xmlns:a16="http://schemas.microsoft.com/office/drawing/2014/main" id="{E01D59C1-C80E-4DF4-A21F-4F62F7C59D0A}"/>
-              </a:ext>
-            </a:extLst>
-          </p:cNvPr>
-          <p:cNvSpPr/>
-          <p:nvPr/>
-        </p:nvSpPr>
-        <p:spPr>
-          <a:xfrm>
-            <a:off x="3129366" y="264871"/>
-            <a:ext cx="2483893" cy="1078173"/>
-          </a:xfrm>
-          <a:prstGeom prst="roundRect">
-            <a:avLst/>
-          </a:prstGeom>
-          <a:solidFill>
-            <a:schemeClr val="bg2">
-              <a:lumMod val="75000"/>
-            </a:schemeClr>
-          </a:solidFill>
-        </p:spPr>
-        <p:style>
-          <a:lnRef idx="2">
-            <a:schemeClr val="accent1">
-              <a:shade val="50000"/>
-            </a:schemeClr>
-          </a:lnRef>
-          <a:fillRef idx="1">
-            <a:schemeClr val="accent1"/>
-          </a:fillRef>
-          <a:effectRef idx="0">
-            <a:schemeClr val="accent1"/>
-          </a:effectRef>
-          <a:fontRef idx="minor">
-            <a:schemeClr val="lt1"/>
-          </a:fontRef>
-        </p:style>
-        <p:txBody>
-          <a:bodyPr rtlCol="0" anchor="ctr"/>
-          <a:lstStyle/>
-          <a:p>
-            <a:pPr algn="ctr"/>
-            <a:r>
-              <a:rPr lang="en-US" sz="2400" b="1" dirty="0"/>
-              <a:t>MODEL</a:t>
-            </a:r>
-          </a:p>
-        </p:txBody>
-      </p:sp>
-      <p:sp>
-        <p:nvSpPr>
-          <p:cNvPr id="19" name="Rectangle: Rounded Corners 18">
-            <a:extLst>
-              <a:ext uri="{FF2B5EF4-FFF2-40B4-BE49-F238E27FC236}">
-                <a16:creationId xmlns:a16="http://schemas.microsoft.com/office/drawing/2014/main" id="{858C50A9-5793-4412-AE02-6FC05E774E83}"/>
-              </a:ext>
-            </a:extLst>
-          </p:cNvPr>
-          <p:cNvSpPr/>
-          <p:nvPr/>
-        </p:nvSpPr>
-        <p:spPr>
-          <a:xfrm>
-            <a:off x="914400" y="3220871"/>
-            <a:ext cx="2265529" cy="1146412"/>
-          </a:xfrm>
-          <a:prstGeom prst="roundRect">
-            <a:avLst/>
-          </a:prstGeom>
-          <a:solidFill>
-            <a:schemeClr val="bg2">
-              <a:lumMod val="75000"/>
-            </a:schemeClr>
-          </a:solidFill>
-        </p:spPr>
-        <p:style>
-          <a:lnRef idx="2">
-            <a:schemeClr val="accent1">
-              <a:shade val="50000"/>
-            </a:schemeClr>
-          </a:lnRef>
-          <a:fillRef idx="1">
-            <a:schemeClr val="accent1"/>
-          </a:fillRef>
-          <a:effectRef idx="0">
-            <a:schemeClr val="accent1"/>
-          </a:effectRef>
-          <a:fontRef idx="minor">
-            <a:schemeClr val="lt1"/>
-          </a:fontRef>
-        </p:style>
-        <p:txBody>
-          <a:bodyPr rtlCol="0" anchor="ctr"/>
-          <a:lstStyle/>
-          <a:p>
-            <a:pPr algn="ctr"/>
-            <a:r>
-              <a:rPr lang="en-US" sz="2400" b="1" dirty="0"/>
-              <a:t>VIEW</a:t>
-            </a:r>
-          </a:p>
-        </p:txBody>
-      </p:sp>
-      <p:sp>
-        <p:nvSpPr>
-          <p:cNvPr id="20" name="Rectangle: Rounded Corners 19">
-            <a:extLst>
-              <a:ext uri="{FF2B5EF4-FFF2-40B4-BE49-F238E27FC236}">
-                <a16:creationId xmlns:a16="http://schemas.microsoft.com/office/drawing/2014/main" id="{18B8D5A9-DFF8-4785-9E0E-11E889B62443}"/>
-              </a:ext>
-            </a:extLst>
-          </p:cNvPr>
-          <p:cNvSpPr/>
-          <p:nvPr/>
-        </p:nvSpPr>
-        <p:spPr>
-          <a:xfrm>
-            <a:off x="5541247" y="2396650"/>
-            <a:ext cx="2187416" cy="1132765"/>
-          </a:xfrm>
-          <a:prstGeom prst="roundRect">
-            <a:avLst/>
-          </a:prstGeom>
-          <a:solidFill>
-            <a:schemeClr val="bg2">
-              <a:lumMod val="75000"/>
-            </a:schemeClr>
-          </a:solidFill>
-        </p:spPr>
-        <p:style>
-          <a:lnRef idx="2">
-            <a:schemeClr val="accent1">
-              <a:shade val="50000"/>
-            </a:schemeClr>
-          </a:lnRef>
-          <a:fillRef idx="1">
-            <a:schemeClr val="accent1"/>
-          </a:fillRef>
-          <a:effectRef idx="0">
-            <a:schemeClr val="accent1"/>
-          </a:effectRef>
-          <a:fontRef idx="minor">
-            <a:schemeClr val="lt1"/>
-          </a:fontRef>
-        </p:style>
-        <p:txBody>
-          <a:bodyPr rtlCol="0" anchor="ctr"/>
-          <a:lstStyle/>
-          <a:p>
-            <a:pPr algn="ctr"/>
-            <a:r>
-              <a:rPr lang="en-US" sz="2400" b="1" dirty="0"/>
-              <a:t>CONTROLLER</a:t>
-            </a:r>
-            <a:r>
-              <a:rPr lang="en-US" dirty="0"/>
-              <a:t> </a:t>
-            </a:r>
-          </a:p>
-        </p:txBody>
-      </p:sp>
-      <p:sp>
-        <p:nvSpPr>
-          <p:cNvPr id="25" name="Oval 24">
-            <a:extLst>
-              <a:ext uri="{FF2B5EF4-FFF2-40B4-BE49-F238E27FC236}">
-                <a16:creationId xmlns:a16="http://schemas.microsoft.com/office/drawing/2014/main" id="{134DF64E-5717-446A-9EE8-E73964052FA5}"/>
-              </a:ext>
-            </a:extLst>
-          </p:cNvPr>
-          <p:cNvSpPr/>
-          <p:nvPr/>
-        </p:nvSpPr>
-        <p:spPr>
-          <a:xfrm>
-            <a:off x="4258103" y="5279119"/>
-            <a:ext cx="1945014" cy="1012873"/>
-          </a:xfrm>
-          <a:prstGeom prst="ellipse">
-            <a:avLst/>
-          </a:prstGeom>
-          <a:solidFill>
-            <a:schemeClr val="bg1">
-              <a:lumMod val="95000"/>
-              <a:lumOff val="5000"/>
-            </a:schemeClr>
-          </a:solidFill>
-        </p:spPr>
-        <p:style>
-          <a:lnRef idx="2">
-            <a:schemeClr val="accent1">
-              <a:shade val="50000"/>
-            </a:schemeClr>
-          </a:lnRef>
-          <a:fillRef idx="1">
-            <a:schemeClr val="accent1"/>
-          </a:fillRef>
-          <a:effectRef idx="0">
-            <a:schemeClr val="accent1"/>
-          </a:effectRef>
-          <a:fontRef idx="minor">
-            <a:schemeClr val="lt1"/>
-          </a:fontRef>
-        </p:style>
-        <p:txBody>
-          <a:bodyPr rtlCol="0" anchor="ctr"/>
-          <a:lstStyle/>
-          <a:p>
-            <a:pPr algn="ctr"/>
-            <a:r>
-              <a:rPr lang="en-US" sz="2800" b="1" dirty="0"/>
-              <a:t>USER</a:t>
-            </a:r>
-          </a:p>
-        </p:txBody>
-      </p:sp>
-      <p:cxnSp>
-        <p:nvCxnSpPr>
-          <p:cNvPr id="26" name="Straight Arrow Connector 25">
-            <a:extLst>
-              <a:ext uri="{FF2B5EF4-FFF2-40B4-BE49-F238E27FC236}">
-                <a16:creationId xmlns:a16="http://schemas.microsoft.com/office/drawing/2014/main" id="{0AEBA6AA-B475-4C93-927A-2695ADFF9B52}"/>
-              </a:ext>
-            </a:extLst>
-          </p:cNvPr>
-          <p:cNvCxnSpPr>
-            <a:cxnSpLocks/>
-          </p:cNvCxnSpPr>
-          <p:nvPr/>
-        </p:nvCxnSpPr>
-        <p:spPr>
-          <a:xfrm flipH="1">
-            <a:off x="5837502" y="684078"/>
-            <a:ext cx="2173735" cy="0"/>
-          </a:xfrm>
-          <a:prstGeom prst="straightConnector1">
-            <a:avLst/>
-          </a:prstGeom>
-          <a:ln w="38100">
-            <a:solidFill>
-              <a:srgbClr val="FFFF00"/>
-            </a:solidFill>
-            <a:tailEnd type="triangle"/>
-          </a:ln>
-        </p:spPr>
-        <p:style>
-          <a:lnRef idx="1">
-            <a:schemeClr val="accent1"/>
-          </a:lnRef>
-          <a:fillRef idx="0">
-            <a:schemeClr val="accent1"/>
-          </a:fillRef>
-          <a:effectRef idx="0">
-            <a:schemeClr val="accent1"/>
-          </a:effectRef>
-          <a:fontRef idx="minor">
-            <a:schemeClr val="tx1"/>
-          </a:fontRef>
-        </p:style>
-      </p:cxnSp>
-      <p:cxnSp>
-        <p:nvCxnSpPr>
-          <p:cNvPr id="27" name="Straight Arrow Connector 26">
-            <a:extLst>
-              <a:ext uri="{FF2B5EF4-FFF2-40B4-BE49-F238E27FC236}">
-                <a16:creationId xmlns:a16="http://schemas.microsoft.com/office/drawing/2014/main" id="{786BA037-A20E-4FC8-9536-C5559BF27893}"/>
-              </a:ext>
-            </a:extLst>
-          </p:cNvPr>
-          <p:cNvCxnSpPr>
-            <a:cxnSpLocks/>
-          </p:cNvCxnSpPr>
-          <p:nvPr/>
-        </p:nvCxnSpPr>
-        <p:spPr>
-          <a:xfrm flipH="1">
-            <a:off x="3339929" y="3604709"/>
-            <a:ext cx="2760620" cy="233251"/>
-          </a:xfrm>
-          <a:prstGeom prst="straightConnector1">
-            <a:avLst/>
-          </a:prstGeom>
-          <a:ln w="38100">
-            <a:solidFill>
-              <a:srgbClr val="FFFF00"/>
-            </a:solidFill>
-            <a:tailEnd type="triangle"/>
-          </a:ln>
-        </p:spPr>
-        <p:style>
-          <a:lnRef idx="1">
-            <a:schemeClr val="accent1"/>
-          </a:lnRef>
-          <a:fillRef idx="0">
-            <a:schemeClr val="accent1"/>
-          </a:fillRef>
-          <a:effectRef idx="0">
-            <a:schemeClr val="accent1"/>
-          </a:effectRef>
-          <a:fontRef idx="minor">
-            <a:schemeClr val="tx1"/>
-          </a:fontRef>
-        </p:style>
-      </p:cxnSp>
-      <p:cxnSp>
-        <p:nvCxnSpPr>
-          <p:cNvPr id="35" name="Straight Arrow Connector 34">
-            <a:extLst>
-              <a:ext uri="{FF2B5EF4-FFF2-40B4-BE49-F238E27FC236}">
-                <a16:creationId xmlns:a16="http://schemas.microsoft.com/office/drawing/2014/main" id="{1D6B8BD9-B840-4604-A025-B61D6EE3463E}"/>
-              </a:ext>
-            </a:extLst>
-          </p:cNvPr>
-          <p:cNvCxnSpPr>
-            <a:cxnSpLocks/>
-          </p:cNvCxnSpPr>
-          <p:nvPr/>
-        </p:nvCxnSpPr>
-        <p:spPr>
-          <a:xfrm>
-            <a:off x="4421874" y="1502198"/>
-            <a:ext cx="2074460" cy="819158"/>
-          </a:xfrm>
-          <a:prstGeom prst="straightConnector1">
-            <a:avLst/>
-          </a:prstGeom>
-          <a:ln w="38100">
-            <a:solidFill>
-              <a:srgbClr val="FFFF00"/>
-            </a:solidFill>
-            <a:tailEnd type="triangle"/>
-          </a:ln>
-        </p:spPr>
-        <p:style>
-          <a:lnRef idx="1">
-            <a:schemeClr val="accent1"/>
-          </a:lnRef>
-          <a:fillRef idx="0">
-            <a:schemeClr val="accent1"/>
-          </a:fillRef>
-          <a:effectRef idx="0">
-            <a:schemeClr val="accent1"/>
-          </a:effectRef>
-          <a:fontRef idx="minor">
-            <a:schemeClr val="tx1"/>
-          </a:fontRef>
-        </p:style>
-      </p:cxnSp>
-      <p:sp>
-        <p:nvSpPr>
-          <p:cNvPr id="42" name="Double Wave 41">
-            <a:extLst>
-              <a:ext uri="{FF2B5EF4-FFF2-40B4-BE49-F238E27FC236}">
-                <a16:creationId xmlns:a16="http://schemas.microsoft.com/office/drawing/2014/main" id="{96CF0FE5-9346-441D-B5DE-A8B7F50136B0}"/>
-              </a:ext>
-            </a:extLst>
-          </p:cNvPr>
-          <p:cNvSpPr/>
-          <p:nvPr/>
-        </p:nvSpPr>
-        <p:spPr>
-          <a:xfrm>
-            <a:off x="9171296" y="3392318"/>
-            <a:ext cx="1323833" cy="658032"/>
-          </a:xfrm>
-          <a:prstGeom prst="doubleWave">
-            <a:avLst/>
-          </a:prstGeom>
-          <a:solidFill>
-            <a:schemeClr val="tx1"/>
-          </a:solidFill>
-        </p:spPr>
-        <p:style>
-          <a:lnRef idx="2">
-            <a:schemeClr val="accent1">
-              <a:shade val="50000"/>
-            </a:schemeClr>
-          </a:lnRef>
-          <a:fillRef idx="1">
-            <a:schemeClr val="accent1"/>
-          </a:fillRef>
-          <a:effectRef idx="0">
-            <a:schemeClr val="accent1"/>
-          </a:effectRef>
-          <a:fontRef idx="minor">
-            <a:schemeClr val="lt1"/>
-          </a:fontRef>
-        </p:style>
-        <p:txBody>
-          <a:bodyPr rtlCol="0" anchor="ctr"/>
-          <a:lstStyle/>
-          <a:p>
-            <a:pPr algn="ctr"/>
-            <a:r>
-              <a:rPr lang="en-US" sz="2800" b="1" dirty="0">
-                <a:solidFill>
-                  <a:schemeClr val="bg1"/>
-                </a:solidFill>
-                <a:latin typeface="Arial" panose="020B0604020202020204" pitchFamily="34" charset="0"/>
-                <a:cs typeface="Arial" panose="020B0604020202020204" pitchFamily="34" charset="0"/>
-              </a:rPr>
-              <a:t>Data</a:t>
-            </a:r>
-          </a:p>
-        </p:txBody>
-      </p:sp>
-      <p:cxnSp>
-        <p:nvCxnSpPr>
-          <p:cNvPr id="43" name="Straight Arrow Connector 42">
-            <a:extLst>
-              <a:ext uri="{FF2B5EF4-FFF2-40B4-BE49-F238E27FC236}">
-                <a16:creationId xmlns:a16="http://schemas.microsoft.com/office/drawing/2014/main" id="{7ECA86DF-75D6-44BD-81B4-7F14053C8EF7}"/>
-              </a:ext>
-            </a:extLst>
-          </p:cNvPr>
-          <p:cNvCxnSpPr>
-            <a:cxnSpLocks/>
-          </p:cNvCxnSpPr>
-          <p:nvPr/>
-        </p:nvCxnSpPr>
-        <p:spPr>
-          <a:xfrm>
-            <a:off x="2112608" y="4502665"/>
-            <a:ext cx="2033516" cy="1282890"/>
-          </a:xfrm>
-          <a:prstGeom prst="straightConnector1">
-            <a:avLst/>
-          </a:prstGeom>
-          <a:ln w="38100">
-            <a:solidFill>
-              <a:srgbClr val="FFFF00"/>
-            </a:solidFill>
-            <a:tailEnd type="triangle"/>
-          </a:ln>
-        </p:spPr>
-        <p:style>
-          <a:lnRef idx="1">
-            <a:schemeClr val="accent1"/>
-          </a:lnRef>
-          <a:fillRef idx="0">
-            <a:schemeClr val="accent1"/>
-          </a:fillRef>
-          <a:effectRef idx="0">
-            <a:schemeClr val="accent1"/>
-          </a:effectRef>
-          <a:fontRef idx="minor">
-            <a:schemeClr val="tx1"/>
-          </a:fontRef>
-        </p:style>
-      </p:cxnSp>
+      </p:pic>
     </p:spTree>
     <p:extLst>
       <p:ext uri="{BB962C8B-B14F-4D97-AF65-F5344CB8AC3E}">
